--- a/PPTs/04 Dependency Injection.pptx
+++ b/PPTs/04 Dependency Injection.pptx
@@ -5,7 +5,7 @@
     <p:sldMasterId id="2147483672" r:id="rId1"/>
   </p:sldMasterIdLst>
   <p:notesMasterIdLst>
-    <p:notesMasterId r:id="rId37"/>
+    <p:notesMasterId r:id="rId43"/>
   </p:notesMasterIdLst>
   <p:sldIdLst>
     <p:sldId id="256" r:id="rId2"/>
@@ -42,7 +42,13 @@
     <p:sldId id="286" r:id="rId33"/>
     <p:sldId id="287" r:id="rId34"/>
     <p:sldId id="289" r:id="rId35"/>
-    <p:sldId id="292" r:id="rId36"/>
+    <p:sldId id="293" r:id="rId36"/>
+    <p:sldId id="294" r:id="rId37"/>
+    <p:sldId id="295" r:id="rId38"/>
+    <p:sldId id="296" r:id="rId39"/>
+    <p:sldId id="297" r:id="rId40"/>
+    <p:sldId id="298" r:id="rId41"/>
+    <p:sldId id="292" r:id="rId42"/>
   </p:sldIdLst>
   <p:sldSz cx="9144000" cy="6858000" type="screen4x3"/>
   <p:notesSz cx="6858000" cy="9144000"/>
@@ -247,7 +253,7 @@
             <a:fld id="{4991502B-FFA8-47B9-B4E5-980CA415BAFF}" type="datetimeFigureOut">
               <a:rPr lang="en-US" smtClean="0"/>
               <a:pPr/>
-              <a:t>5/7/2017</a:t>
+              <a:t>5/24/2017</a:t>
             </a:fld>
             <a:endParaRPr lang="en-US"/>
           </a:p>
@@ -4478,6 +4484,12 @@
           <a:prstGeom prst="rect">
             <a:avLst/>
           </a:prstGeom>
+          <a:solidFill>
+            <a:schemeClr val="accent1">
+              <a:lumMod val="40000"/>
+              <a:lumOff val="60000"/>
+            </a:schemeClr>
+          </a:solidFill>
         </p:spPr>
         <p:txBody>
           <a:bodyPr wrap="square">
@@ -5179,6 +5191,13 @@
               <a:gd name="adj6" fmla="val -128989"/>
             </a:avLst>
           </a:prstGeom>
+          <a:solidFill>
+            <a:schemeClr val="accent4"/>
+          </a:solidFill>
+          <a:ln>
+            <a:headEnd type="none"/>
+            <a:tailEnd type="triangle"/>
+          </a:ln>
         </p:spPr>
         <p:style>
           <a:lnRef idx="2">
@@ -5324,6 +5343,12 @@
           <a:prstGeom prst="rect">
             <a:avLst/>
           </a:prstGeom>
+          <a:solidFill>
+            <a:schemeClr val="accent1">
+              <a:lumMod val="40000"/>
+              <a:lumOff val="60000"/>
+            </a:schemeClr>
+          </a:solidFill>
         </p:spPr>
         <p:txBody>
           <a:bodyPr wrap="square">
@@ -6102,6 +6127,13 @@
               <a:gd name="adj6" fmla="val -77824"/>
             </a:avLst>
           </a:prstGeom>
+          <a:solidFill>
+            <a:schemeClr val="accent4"/>
+          </a:solidFill>
+          <a:ln>
+            <a:headEnd type="none"/>
+            <a:tailEnd type="triangle"/>
+          </a:ln>
         </p:spPr>
         <p:style>
           <a:lnRef idx="2">
@@ -6279,6 +6311,12 @@
           <a:prstGeom prst="rect">
             <a:avLst/>
           </a:prstGeom>
+          <a:solidFill>
+            <a:schemeClr val="accent1">
+              <a:lumMod val="40000"/>
+              <a:lumOff val="60000"/>
+            </a:schemeClr>
+          </a:solidFill>
         </p:spPr>
         <p:txBody>
           <a:bodyPr wrap="square">
@@ -6763,6 +6801,13 @@
               <a:gd name="adj6" fmla="val -80384"/>
             </a:avLst>
           </a:prstGeom>
+          <a:solidFill>
+            <a:schemeClr val="accent4"/>
+          </a:solidFill>
+          <a:ln>
+            <a:headEnd type="none"/>
+            <a:tailEnd type="triangle"/>
+          </a:ln>
         </p:spPr>
         <p:style>
           <a:lnRef idx="2">
@@ -6787,11 +6832,11 @@
             <a:pPr algn="ctr"/>
             <a:r>
               <a:rPr lang="en-US" sz="1400" dirty="0"/>
-              <a:t>Angular knows that the </a:t>
-            </a:r>
-            <a:r>
-              <a:rPr lang="en-US" sz="1400" dirty="0" err="1"/>
-              <a:t>ctor</a:t>
+              <a:t>Angular knows that </a:t>
+            </a:r>
+            <a:r>
+              <a:rPr lang="en-US" sz="1400"/>
+              <a:t>the ctor</a:t>
             </a:r>
             <a:r>
               <a:rPr lang="en-US" sz="1400" dirty="0"/>
@@ -6821,6 +6866,13 @@
               <a:gd name="adj6" fmla="val -363233"/>
             </a:avLst>
           </a:prstGeom>
+          <a:solidFill>
+            <a:schemeClr val="accent4"/>
+          </a:solidFill>
+          <a:ln>
+            <a:headEnd type="none"/>
+            <a:tailEnd type="triangle"/>
+          </a:ln>
         </p:spPr>
         <p:style>
           <a:lnRef idx="2">
@@ -6966,6 +7018,12 @@
           <a:prstGeom prst="rect">
             <a:avLst/>
           </a:prstGeom>
+          <a:solidFill>
+            <a:schemeClr val="accent1">
+              <a:lumMod val="40000"/>
+              <a:lumOff val="60000"/>
+            </a:schemeClr>
+          </a:solidFill>
         </p:spPr>
         <p:txBody>
           <a:bodyPr wrap="square">
@@ -7662,6 +7720,13 @@
               <a:gd name="adj6" fmla="val -172571"/>
             </a:avLst>
           </a:prstGeom>
+          <a:solidFill>
+            <a:schemeClr val="accent4"/>
+          </a:solidFill>
+          <a:ln>
+            <a:headEnd type="none"/>
+            <a:tailEnd type="triangle"/>
+          </a:ln>
         </p:spPr>
         <p:style>
           <a:lnRef idx="2">
@@ -7964,6 +8029,12 @@
           <a:prstGeom prst="rect">
             <a:avLst/>
           </a:prstGeom>
+          <a:solidFill>
+            <a:schemeClr val="accent1">
+              <a:lumMod val="40000"/>
+              <a:lumOff val="60000"/>
+            </a:schemeClr>
+          </a:solidFill>
         </p:spPr>
         <p:txBody>
           <a:bodyPr wrap="square">
@@ -8596,6 +8667,13 @@
               <a:gd name="adj6" fmla="val -144063"/>
             </a:avLst>
           </a:prstGeom>
+          <a:solidFill>
+            <a:schemeClr val="accent4"/>
+          </a:solidFill>
+          <a:ln>
+            <a:headEnd type="none"/>
+            <a:tailEnd type="triangle"/>
+          </a:ln>
         </p:spPr>
         <p:style>
           <a:lnRef idx="2">
@@ -8646,6 +8724,13 @@
               <a:gd name="adj6" fmla="val -220159"/>
             </a:avLst>
           </a:prstGeom>
+          <a:solidFill>
+            <a:schemeClr val="accent4"/>
+          </a:solidFill>
+          <a:ln>
+            <a:headEnd type="none"/>
+            <a:tailEnd type="triangle"/>
+          </a:ln>
         </p:spPr>
         <p:style>
           <a:lnRef idx="2">
@@ -8689,6 +8774,12 @@
           <a:prstGeom prst="rect">
             <a:avLst/>
           </a:prstGeom>
+          <a:solidFill>
+            <a:schemeClr val="accent1">
+              <a:lumMod val="40000"/>
+              <a:lumOff val="60000"/>
+            </a:schemeClr>
+          </a:solidFill>
         </p:spPr>
         <p:txBody>
           <a:bodyPr wrap="square">
@@ -9056,6 +9147,13 @@
               <a:gd name="adj6" fmla="val -44304"/>
             </a:avLst>
           </a:prstGeom>
+          <a:solidFill>
+            <a:schemeClr val="accent4"/>
+          </a:solidFill>
+          <a:ln>
+            <a:headEnd type="none"/>
+            <a:tailEnd type="triangle"/>
+          </a:ln>
         </p:spPr>
         <p:style>
           <a:lnRef idx="2">
@@ -9106,6 +9204,13 @@
               <a:gd name="adj6" fmla="val 796"/>
             </a:avLst>
           </a:prstGeom>
+          <a:solidFill>
+            <a:schemeClr val="accent4"/>
+          </a:solidFill>
+          <a:ln>
+            <a:headEnd type="none"/>
+            <a:tailEnd type="triangle"/>
+          </a:ln>
         </p:spPr>
         <p:style>
           <a:lnRef idx="2">
@@ -9318,6 +9423,627 @@
       </p:grpSpPr>
       <p:sp>
         <p:nvSpPr>
+          <p:cNvPr id="8" name="Rectangle 7"/>
+          <p:cNvSpPr/>
+          <p:nvPr/>
+        </p:nvSpPr>
+        <p:spPr>
+          <a:xfrm>
+            <a:off x="2403348" y="3568335"/>
+            <a:ext cx="4572000" cy="1815882"/>
+          </a:xfrm>
+          <a:prstGeom prst="rect">
+            <a:avLst/>
+          </a:prstGeom>
+          <a:solidFill>
+            <a:schemeClr val="accent1">
+              <a:lumMod val="40000"/>
+              <a:lumOff val="60000"/>
+            </a:schemeClr>
+          </a:solidFill>
+        </p:spPr>
+        <p:txBody>
+          <a:bodyPr>
+            <a:spAutoFit/>
+          </a:bodyPr>
+          <a:lstStyle/>
+          <a:p>
+            <a:r>
+              <a:rPr lang="en-US" sz="1400" b="1" dirty="0" err="1">
+                <a:solidFill>
+                  <a:srgbClr val="000080"/>
+                </a:solidFill>
+                <a:latin typeface="Calibri" panose="020F0502020204030204" pitchFamily="34" charset="0"/>
+                <a:ea typeface="Calibri" panose="020F0502020204030204" pitchFamily="34" charset="0"/>
+                <a:cs typeface="Arial" panose="020B0604020202020204" pitchFamily="34" charset="0"/>
+              </a:rPr>
+              <a:t>const</a:t>
+            </a:r>
+            <a:r>
+              <a:rPr lang="en-US" sz="1400" b="1" dirty="0">
+                <a:solidFill>
+                  <a:srgbClr val="000080"/>
+                </a:solidFill>
+                <a:latin typeface="Calibri" panose="020F0502020204030204" pitchFamily="34" charset="0"/>
+                <a:ea typeface="Calibri" panose="020F0502020204030204" pitchFamily="34" charset="0"/>
+                <a:cs typeface="Arial" panose="020B0604020202020204" pitchFamily="34" charset="0"/>
+              </a:rPr>
+              <a:t> </a:t>
+            </a:r>
+            <a:r>
+              <a:rPr lang="en-US" sz="1400" dirty="0">
+                <a:solidFill>
+                  <a:srgbClr val="458383"/>
+                </a:solidFill>
+                <a:latin typeface="Calibri" panose="020F0502020204030204" pitchFamily="34" charset="0"/>
+                <a:ea typeface="Calibri" panose="020F0502020204030204" pitchFamily="34" charset="0"/>
+                <a:cs typeface="Arial" panose="020B0604020202020204" pitchFamily="34" charset="0"/>
+              </a:rPr>
+              <a:t>injector </a:t>
+            </a:r>
+            <a:r>
+              <a:rPr lang="en-US" sz="1400" dirty="0">
+                <a:solidFill>
+                  <a:srgbClr val="000000"/>
+                </a:solidFill>
+                <a:latin typeface="Calibri" panose="020F0502020204030204" pitchFamily="34" charset="0"/>
+                <a:ea typeface="Calibri" panose="020F0502020204030204" pitchFamily="34" charset="0"/>
+                <a:cs typeface="Arial" panose="020B0604020202020204" pitchFamily="34" charset="0"/>
+              </a:rPr>
+              <a:t>= </a:t>
+            </a:r>
+            <a:r>
+              <a:rPr lang="en-US" sz="1400" dirty="0" err="1">
+                <a:solidFill>
+                  <a:srgbClr val="000000"/>
+                </a:solidFill>
+                <a:latin typeface="Calibri" panose="020F0502020204030204" pitchFamily="34" charset="0"/>
+                <a:ea typeface="Calibri" panose="020F0502020204030204" pitchFamily="34" charset="0"/>
+                <a:cs typeface="Arial" panose="020B0604020202020204" pitchFamily="34" charset="0"/>
+              </a:rPr>
+              <a:t>ReflectiveInjector.</a:t>
+            </a:r>
+            <a:r>
+              <a:rPr lang="en-US" sz="1400" i="1" dirty="0" err="1">
+                <a:solidFill>
+                  <a:srgbClr val="000000"/>
+                </a:solidFill>
+                <a:latin typeface="Calibri" panose="020F0502020204030204" pitchFamily="34" charset="0"/>
+                <a:ea typeface="Calibri" panose="020F0502020204030204" pitchFamily="34" charset="0"/>
+                <a:cs typeface="Arial" panose="020B0604020202020204" pitchFamily="34" charset="0"/>
+              </a:rPr>
+              <a:t>resolveAndCreate</a:t>
+            </a:r>
+            <a:r>
+              <a:rPr lang="en-US" sz="1400" dirty="0">
+                <a:solidFill>
+                  <a:srgbClr val="000000"/>
+                </a:solidFill>
+                <a:latin typeface="Calibri" panose="020F0502020204030204" pitchFamily="34" charset="0"/>
+                <a:ea typeface="Calibri" panose="020F0502020204030204" pitchFamily="34" charset="0"/>
+                <a:cs typeface="Arial" panose="020B0604020202020204" pitchFamily="34" charset="0"/>
+              </a:rPr>
+              <a:t>([</a:t>
+            </a:r>
+            <a:br>
+              <a:rPr lang="en-US" sz="1400" dirty="0">
+                <a:solidFill>
+                  <a:srgbClr val="000000"/>
+                </a:solidFill>
+                <a:latin typeface="Calibri" panose="020F0502020204030204" pitchFamily="34" charset="0"/>
+                <a:ea typeface="Calibri" panose="020F0502020204030204" pitchFamily="34" charset="0"/>
+                <a:cs typeface="Arial" panose="020B0604020202020204" pitchFamily="34" charset="0"/>
+              </a:rPr>
+            </a:br>
+            <a:r>
+              <a:rPr lang="en-US" sz="1400" dirty="0">
+                <a:solidFill>
+                  <a:srgbClr val="000000"/>
+                </a:solidFill>
+                <a:latin typeface="Calibri" panose="020F0502020204030204" pitchFamily="34" charset="0"/>
+                <a:ea typeface="Calibri" panose="020F0502020204030204" pitchFamily="34" charset="0"/>
+                <a:cs typeface="Arial" panose="020B0604020202020204" pitchFamily="34" charset="0"/>
+              </a:rPr>
+              <a:t>    {</a:t>
+            </a:r>
+            <a:r>
+              <a:rPr lang="en-US" sz="1400" b="1" dirty="0">
+                <a:solidFill>
+                  <a:srgbClr val="660E7A"/>
+                </a:solidFill>
+                <a:latin typeface="Calibri" panose="020F0502020204030204" pitchFamily="34" charset="0"/>
+                <a:ea typeface="Calibri" panose="020F0502020204030204" pitchFamily="34" charset="0"/>
+                <a:cs typeface="Arial" panose="020B0604020202020204" pitchFamily="34" charset="0"/>
+              </a:rPr>
+              <a:t>provide</a:t>
+            </a:r>
+            <a:r>
+              <a:rPr lang="en-US" sz="1400" dirty="0">
+                <a:solidFill>
+                  <a:srgbClr val="000000"/>
+                </a:solidFill>
+                <a:latin typeface="Calibri" panose="020F0502020204030204" pitchFamily="34" charset="0"/>
+                <a:ea typeface="Calibri" panose="020F0502020204030204" pitchFamily="34" charset="0"/>
+                <a:cs typeface="Arial" panose="020B0604020202020204" pitchFamily="34" charset="0"/>
+              </a:rPr>
+              <a:t>: </a:t>
+            </a:r>
+            <a:r>
+              <a:rPr lang="en-US" sz="1400" b="1" dirty="0">
+                <a:solidFill>
+                  <a:srgbClr val="008000"/>
+                </a:solidFill>
+                <a:latin typeface="Calibri" panose="020F0502020204030204" pitchFamily="34" charset="0"/>
+                <a:ea typeface="Calibri" panose="020F0502020204030204" pitchFamily="34" charset="0"/>
+                <a:cs typeface="Arial" panose="020B0604020202020204" pitchFamily="34" charset="0"/>
+              </a:rPr>
+              <a:t>"</a:t>
+            </a:r>
+            <a:r>
+              <a:rPr lang="en-US" sz="1400" b="1" dirty="0" err="1">
+                <a:solidFill>
+                  <a:srgbClr val="008000"/>
+                </a:solidFill>
+                <a:latin typeface="Calibri" panose="020F0502020204030204" pitchFamily="34" charset="0"/>
+                <a:ea typeface="Calibri" panose="020F0502020204030204" pitchFamily="34" charset="0"/>
+                <a:cs typeface="Arial" panose="020B0604020202020204" pitchFamily="34" charset="0"/>
+              </a:rPr>
+              <a:t>myService</a:t>
+            </a:r>
+            <a:r>
+              <a:rPr lang="en-US" sz="1400" b="1" dirty="0">
+                <a:solidFill>
+                  <a:srgbClr val="008000"/>
+                </a:solidFill>
+                <a:latin typeface="Calibri" panose="020F0502020204030204" pitchFamily="34" charset="0"/>
+                <a:ea typeface="Calibri" panose="020F0502020204030204" pitchFamily="34" charset="0"/>
+                <a:cs typeface="Arial" panose="020B0604020202020204" pitchFamily="34" charset="0"/>
+              </a:rPr>
+              <a:t>"</a:t>
+            </a:r>
+            <a:r>
+              <a:rPr lang="en-US" sz="1400" dirty="0">
+                <a:solidFill>
+                  <a:srgbClr val="000000"/>
+                </a:solidFill>
+                <a:latin typeface="Calibri" panose="020F0502020204030204" pitchFamily="34" charset="0"/>
+                <a:ea typeface="Calibri" panose="020F0502020204030204" pitchFamily="34" charset="0"/>
+                <a:cs typeface="Arial" panose="020B0604020202020204" pitchFamily="34" charset="0"/>
+              </a:rPr>
+              <a:t>, </a:t>
+            </a:r>
+            <a:r>
+              <a:rPr lang="en-US" sz="1400" b="1" dirty="0" err="1">
+                <a:solidFill>
+                  <a:srgbClr val="660E7A"/>
+                </a:solidFill>
+                <a:latin typeface="Calibri" panose="020F0502020204030204" pitchFamily="34" charset="0"/>
+                <a:ea typeface="Calibri" panose="020F0502020204030204" pitchFamily="34" charset="0"/>
+                <a:cs typeface="Arial" panose="020B0604020202020204" pitchFamily="34" charset="0"/>
+              </a:rPr>
+              <a:t>useClass</a:t>
+            </a:r>
+            <a:r>
+              <a:rPr lang="en-US" sz="1400" dirty="0">
+                <a:solidFill>
+                  <a:srgbClr val="000000"/>
+                </a:solidFill>
+                <a:latin typeface="Calibri" panose="020F0502020204030204" pitchFamily="34" charset="0"/>
+                <a:ea typeface="Calibri" panose="020F0502020204030204" pitchFamily="34" charset="0"/>
+                <a:cs typeface="Arial" panose="020B0604020202020204" pitchFamily="34" charset="0"/>
+              </a:rPr>
+              <a:t>: MyClass1},</a:t>
+            </a:r>
+            <a:br>
+              <a:rPr lang="en-US" sz="1400" dirty="0">
+                <a:solidFill>
+                  <a:srgbClr val="000000"/>
+                </a:solidFill>
+                <a:latin typeface="Calibri" panose="020F0502020204030204" pitchFamily="34" charset="0"/>
+                <a:ea typeface="Calibri" panose="020F0502020204030204" pitchFamily="34" charset="0"/>
+                <a:cs typeface="Arial" panose="020B0604020202020204" pitchFamily="34" charset="0"/>
+              </a:rPr>
+            </a:br>
+            <a:r>
+              <a:rPr lang="en-US" sz="1400" dirty="0">
+                <a:solidFill>
+                  <a:srgbClr val="000000"/>
+                </a:solidFill>
+                <a:latin typeface="Calibri" panose="020F0502020204030204" pitchFamily="34" charset="0"/>
+                <a:ea typeface="Calibri" panose="020F0502020204030204" pitchFamily="34" charset="0"/>
+                <a:cs typeface="Arial" panose="020B0604020202020204" pitchFamily="34" charset="0"/>
+              </a:rPr>
+              <a:t>    {</a:t>
+            </a:r>
+            <a:r>
+              <a:rPr lang="en-US" sz="1400" b="1" dirty="0">
+                <a:solidFill>
+                  <a:srgbClr val="660E7A"/>
+                </a:solidFill>
+                <a:latin typeface="Calibri" panose="020F0502020204030204" pitchFamily="34" charset="0"/>
+                <a:ea typeface="Calibri" panose="020F0502020204030204" pitchFamily="34" charset="0"/>
+                <a:cs typeface="Arial" panose="020B0604020202020204" pitchFamily="34" charset="0"/>
+              </a:rPr>
+              <a:t>provide</a:t>
+            </a:r>
+            <a:r>
+              <a:rPr lang="en-US" sz="1400" dirty="0">
+                <a:solidFill>
+                  <a:srgbClr val="000000"/>
+                </a:solidFill>
+                <a:latin typeface="Calibri" panose="020F0502020204030204" pitchFamily="34" charset="0"/>
+                <a:ea typeface="Calibri" panose="020F0502020204030204" pitchFamily="34" charset="0"/>
+                <a:cs typeface="Arial" panose="020B0604020202020204" pitchFamily="34" charset="0"/>
+              </a:rPr>
+              <a:t>: </a:t>
+            </a:r>
+            <a:r>
+              <a:rPr lang="en-US" sz="1400" b="1" dirty="0">
+                <a:solidFill>
+                  <a:srgbClr val="008000"/>
+                </a:solidFill>
+                <a:latin typeface="Calibri" panose="020F0502020204030204" pitchFamily="34" charset="0"/>
+                <a:ea typeface="Calibri" panose="020F0502020204030204" pitchFamily="34" charset="0"/>
+                <a:cs typeface="Arial" panose="020B0604020202020204" pitchFamily="34" charset="0"/>
+              </a:rPr>
+              <a:t>"</a:t>
+            </a:r>
+            <a:r>
+              <a:rPr lang="en-US" sz="1400" b="1" dirty="0" err="1">
+                <a:solidFill>
+                  <a:srgbClr val="008000"/>
+                </a:solidFill>
+                <a:latin typeface="Calibri" panose="020F0502020204030204" pitchFamily="34" charset="0"/>
+                <a:ea typeface="Calibri" panose="020F0502020204030204" pitchFamily="34" charset="0"/>
+                <a:cs typeface="Arial" panose="020B0604020202020204" pitchFamily="34" charset="0"/>
+              </a:rPr>
+              <a:t>myService</a:t>
+            </a:r>
+            <a:r>
+              <a:rPr lang="en-US" sz="1400" b="1" dirty="0">
+                <a:solidFill>
+                  <a:srgbClr val="008000"/>
+                </a:solidFill>
+                <a:latin typeface="Calibri" panose="020F0502020204030204" pitchFamily="34" charset="0"/>
+                <a:ea typeface="Calibri" panose="020F0502020204030204" pitchFamily="34" charset="0"/>
+                <a:cs typeface="Arial" panose="020B0604020202020204" pitchFamily="34" charset="0"/>
+              </a:rPr>
+              <a:t>"</a:t>
+            </a:r>
+            <a:r>
+              <a:rPr lang="en-US" sz="1400" dirty="0">
+                <a:solidFill>
+                  <a:srgbClr val="000000"/>
+                </a:solidFill>
+                <a:latin typeface="Calibri" panose="020F0502020204030204" pitchFamily="34" charset="0"/>
+                <a:ea typeface="Calibri" panose="020F0502020204030204" pitchFamily="34" charset="0"/>
+                <a:cs typeface="Arial" panose="020B0604020202020204" pitchFamily="34" charset="0"/>
+              </a:rPr>
+              <a:t>, </a:t>
+            </a:r>
+            <a:r>
+              <a:rPr lang="en-US" sz="1400" b="1" dirty="0" err="1">
+                <a:solidFill>
+                  <a:srgbClr val="660E7A"/>
+                </a:solidFill>
+                <a:latin typeface="Calibri" panose="020F0502020204030204" pitchFamily="34" charset="0"/>
+                <a:ea typeface="Calibri" panose="020F0502020204030204" pitchFamily="34" charset="0"/>
+                <a:cs typeface="Arial" panose="020B0604020202020204" pitchFamily="34" charset="0"/>
+              </a:rPr>
+              <a:t>useClass</a:t>
+            </a:r>
+            <a:r>
+              <a:rPr lang="en-US" sz="1400" dirty="0">
+                <a:solidFill>
+                  <a:srgbClr val="000000"/>
+                </a:solidFill>
+                <a:latin typeface="Calibri" panose="020F0502020204030204" pitchFamily="34" charset="0"/>
+                <a:ea typeface="Calibri" panose="020F0502020204030204" pitchFamily="34" charset="0"/>
+                <a:cs typeface="Arial" panose="020B0604020202020204" pitchFamily="34" charset="0"/>
+              </a:rPr>
+              <a:t>: MyClass2},</a:t>
+            </a:r>
+            <a:br>
+              <a:rPr lang="en-US" sz="1400" dirty="0">
+                <a:solidFill>
+                  <a:srgbClr val="000000"/>
+                </a:solidFill>
+                <a:latin typeface="Calibri" panose="020F0502020204030204" pitchFamily="34" charset="0"/>
+                <a:ea typeface="Calibri" panose="020F0502020204030204" pitchFamily="34" charset="0"/>
+                <a:cs typeface="Arial" panose="020B0604020202020204" pitchFamily="34" charset="0"/>
+              </a:rPr>
+            </a:br>
+            <a:r>
+              <a:rPr lang="en-US" sz="1400" dirty="0">
+                <a:solidFill>
+                  <a:srgbClr val="000000"/>
+                </a:solidFill>
+                <a:latin typeface="Calibri" panose="020F0502020204030204" pitchFamily="34" charset="0"/>
+                <a:ea typeface="Calibri" panose="020F0502020204030204" pitchFamily="34" charset="0"/>
+                <a:cs typeface="Arial" panose="020B0604020202020204" pitchFamily="34" charset="0"/>
+              </a:rPr>
+              <a:t>]);</a:t>
+            </a:r>
+            <a:br>
+              <a:rPr lang="en-US" sz="1400" dirty="0">
+                <a:solidFill>
+                  <a:srgbClr val="000000"/>
+                </a:solidFill>
+                <a:latin typeface="Calibri" panose="020F0502020204030204" pitchFamily="34" charset="0"/>
+                <a:ea typeface="Calibri" panose="020F0502020204030204" pitchFamily="34" charset="0"/>
+                <a:cs typeface="Arial" panose="020B0604020202020204" pitchFamily="34" charset="0"/>
+              </a:rPr>
+            </a:br>
+            <a:br>
+              <a:rPr lang="en-US" sz="1400" dirty="0">
+                <a:solidFill>
+                  <a:srgbClr val="000000"/>
+                </a:solidFill>
+                <a:latin typeface="Calibri" panose="020F0502020204030204" pitchFamily="34" charset="0"/>
+                <a:ea typeface="Calibri" panose="020F0502020204030204" pitchFamily="34" charset="0"/>
+                <a:cs typeface="Arial" panose="020B0604020202020204" pitchFamily="34" charset="0"/>
+              </a:rPr>
+            </a:br>
+            <a:r>
+              <a:rPr lang="en-US" sz="1400" b="1" dirty="0" err="1">
+                <a:solidFill>
+                  <a:srgbClr val="000080"/>
+                </a:solidFill>
+                <a:latin typeface="Calibri" panose="020F0502020204030204" pitchFamily="34" charset="0"/>
+                <a:ea typeface="Calibri" panose="020F0502020204030204" pitchFamily="34" charset="0"/>
+                <a:cs typeface="Arial" panose="020B0604020202020204" pitchFamily="34" charset="0"/>
+              </a:rPr>
+              <a:t>const</a:t>
+            </a:r>
+            <a:r>
+              <a:rPr lang="en-US" sz="1400" b="1" dirty="0">
+                <a:solidFill>
+                  <a:srgbClr val="000080"/>
+                </a:solidFill>
+                <a:latin typeface="Calibri" panose="020F0502020204030204" pitchFamily="34" charset="0"/>
+                <a:ea typeface="Calibri" panose="020F0502020204030204" pitchFamily="34" charset="0"/>
+                <a:cs typeface="Arial" panose="020B0604020202020204" pitchFamily="34" charset="0"/>
+              </a:rPr>
+              <a:t> </a:t>
+            </a:r>
+            <a:r>
+              <a:rPr lang="en-US" sz="1400" dirty="0" err="1">
+                <a:solidFill>
+                  <a:srgbClr val="458383"/>
+                </a:solidFill>
+                <a:latin typeface="Calibri" panose="020F0502020204030204" pitchFamily="34" charset="0"/>
+                <a:ea typeface="Calibri" panose="020F0502020204030204" pitchFamily="34" charset="0"/>
+                <a:cs typeface="Arial" panose="020B0604020202020204" pitchFamily="34" charset="0"/>
+              </a:rPr>
+              <a:t>obj</a:t>
+            </a:r>
+            <a:r>
+              <a:rPr lang="en-US" sz="1400" dirty="0">
+                <a:solidFill>
+                  <a:srgbClr val="458383"/>
+                </a:solidFill>
+                <a:latin typeface="Calibri" panose="020F0502020204030204" pitchFamily="34" charset="0"/>
+                <a:ea typeface="Calibri" panose="020F0502020204030204" pitchFamily="34" charset="0"/>
+                <a:cs typeface="Arial" panose="020B0604020202020204" pitchFamily="34" charset="0"/>
+              </a:rPr>
+              <a:t> </a:t>
+            </a:r>
+            <a:r>
+              <a:rPr lang="en-US" sz="1400" dirty="0">
+                <a:solidFill>
+                  <a:srgbClr val="000000"/>
+                </a:solidFill>
+                <a:latin typeface="Calibri" panose="020F0502020204030204" pitchFamily="34" charset="0"/>
+                <a:ea typeface="Calibri" panose="020F0502020204030204" pitchFamily="34" charset="0"/>
+                <a:cs typeface="Arial" panose="020B0604020202020204" pitchFamily="34" charset="0"/>
+              </a:rPr>
+              <a:t>= </a:t>
+            </a:r>
+            <a:r>
+              <a:rPr lang="en-US" sz="1400" dirty="0" err="1">
+                <a:solidFill>
+                  <a:srgbClr val="458383"/>
+                </a:solidFill>
+                <a:latin typeface="Calibri" panose="020F0502020204030204" pitchFamily="34" charset="0"/>
+                <a:ea typeface="Calibri" panose="020F0502020204030204" pitchFamily="34" charset="0"/>
+                <a:cs typeface="Arial" panose="020B0604020202020204" pitchFamily="34" charset="0"/>
+              </a:rPr>
+              <a:t>injector</a:t>
+            </a:r>
+            <a:r>
+              <a:rPr lang="en-US" sz="1400" dirty="0" err="1">
+                <a:solidFill>
+                  <a:srgbClr val="000000"/>
+                </a:solidFill>
+                <a:latin typeface="Calibri" panose="020F0502020204030204" pitchFamily="34" charset="0"/>
+                <a:ea typeface="Calibri" panose="020F0502020204030204" pitchFamily="34" charset="0"/>
+                <a:cs typeface="Arial" panose="020B0604020202020204" pitchFamily="34" charset="0"/>
+              </a:rPr>
+              <a:t>.</a:t>
+            </a:r>
+            <a:r>
+              <a:rPr lang="en-US" sz="1400" dirty="0" err="1">
+                <a:solidFill>
+                  <a:srgbClr val="7A7A43"/>
+                </a:solidFill>
+                <a:latin typeface="Calibri" panose="020F0502020204030204" pitchFamily="34" charset="0"/>
+                <a:ea typeface="Calibri" panose="020F0502020204030204" pitchFamily="34" charset="0"/>
+                <a:cs typeface="Arial" panose="020B0604020202020204" pitchFamily="34" charset="0"/>
+              </a:rPr>
+              <a:t>get</a:t>
+            </a:r>
+            <a:r>
+              <a:rPr lang="en-US" sz="1400" dirty="0">
+                <a:solidFill>
+                  <a:srgbClr val="000000"/>
+                </a:solidFill>
+                <a:latin typeface="Calibri" panose="020F0502020204030204" pitchFamily="34" charset="0"/>
+                <a:ea typeface="Calibri" panose="020F0502020204030204" pitchFamily="34" charset="0"/>
+                <a:cs typeface="Arial" panose="020B0604020202020204" pitchFamily="34" charset="0"/>
+              </a:rPr>
+              <a:t>(</a:t>
+            </a:r>
+            <a:r>
+              <a:rPr lang="en-US" sz="1400" b="1" dirty="0">
+                <a:solidFill>
+                  <a:srgbClr val="008000"/>
+                </a:solidFill>
+                <a:latin typeface="Calibri" panose="020F0502020204030204" pitchFamily="34" charset="0"/>
+                <a:ea typeface="Calibri" panose="020F0502020204030204" pitchFamily="34" charset="0"/>
+                <a:cs typeface="Arial" panose="020B0604020202020204" pitchFamily="34" charset="0"/>
+              </a:rPr>
+              <a:t>"</a:t>
+            </a:r>
+            <a:r>
+              <a:rPr lang="en-US" sz="1400" b="1" dirty="0" err="1">
+                <a:solidFill>
+                  <a:srgbClr val="008000"/>
+                </a:solidFill>
+                <a:latin typeface="Calibri" panose="020F0502020204030204" pitchFamily="34" charset="0"/>
+                <a:ea typeface="Calibri" panose="020F0502020204030204" pitchFamily="34" charset="0"/>
+                <a:cs typeface="Arial" panose="020B0604020202020204" pitchFamily="34" charset="0"/>
+              </a:rPr>
+              <a:t>myService</a:t>
+            </a:r>
+            <a:r>
+              <a:rPr lang="en-US" sz="1400" b="1" dirty="0">
+                <a:solidFill>
+                  <a:srgbClr val="008000"/>
+                </a:solidFill>
+                <a:latin typeface="Calibri" panose="020F0502020204030204" pitchFamily="34" charset="0"/>
+                <a:ea typeface="Calibri" panose="020F0502020204030204" pitchFamily="34" charset="0"/>
+                <a:cs typeface="Arial" panose="020B0604020202020204" pitchFamily="34" charset="0"/>
+              </a:rPr>
+              <a:t>"</a:t>
+            </a:r>
+            <a:r>
+              <a:rPr lang="en-US" sz="1400" dirty="0">
+                <a:solidFill>
+                  <a:srgbClr val="000000"/>
+                </a:solidFill>
+                <a:latin typeface="Calibri" panose="020F0502020204030204" pitchFamily="34" charset="0"/>
+                <a:ea typeface="Calibri" panose="020F0502020204030204" pitchFamily="34" charset="0"/>
+                <a:cs typeface="Arial" panose="020B0604020202020204" pitchFamily="34" charset="0"/>
+              </a:rPr>
+              <a:t>);</a:t>
+            </a:r>
+          </a:p>
+          <a:p>
+            <a:br>
+              <a:rPr lang="en-US" sz="1400" dirty="0">
+                <a:solidFill>
+                  <a:srgbClr val="000000"/>
+                </a:solidFill>
+                <a:latin typeface="Calibri" panose="020F0502020204030204" pitchFamily="34" charset="0"/>
+                <a:ea typeface="Calibri" panose="020F0502020204030204" pitchFamily="34" charset="0"/>
+                <a:cs typeface="Arial" panose="020B0604020202020204" pitchFamily="34" charset="0"/>
+              </a:rPr>
+            </a:br>
+            <a:r>
+              <a:rPr lang="en-US" sz="1400" b="1" i="1" dirty="0">
+                <a:solidFill>
+                  <a:srgbClr val="660E7A"/>
+                </a:solidFill>
+                <a:latin typeface="Calibri" panose="020F0502020204030204" pitchFamily="34" charset="0"/>
+                <a:ea typeface="Calibri" panose="020F0502020204030204" pitchFamily="34" charset="0"/>
+                <a:cs typeface="Arial" panose="020B0604020202020204" pitchFamily="34" charset="0"/>
+              </a:rPr>
+              <a:t>console</a:t>
+            </a:r>
+            <a:r>
+              <a:rPr lang="en-US" sz="1400" dirty="0">
+                <a:solidFill>
+                  <a:srgbClr val="000000"/>
+                </a:solidFill>
+                <a:latin typeface="Calibri" panose="020F0502020204030204" pitchFamily="34" charset="0"/>
+                <a:ea typeface="Calibri" panose="020F0502020204030204" pitchFamily="34" charset="0"/>
+                <a:cs typeface="Arial" panose="020B0604020202020204" pitchFamily="34" charset="0"/>
+              </a:rPr>
+              <a:t>.</a:t>
+            </a:r>
+            <a:r>
+              <a:rPr lang="en-US" sz="1400" dirty="0">
+                <a:solidFill>
+                  <a:srgbClr val="7A7A43"/>
+                </a:solidFill>
+                <a:latin typeface="Calibri" panose="020F0502020204030204" pitchFamily="34" charset="0"/>
+                <a:ea typeface="Calibri" panose="020F0502020204030204" pitchFamily="34" charset="0"/>
+                <a:cs typeface="Arial" panose="020B0604020202020204" pitchFamily="34" charset="0"/>
+              </a:rPr>
+              <a:t>log</a:t>
+            </a:r>
+            <a:r>
+              <a:rPr lang="en-US" sz="1400" dirty="0">
+                <a:solidFill>
+                  <a:srgbClr val="000000"/>
+                </a:solidFill>
+                <a:latin typeface="Calibri" panose="020F0502020204030204" pitchFamily="34" charset="0"/>
+                <a:ea typeface="Calibri" panose="020F0502020204030204" pitchFamily="34" charset="0"/>
+                <a:cs typeface="Arial" panose="020B0604020202020204" pitchFamily="34" charset="0"/>
+              </a:rPr>
+              <a:t>(</a:t>
+            </a:r>
+            <a:r>
+              <a:rPr lang="en-US" sz="1400" dirty="0" err="1">
+                <a:solidFill>
+                  <a:srgbClr val="458383"/>
+                </a:solidFill>
+                <a:latin typeface="Calibri" panose="020F0502020204030204" pitchFamily="34" charset="0"/>
+                <a:ea typeface="Calibri" panose="020F0502020204030204" pitchFamily="34" charset="0"/>
+                <a:cs typeface="Arial" panose="020B0604020202020204" pitchFamily="34" charset="0"/>
+              </a:rPr>
+              <a:t>obj</a:t>
+            </a:r>
+            <a:r>
+              <a:rPr lang="en-US" sz="1400" dirty="0">
+                <a:solidFill>
+                  <a:srgbClr val="458383"/>
+                </a:solidFill>
+                <a:latin typeface="Calibri" panose="020F0502020204030204" pitchFamily="34" charset="0"/>
+                <a:ea typeface="Calibri" panose="020F0502020204030204" pitchFamily="34" charset="0"/>
+                <a:cs typeface="Arial" panose="020B0604020202020204" pitchFamily="34" charset="0"/>
+              </a:rPr>
+              <a:t> </a:t>
+            </a:r>
+            <a:r>
+              <a:rPr lang="en-US" sz="1400" b="1" dirty="0" err="1">
+                <a:solidFill>
+                  <a:srgbClr val="000080"/>
+                </a:solidFill>
+                <a:latin typeface="Calibri" panose="020F0502020204030204" pitchFamily="34" charset="0"/>
+                <a:ea typeface="Calibri" panose="020F0502020204030204" pitchFamily="34" charset="0"/>
+                <a:cs typeface="Arial" panose="020B0604020202020204" pitchFamily="34" charset="0"/>
+              </a:rPr>
+              <a:t>instanceof</a:t>
+            </a:r>
+            <a:r>
+              <a:rPr lang="en-US" sz="1400" b="1" dirty="0">
+                <a:solidFill>
+                  <a:srgbClr val="000080"/>
+                </a:solidFill>
+                <a:latin typeface="Calibri" panose="020F0502020204030204" pitchFamily="34" charset="0"/>
+                <a:ea typeface="Calibri" panose="020F0502020204030204" pitchFamily="34" charset="0"/>
+                <a:cs typeface="Arial" panose="020B0604020202020204" pitchFamily="34" charset="0"/>
+              </a:rPr>
+              <a:t> </a:t>
+            </a:r>
+            <a:r>
+              <a:rPr lang="en-US" sz="1400" dirty="0">
+                <a:solidFill>
+                  <a:srgbClr val="000000"/>
+                </a:solidFill>
+                <a:latin typeface="Calibri" panose="020F0502020204030204" pitchFamily="34" charset="0"/>
+                <a:ea typeface="Calibri" panose="020F0502020204030204" pitchFamily="34" charset="0"/>
+                <a:cs typeface="Arial" panose="020B0604020202020204" pitchFamily="34" charset="0"/>
+              </a:rPr>
+              <a:t>MyClass2);</a:t>
+            </a:r>
+            <a:endParaRPr lang="he-IL" sz="1400" dirty="0"/>
+          </a:p>
+        </p:txBody>
+      </p:sp>
+      <p:sp>
+        <p:nvSpPr>
           <p:cNvPr id="2" name="Title 1"/>
           <p:cNvSpPr>
             <a:spLocks noGrp="1"/>
@@ -9444,6 +10170,13 @@
               <a:gd name="adj6" fmla="val -120624"/>
             </a:avLst>
           </a:prstGeom>
+          <a:solidFill>
+            <a:schemeClr val="accent4"/>
+          </a:solidFill>
+          <a:ln>
+            <a:headEnd type="none"/>
+            <a:tailEnd type="triangle"/>
+          </a:ln>
         </p:spPr>
         <p:style>
           <a:lnRef idx="2">
@@ -9470,621 +10203,6 @@
               <a:rPr lang="en-US" sz="1400" dirty="0"/>
               <a:t>True</a:t>
             </a:r>
-          </a:p>
-        </p:txBody>
-      </p:sp>
-      <p:sp>
-        <p:nvSpPr>
-          <p:cNvPr id="8" name="Rectangle 7"/>
-          <p:cNvSpPr/>
-          <p:nvPr/>
-        </p:nvSpPr>
-        <p:spPr>
-          <a:xfrm>
-            <a:off x="2403348" y="3568335"/>
-            <a:ext cx="4572000" cy="1815882"/>
-          </a:xfrm>
-          <a:prstGeom prst="rect">
-            <a:avLst/>
-          </a:prstGeom>
-        </p:spPr>
-        <p:txBody>
-          <a:bodyPr>
-            <a:spAutoFit/>
-          </a:bodyPr>
-          <a:lstStyle/>
-          <a:p>
-            <a:r>
-              <a:rPr lang="en-US" sz="1400" b="1" dirty="0" err="1">
-                <a:solidFill>
-                  <a:srgbClr val="000080"/>
-                </a:solidFill>
-                <a:latin typeface="Calibri" panose="020F0502020204030204" pitchFamily="34" charset="0"/>
-                <a:ea typeface="Calibri" panose="020F0502020204030204" pitchFamily="34" charset="0"/>
-                <a:cs typeface="Arial" panose="020B0604020202020204" pitchFamily="34" charset="0"/>
-              </a:rPr>
-              <a:t>const</a:t>
-            </a:r>
-            <a:r>
-              <a:rPr lang="en-US" sz="1400" b="1" dirty="0">
-                <a:solidFill>
-                  <a:srgbClr val="000080"/>
-                </a:solidFill>
-                <a:latin typeface="Calibri" panose="020F0502020204030204" pitchFamily="34" charset="0"/>
-                <a:ea typeface="Calibri" panose="020F0502020204030204" pitchFamily="34" charset="0"/>
-                <a:cs typeface="Arial" panose="020B0604020202020204" pitchFamily="34" charset="0"/>
-              </a:rPr>
-              <a:t> </a:t>
-            </a:r>
-            <a:r>
-              <a:rPr lang="en-US" sz="1400" dirty="0">
-                <a:solidFill>
-                  <a:srgbClr val="458383"/>
-                </a:solidFill>
-                <a:latin typeface="Calibri" panose="020F0502020204030204" pitchFamily="34" charset="0"/>
-                <a:ea typeface="Calibri" panose="020F0502020204030204" pitchFamily="34" charset="0"/>
-                <a:cs typeface="Arial" panose="020B0604020202020204" pitchFamily="34" charset="0"/>
-              </a:rPr>
-              <a:t>injector </a:t>
-            </a:r>
-            <a:r>
-              <a:rPr lang="en-US" sz="1400" dirty="0">
-                <a:solidFill>
-                  <a:srgbClr val="000000"/>
-                </a:solidFill>
-                <a:latin typeface="Calibri" panose="020F0502020204030204" pitchFamily="34" charset="0"/>
-                <a:ea typeface="Calibri" panose="020F0502020204030204" pitchFamily="34" charset="0"/>
-                <a:cs typeface="Arial" panose="020B0604020202020204" pitchFamily="34" charset="0"/>
-              </a:rPr>
-              <a:t>= </a:t>
-            </a:r>
-            <a:r>
-              <a:rPr lang="en-US" sz="1400" dirty="0" err="1">
-                <a:solidFill>
-                  <a:srgbClr val="000000"/>
-                </a:solidFill>
-                <a:latin typeface="Calibri" panose="020F0502020204030204" pitchFamily="34" charset="0"/>
-                <a:ea typeface="Calibri" panose="020F0502020204030204" pitchFamily="34" charset="0"/>
-                <a:cs typeface="Arial" panose="020B0604020202020204" pitchFamily="34" charset="0"/>
-              </a:rPr>
-              <a:t>ReflectiveInjector.</a:t>
-            </a:r>
-            <a:r>
-              <a:rPr lang="en-US" sz="1400" i="1" dirty="0" err="1">
-                <a:solidFill>
-                  <a:srgbClr val="000000"/>
-                </a:solidFill>
-                <a:latin typeface="Calibri" panose="020F0502020204030204" pitchFamily="34" charset="0"/>
-                <a:ea typeface="Calibri" panose="020F0502020204030204" pitchFamily="34" charset="0"/>
-                <a:cs typeface="Arial" panose="020B0604020202020204" pitchFamily="34" charset="0"/>
-              </a:rPr>
-              <a:t>resolveAndCreate</a:t>
-            </a:r>
-            <a:r>
-              <a:rPr lang="en-US" sz="1400" dirty="0">
-                <a:solidFill>
-                  <a:srgbClr val="000000"/>
-                </a:solidFill>
-                <a:latin typeface="Calibri" panose="020F0502020204030204" pitchFamily="34" charset="0"/>
-                <a:ea typeface="Calibri" panose="020F0502020204030204" pitchFamily="34" charset="0"/>
-                <a:cs typeface="Arial" panose="020B0604020202020204" pitchFamily="34" charset="0"/>
-              </a:rPr>
-              <a:t>([</a:t>
-            </a:r>
-            <a:br>
-              <a:rPr lang="en-US" sz="1400" dirty="0">
-                <a:solidFill>
-                  <a:srgbClr val="000000"/>
-                </a:solidFill>
-                <a:latin typeface="Calibri" panose="020F0502020204030204" pitchFamily="34" charset="0"/>
-                <a:ea typeface="Calibri" panose="020F0502020204030204" pitchFamily="34" charset="0"/>
-                <a:cs typeface="Arial" panose="020B0604020202020204" pitchFamily="34" charset="0"/>
-              </a:rPr>
-            </a:br>
-            <a:r>
-              <a:rPr lang="en-US" sz="1400" dirty="0">
-                <a:solidFill>
-                  <a:srgbClr val="000000"/>
-                </a:solidFill>
-                <a:latin typeface="Calibri" panose="020F0502020204030204" pitchFamily="34" charset="0"/>
-                <a:ea typeface="Calibri" panose="020F0502020204030204" pitchFamily="34" charset="0"/>
-                <a:cs typeface="Arial" panose="020B0604020202020204" pitchFamily="34" charset="0"/>
-              </a:rPr>
-              <a:t>    {</a:t>
-            </a:r>
-            <a:r>
-              <a:rPr lang="en-US" sz="1400" b="1" dirty="0">
-                <a:solidFill>
-                  <a:srgbClr val="660E7A"/>
-                </a:solidFill>
-                <a:latin typeface="Calibri" panose="020F0502020204030204" pitchFamily="34" charset="0"/>
-                <a:ea typeface="Calibri" panose="020F0502020204030204" pitchFamily="34" charset="0"/>
-                <a:cs typeface="Arial" panose="020B0604020202020204" pitchFamily="34" charset="0"/>
-              </a:rPr>
-              <a:t>provide</a:t>
-            </a:r>
-            <a:r>
-              <a:rPr lang="en-US" sz="1400" dirty="0">
-                <a:solidFill>
-                  <a:srgbClr val="000000"/>
-                </a:solidFill>
-                <a:latin typeface="Calibri" panose="020F0502020204030204" pitchFamily="34" charset="0"/>
-                <a:ea typeface="Calibri" panose="020F0502020204030204" pitchFamily="34" charset="0"/>
-                <a:cs typeface="Arial" panose="020B0604020202020204" pitchFamily="34" charset="0"/>
-              </a:rPr>
-              <a:t>: </a:t>
-            </a:r>
-            <a:r>
-              <a:rPr lang="en-US" sz="1400" b="1" dirty="0">
-                <a:solidFill>
-                  <a:srgbClr val="008000"/>
-                </a:solidFill>
-                <a:latin typeface="Calibri" panose="020F0502020204030204" pitchFamily="34" charset="0"/>
-                <a:ea typeface="Calibri" panose="020F0502020204030204" pitchFamily="34" charset="0"/>
-                <a:cs typeface="Arial" panose="020B0604020202020204" pitchFamily="34" charset="0"/>
-              </a:rPr>
-              <a:t>"</a:t>
-            </a:r>
-            <a:r>
-              <a:rPr lang="en-US" sz="1400" b="1" dirty="0" err="1">
-                <a:solidFill>
-                  <a:srgbClr val="008000"/>
-                </a:solidFill>
-                <a:latin typeface="Calibri" panose="020F0502020204030204" pitchFamily="34" charset="0"/>
-                <a:ea typeface="Calibri" panose="020F0502020204030204" pitchFamily="34" charset="0"/>
-                <a:cs typeface="Arial" panose="020B0604020202020204" pitchFamily="34" charset="0"/>
-              </a:rPr>
-              <a:t>myService</a:t>
-            </a:r>
-            <a:r>
-              <a:rPr lang="en-US" sz="1400" b="1" dirty="0">
-                <a:solidFill>
-                  <a:srgbClr val="008000"/>
-                </a:solidFill>
-                <a:latin typeface="Calibri" panose="020F0502020204030204" pitchFamily="34" charset="0"/>
-                <a:ea typeface="Calibri" panose="020F0502020204030204" pitchFamily="34" charset="0"/>
-                <a:cs typeface="Arial" panose="020B0604020202020204" pitchFamily="34" charset="0"/>
-              </a:rPr>
-              <a:t>"</a:t>
-            </a:r>
-            <a:r>
-              <a:rPr lang="en-US" sz="1400" dirty="0">
-                <a:solidFill>
-                  <a:srgbClr val="000000"/>
-                </a:solidFill>
-                <a:latin typeface="Calibri" panose="020F0502020204030204" pitchFamily="34" charset="0"/>
-                <a:ea typeface="Calibri" panose="020F0502020204030204" pitchFamily="34" charset="0"/>
-                <a:cs typeface="Arial" panose="020B0604020202020204" pitchFamily="34" charset="0"/>
-              </a:rPr>
-              <a:t>, </a:t>
-            </a:r>
-            <a:r>
-              <a:rPr lang="en-US" sz="1400" b="1" dirty="0" err="1">
-                <a:solidFill>
-                  <a:srgbClr val="660E7A"/>
-                </a:solidFill>
-                <a:latin typeface="Calibri" panose="020F0502020204030204" pitchFamily="34" charset="0"/>
-                <a:ea typeface="Calibri" panose="020F0502020204030204" pitchFamily="34" charset="0"/>
-                <a:cs typeface="Arial" panose="020B0604020202020204" pitchFamily="34" charset="0"/>
-              </a:rPr>
-              <a:t>useClass</a:t>
-            </a:r>
-            <a:r>
-              <a:rPr lang="en-US" sz="1400" dirty="0">
-                <a:solidFill>
-                  <a:srgbClr val="000000"/>
-                </a:solidFill>
-                <a:latin typeface="Calibri" panose="020F0502020204030204" pitchFamily="34" charset="0"/>
-                <a:ea typeface="Calibri" panose="020F0502020204030204" pitchFamily="34" charset="0"/>
-                <a:cs typeface="Arial" panose="020B0604020202020204" pitchFamily="34" charset="0"/>
-              </a:rPr>
-              <a:t>: MyClass1},</a:t>
-            </a:r>
-            <a:br>
-              <a:rPr lang="en-US" sz="1400" dirty="0">
-                <a:solidFill>
-                  <a:srgbClr val="000000"/>
-                </a:solidFill>
-                <a:latin typeface="Calibri" panose="020F0502020204030204" pitchFamily="34" charset="0"/>
-                <a:ea typeface="Calibri" panose="020F0502020204030204" pitchFamily="34" charset="0"/>
-                <a:cs typeface="Arial" panose="020B0604020202020204" pitchFamily="34" charset="0"/>
-              </a:rPr>
-            </a:br>
-            <a:r>
-              <a:rPr lang="en-US" sz="1400" dirty="0">
-                <a:solidFill>
-                  <a:srgbClr val="000000"/>
-                </a:solidFill>
-                <a:latin typeface="Calibri" panose="020F0502020204030204" pitchFamily="34" charset="0"/>
-                <a:ea typeface="Calibri" panose="020F0502020204030204" pitchFamily="34" charset="0"/>
-                <a:cs typeface="Arial" panose="020B0604020202020204" pitchFamily="34" charset="0"/>
-              </a:rPr>
-              <a:t>    {</a:t>
-            </a:r>
-            <a:r>
-              <a:rPr lang="en-US" sz="1400" b="1" dirty="0">
-                <a:solidFill>
-                  <a:srgbClr val="660E7A"/>
-                </a:solidFill>
-                <a:latin typeface="Calibri" panose="020F0502020204030204" pitchFamily="34" charset="0"/>
-                <a:ea typeface="Calibri" panose="020F0502020204030204" pitchFamily="34" charset="0"/>
-                <a:cs typeface="Arial" panose="020B0604020202020204" pitchFamily="34" charset="0"/>
-              </a:rPr>
-              <a:t>provide</a:t>
-            </a:r>
-            <a:r>
-              <a:rPr lang="en-US" sz="1400" dirty="0">
-                <a:solidFill>
-                  <a:srgbClr val="000000"/>
-                </a:solidFill>
-                <a:latin typeface="Calibri" panose="020F0502020204030204" pitchFamily="34" charset="0"/>
-                <a:ea typeface="Calibri" panose="020F0502020204030204" pitchFamily="34" charset="0"/>
-                <a:cs typeface="Arial" panose="020B0604020202020204" pitchFamily="34" charset="0"/>
-              </a:rPr>
-              <a:t>: </a:t>
-            </a:r>
-            <a:r>
-              <a:rPr lang="en-US" sz="1400" b="1" dirty="0">
-                <a:solidFill>
-                  <a:srgbClr val="008000"/>
-                </a:solidFill>
-                <a:latin typeface="Calibri" panose="020F0502020204030204" pitchFamily="34" charset="0"/>
-                <a:ea typeface="Calibri" panose="020F0502020204030204" pitchFamily="34" charset="0"/>
-                <a:cs typeface="Arial" panose="020B0604020202020204" pitchFamily="34" charset="0"/>
-              </a:rPr>
-              <a:t>"</a:t>
-            </a:r>
-            <a:r>
-              <a:rPr lang="en-US" sz="1400" b="1" dirty="0" err="1">
-                <a:solidFill>
-                  <a:srgbClr val="008000"/>
-                </a:solidFill>
-                <a:latin typeface="Calibri" panose="020F0502020204030204" pitchFamily="34" charset="0"/>
-                <a:ea typeface="Calibri" panose="020F0502020204030204" pitchFamily="34" charset="0"/>
-                <a:cs typeface="Arial" panose="020B0604020202020204" pitchFamily="34" charset="0"/>
-              </a:rPr>
-              <a:t>myService</a:t>
-            </a:r>
-            <a:r>
-              <a:rPr lang="en-US" sz="1400" b="1" dirty="0">
-                <a:solidFill>
-                  <a:srgbClr val="008000"/>
-                </a:solidFill>
-                <a:latin typeface="Calibri" panose="020F0502020204030204" pitchFamily="34" charset="0"/>
-                <a:ea typeface="Calibri" panose="020F0502020204030204" pitchFamily="34" charset="0"/>
-                <a:cs typeface="Arial" panose="020B0604020202020204" pitchFamily="34" charset="0"/>
-              </a:rPr>
-              <a:t>"</a:t>
-            </a:r>
-            <a:r>
-              <a:rPr lang="en-US" sz="1400" dirty="0">
-                <a:solidFill>
-                  <a:srgbClr val="000000"/>
-                </a:solidFill>
-                <a:latin typeface="Calibri" panose="020F0502020204030204" pitchFamily="34" charset="0"/>
-                <a:ea typeface="Calibri" panose="020F0502020204030204" pitchFamily="34" charset="0"/>
-                <a:cs typeface="Arial" panose="020B0604020202020204" pitchFamily="34" charset="0"/>
-              </a:rPr>
-              <a:t>, </a:t>
-            </a:r>
-            <a:r>
-              <a:rPr lang="en-US" sz="1400" b="1" dirty="0" err="1">
-                <a:solidFill>
-                  <a:srgbClr val="660E7A"/>
-                </a:solidFill>
-                <a:latin typeface="Calibri" panose="020F0502020204030204" pitchFamily="34" charset="0"/>
-                <a:ea typeface="Calibri" panose="020F0502020204030204" pitchFamily="34" charset="0"/>
-                <a:cs typeface="Arial" panose="020B0604020202020204" pitchFamily="34" charset="0"/>
-              </a:rPr>
-              <a:t>useClass</a:t>
-            </a:r>
-            <a:r>
-              <a:rPr lang="en-US" sz="1400" dirty="0">
-                <a:solidFill>
-                  <a:srgbClr val="000000"/>
-                </a:solidFill>
-                <a:latin typeface="Calibri" panose="020F0502020204030204" pitchFamily="34" charset="0"/>
-                <a:ea typeface="Calibri" panose="020F0502020204030204" pitchFamily="34" charset="0"/>
-                <a:cs typeface="Arial" panose="020B0604020202020204" pitchFamily="34" charset="0"/>
-              </a:rPr>
-              <a:t>: MyClass2},</a:t>
-            </a:r>
-            <a:br>
-              <a:rPr lang="en-US" sz="1400" dirty="0">
-                <a:solidFill>
-                  <a:srgbClr val="000000"/>
-                </a:solidFill>
-                <a:latin typeface="Calibri" panose="020F0502020204030204" pitchFamily="34" charset="0"/>
-                <a:ea typeface="Calibri" panose="020F0502020204030204" pitchFamily="34" charset="0"/>
-                <a:cs typeface="Arial" panose="020B0604020202020204" pitchFamily="34" charset="0"/>
-              </a:rPr>
-            </a:br>
-            <a:r>
-              <a:rPr lang="en-US" sz="1400" dirty="0">
-                <a:solidFill>
-                  <a:srgbClr val="000000"/>
-                </a:solidFill>
-                <a:latin typeface="Calibri" panose="020F0502020204030204" pitchFamily="34" charset="0"/>
-                <a:ea typeface="Calibri" panose="020F0502020204030204" pitchFamily="34" charset="0"/>
-                <a:cs typeface="Arial" panose="020B0604020202020204" pitchFamily="34" charset="0"/>
-              </a:rPr>
-              <a:t>]);</a:t>
-            </a:r>
-            <a:br>
-              <a:rPr lang="en-US" sz="1400" dirty="0">
-                <a:solidFill>
-                  <a:srgbClr val="000000"/>
-                </a:solidFill>
-                <a:latin typeface="Calibri" panose="020F0502020204030204" pitchFamily="34" charset="0"/>
-                <a:ea typeface="Calibri" panose="020F0502020204030204" pitchFamily="34" charset="0"/>
-                <a:cs typeface="Arial" panose="020B0604020202020204" pitchFamily="34" charset="0"/>
-              </a:rPr>
-            </a:br>
-            <a:br>
-              <a:rPr lang="en-US" sz="1400" dirty="0">
-                <a:solidFill>
-                  <a:srgbClr val="000000"/>
-                </a:solidFill>
-                <a:latin typeface="Calibri" panose="020F0502020204030204" pitchFamily="34" charset="0"/>
-                <a:ea typeface="Calibri" panose="020F0502020204030204" pitchFamily="34" charset="0"/>
-                <a:cs typeface="Arial" panose="020B0604020202020204" pitchFamily="34" charset="0"/>
-              </a:rPr>
-            </a:br>
-            <a:r>
-              <a:rPr lang="en-US" sz="1400" b="1" dirty="0" err="1">
-                <a:solidFill>
-                  <a:srgbClr val="000080"/>
-                </a:solidFill>
-                <a:latin typeface="Calibri" panose="020F0502020204030204" pitchFamily="34" charset="0"/>
-                <a:ea typeface="Calibri" panose="020F0502020204030204" pitchFamily="34" charset="0"/>
-                <a:cs typeface="Arial" panose="020B0604020202020204" pitchFamily="34" charset="0"/>
-              </a:rPr>
-              <a:t>const</a:t>
-            </a:r>
-            <a:r>
-              <a:rPr lang="en-US" sz="1400" b="1" dirty="0">
-                <a:solidFill>
-                  <a:srgbClr val="000080"/>
-                </a:solidFill>
-                <a:latin typeface="Calibri" panose="020F0502020204030204" pitchFamily="34" charset="0"/>
-                <a:ea typeface="Calibri" panose="020F0502020204030204" pitchFamily="34" charset="0"/>
-                <a:cs typeface="Arial" panose="020B0604020202020204" pitchFamily="34" charset="0"/>
-              </a:rPr>
-              <a:t> </a:t>
-            </a:r>
-            <a:r>
-              <a:rPr lang="en-US" sz="1400" dirty="0" err="1">
-                <a:solidFill>
-                  <a:srgbClr val="458383"/>
-                </a:solidFill>
-                <a:latin typeface="Calibri" panose="020F0502020204030204" pitchFamily="34" charset="0"/>
-                <a:ea typeface="Calibri" panose="020F0502020204030204" pitchFamily="34" charset="0"/>
-                <a:cs typeface="Arial" panose="020B0604020202020204" pitchFamily="34" charset="0"/>
-              </a:rPr>
-              <a:t>obj</a:t>
-            </a:r>
-            <a:r>
-              <a:rPr lang="en-US" sz="1400" dirty="0">
-                <a:solidFill>
-                  <a:srgbClr val="458383"/>
-                </a:solidFill>
-                <a:latin typeface="Calibri" panose="020F0502020204030204" pitchFamily="34" charset="0"/>
-                <a:ea typeface="Calibri" panose="020F0502020204030204" pitchFamily="34" charset="0"/>
-                <a:cs typeface="Arial" panose="020B0604020202020204" pitchFamily="34" charset="0"/>
-              </a:rPr>
-              <a:t> </a:t>
-            </a:r>
-            <a:r>
-              <a:rPr lang="en-US" sz="1400" dirty="0">
-                <a:solidFill>
-                  <a:srgbClr val="000000"/>
-                </a:solidFill>
-                <a:latin typeface="Calibri" panose="020F0502020204030204" pitchFamily="34" charset="0"/>
-                <a:ea typeface="Calibri" panose="020F0502020204030204" pitchFamily="34" charset="0"/>
-                <a:cs typeface="Arial" panose="020B0604020202020204" pitchFamily="34" charset="0"/>
-              </a:rPr>
-              <a:t>= </a:t>
-            </a:r>
-            <a:r>
-              <a:rPr lang="en-US" sz="1400" dirty="0" err="1">
-                <a:solidFill>
-                  <a:srgbClr val="458383"/>
-                </a:solidFill>
-                <a:latin typeface="Calibri" panose="020F0502020204030204" pitchFamily="34" charset="0"/>
-                <a:ea typeface="Calibri" panose="020F0502020204030204" pitchFamily="34" charset="0"/>
-                <a:cs typeface="Arial" panose="020B0604020202020204" pitchFamily="34" charset="0"/>
-              </a:rPr>
-              <a:t>injector</a:t>
-            </a:r>
-            <a:r>
-              <a:rPr lang="en-US" sz="1400" dirty="0" err="1">
-                <a:solidFill>
-                  <a:srgbClr val="000000"/>
-                </a:solidFill>
-                <a:latin typeface="Calibri" panose="020F0502020204030204" pitchFamily="34" charset="0"/>
-                <a:ea typeface="Calibri" panose="020F0502020204030204" pitchFamily="34" charset="0"/>
-                <a:cs typeface="Arial" panose="020B0604020202020204" pitchFamily="34" charset="0"/>
-              </a:rPr>
-              <a:t>.</a:t>
-            </a:r>
-            <a:r>
-              <a:rPr lang="en-US" sz="1400" dirty="0" err="1">
-                <a:solidFill>
-                  <a:srgbClr val="7A7A43"/>
-                </a:solidFill>
-                <a:latin typeface="Calibri" panose="020F0502020204030204" pitchFamily="34" charset="0"/>
-                <a:ea typeface="Calibri" panose="020F0502020204030204" pitchFamily="34" charset="0"/>
-                <a:cs typeface="Arial" panose="020B0604020202020204" pitchFamily="34" charset="0"/>
-              </a:rPr>
-              <a:t>get</a:t>
-            </a:r>
-            <a:r>
-              <a:rPr lang="en-US" sz="1400" dirty="0">
-                <a:solidFill>
-                  <a:srgbClr val="000000"/>
-                </a:solidFill>
-                <a:latin typeface="Calibri" panose="020F0502020204030204" pitchFamily="34" charset="0"/>
-                <a:ea typeface="Calibri" panose="020F0502020204030204" pitchFamily="34" charset="0"/>
-                <a:cs typeface="Arial" panose="020B0604020202020204" pitchFamily="34" charset="0"/>
-              </a:rPr>
-              <a:t>(</a:t>
-            </a:r>
-            <a:r>
-              <a:rPr lang="en-US" sz="1400" b="1" dirty="0">
-                <a:solidFill>
-                  <a:srgbClr val="008000"/>
-                </a:solidFill>
-                <a:latin typeface="Calibri" panose="020F0502020204030204" pitchFamily="34" charset="0"/>
-                <a:ea typeface="Calibri" panose="020F0502020204030204" pitchFamily="34" charset="0"/>
-                <a:cs typeface="Arial" panose="020B0604020202020204" pitchFamily="34" charset="0"/>
-              </a:rPr>
-              <a:t>"</a:t>
-            </a:r>
-            <a:r>
-              <a:rPr lang="en-US" sz="1400" b="1" dirty="0" err="1">
-                <a:solidFill>
-                  <a:srgbClr val="008000"/>
-                </a:solidFill>
-                <a:latin typeface="Calibri" panose="020F0502020204030204" pitchFamily="34" charset="0"/>
-                <a:ea typeface="Calibri" panose="020F0502020204030204" pitchFamily="34" charset="0"/>
-                <a:cs typeface="Arial" panose="020B0604020202020204" pitchFamily="34" charset="0"/>
-              </a:rPr>
-              <a:t>myService</a:t>
-            </a:r>
-            <a:r>
-              <a:rPr lang="en-US" sz="1400" b="1" dirty="0">
-                <a:solidFill>
-                  <a:srgbClr val="008000"/>
-                </a:solidFill>
-                <a:latin typeface="Calibri" panose="020F0502020204030204" pitchFamily="34" charset="0"/>
-                <a:ea typeface="Calibri" panose="020F0502020204030204" pitchFamily="34" charset="0"/>
-                <a:cs typeface="Arial" panose="020B0604020202020204" pitchFamily="34" charset="0"/>
-              </a:rPr>
-              <a:t>"</a:t>
-            </a:r>
-            <a:r>
-              <a:rPr lang="en-US" sz="1400" dirty="0">
-                <a:solidFill>
-                  <a:srgbClr val="000000"/>
-                </a:solidFill>
-                <a:latin typeface="Calibri" panose="020F0502020204030204" pitchFamily="34" charset="0"/>
-                <a:ea typeface="Calibri" panose="020F0502020204030204" pitchFamily="34" charset="0"/>
-                <a:cs typeface="Arial" panose="020B0604020202020204" pitchFamily="34" charset="0"/>
-              </a:rPr>
-              <a:t>);</a:t>
-            </a:r>
-          </a:p>
-          <a:p>
-            <a:br>
-              <a:rPr lang="en-US" sz="1400" dirty="0">
-                <a:solidFill>
-                  <a:srgbClr val="000000"/>
-                </a:solidFill>
-                <a:latin typeface="Calibri" panose="020F0502020204030204" pitchFamily="34" charset="0"/>
-                <a:ea typeface="Calibri" panose="020F0502020204030204" pitchFamily="34" charset="0"/>
-                <a:cs typeface="Arial" panose="020B0604020202020204" pitchFamily="34" charset="0"/>
-              </a:rPr>
-            </a:br>
-            <a:r>
-              <a:rPr lang="en-US" sz="1400" b="1" i="1" dirty="0">
-                <a:solidFill>
-                  <a:srgbClr val="660E7A"/>
-                </a:solidFill>
-                <a:latin typeface="Calibri" panose="020F0502020204030204" pitchFamily="34" charset="0"/>
-                <a:ea typeface="Calibri" panose="020F0502020204030204" pitchFamily="34" charset="0"/>
-                <a:cs typeface="Arial" panose="020B0604020202020204" pitchFamily="34" charset="0"/>
-              </a:rPr>
-              <a:t>console</a:t>
-            </a:r>
-            <a:r>
-              <a:rPr lang="en-US" sz="1400" dirty="0">
-                <a:solidFill>
-                  <a:srgbClr val="000000"/>
-                </a:solidFill>
-                <a:latin typeface="Calibri" panose="020F0502020204030204" pitchFamily="34" charset="0"/>
-                <a:ea typeface="Calibri" panose="020F0502020204030204" pitchFamily="34" charset="0"/>
-                <a:cs typeface="Arial" panose="020B0604020202020204" pitchFamily="34" charset="0"/>
-              </a:rPr>
-              <a:t>.</a:t>
-            </a:r>
-            <a:r>
-              <a:rPr lang="en-US" sz="1400" dirty="0">
-                <a:solidFill>
-                  <a:srgbClr val="7A7A43"/>
-                </a:solidFill>
-                <a:latin typeface="Calibri" panose="020F0502020204030204" pitchFamily="34" charset="0"/>
-                <a:ea typeface="Calibri" panose="020F0502020204030204" pitchFamily="34" charset="0"/>
-                <a:cs typeface="Arial" panose="020B0604020202020204" pitchFamily="34" charset="0"/>
-              </a:rPr>
-              <a:t>log</a:t>
-            </a:r>
-            <a:r>
-              <a:rPr lang="en-US" sz="1400" dirty="0">
-                <a:solidFill>
-                  <a:srgbClr val="000000"/>
-                </a:solidFill>
-                <a:latin typeface="Calibri" panose="020F0502020204030204" pitchFamily="34" charset="0"/>
-                <a:ea typeface="Calibri" panose="020F0502020204030204" pitchFamily="34" charset="0"/>
-                <a:cs typeface="Arial" panose="020B0604020202020204" pitchFamily="34" charset="0"/>
-              </a:rPr>
-              <a:t>(</a:t>
-            </a:r>
-            <a:r>
-              <a:rPr lang="en-US" sz="1400" dirty="0" err="1">
-                <a:solidFill>
-                  <a:srgbClr val="458383"/>
-                </a:solidFill>
-                <a:latin typeface="Calibri" panose="020F0502020204030204" pitchFamily="34" charset="0"/>
-                <a:ea typeface="Calibri" panose="020F0502020204030204" pitchFamily="34" charset="0"/>
-                <a:cs typeface="Arial" panose="020B0604020202020204" pitchFamily="34" charset="0"/>
-              </a:rPr>
-              <a:t>obj</a:t>
-            </a:r>
-            <a:r>
-              <a:rPr lang="en-US" sz="1400" dirty="0">
-                <a:solidFill>
-                  <a:srgbClr val="458383"/>
-                </a:solidFill>
-                <a:latin typeface="Calibri" panose="020F0502020204030204" pitchFamily="34" charset="0"/>
-                <a:ea typeface="Calibri" panose="020F0502020204030204" pitchFamily="34" charset="0"/>
-                <a:cs typeface="Arial" panose="020B0604020202020204" pitchFamily="34" charset="0"/>
-              </a:rPr>
-              <a:t> </a:t>
-            </a:r>
-            <a:r>
-              <a:rPr lang="en-US" sz="1400" b="1" dirty="0" err="1">
-                <a:solidFill>
-                  <a:srgbClr val="000080"/>
-                </a:solidFill>
-                <a:latin typeface="Calibri" panose="020F0502020204030204" pitchFamily="34" charset="0"/>
-                <a:ea typeface="Calibri" panose="020F0502020204030204" pitchFamily="34" charset="0"/>
-                <a:cs typeface="Arial" panose="020B0604020202020204" pitchFamily="34" charset="0"/>
-              </a:rPr>
-              <a:t>instanceof</a:t>
-            </a:r>
-            <a:r>
-              <a:rPr lang="en-US" sz="1400" b="1" dirty="0">
-                <a:solidFill>
-                  <a:srgbClr val="000080"/>
-                </a:solidFill>
-                <a:latin typeface="Calibri" panose="020F0502020204030204" pitchFamily="34" charset="0"/>
-                <a:ea typeface="Calibri" panose="020F0502020204030204" pitchFamily="34" charset="0"/>
-                <a:cs typeface="Arial" panose="020B0604020202020204" pitchFamily="34" charset="0"/>
-              </a:rPr>
-              <a:t> </a:t>
-            </a:r>
-            <a:r>
-              <a:rPr lang="en-US" sz="1400" dirty="0">
-                <a:solidFill>
-                  <a:srgbClr val="000000"/>
-                </a:solidFill>
-                <a:latin typeface="Calibri" panose="020F0502020204030204" pitchFamily="34" charset="0"/>
-                <a:ea typeface="Calibri" panose="020F0502020204030204" pitchFamily="34" charset="0"/>
-                <a:cs typeface="Arial" panose="020B0604020202020204" pitchFamily="34" charset="0"/>
-              </a:rPr>
-              <a:t>MyClass2);</a:t>
-            </a:r>
-            <a:endParaRPr lang="he-IL" sz="1400" dirty="0"/>
           </a:p>
         </p:txBody>
       </p:sp>
@@ -10255,6 +10373,12 @@
           <a:prstGeom prst="rect">
             <a:avLst/>
           </a:prstGeom>
+          <a:solidFill>
+            <a:schemeClr val="accent1">
+              <a:lumMod val="40000"/>
+              <a:lumOff val="60000"/>
+            </a:schemeClr>
+          </a:solidFill>
         </p:spPr>
         <p:txBody>
           <a:bodyPr>
@@ -10885,6 +11009,13 @@
               <a:gd name="adj6" fmla="val -207695"/>
             </a:avLst>
           </a:prstGeom>
+          <a:solidFill>
+            <a:schemeClr val="accent4"/>
+          </a:solidFill>
+          <a:ln>
+            <a:headEnd type="none"/>
+            <a:tailEnd type="triangle"/>
+          </a:ln>
         </p:spPr>
         <p:style>
           <a:lnRef idx="2">
@@ -11424,6 +11555,12 @@
           <a:prstGeom prst="rect">
             <a:avLst/>
           </a:prstGeom>
+          <a:solidFill>
+            <a:schemeClr val="accent1">
+              <a:lumMod val="40000"/>
+              <a:lumOff val="60000"/>
+            </a:schemeClr>
+          </a:solidFill>
         </p:spPr>
         <p:txBody>
           <a:bodyPr wrap="square">
@@ -11795,6 +11932,12 @@
           <a:prstGeom prst="rect">
             <a:avLst/>
           </a:prstGeom>
+          <a:solidFill>
+            <a:schemeClr val="accent1">
+              <a:lumMod val="40000"/>
+              <a:lumOff val="60000"/>
+            </a:schemeClr>
+          </a:solidFill>
         </p:spPr>
         <p:txBody>
           <a:bodyPr wrap="square">
@@ -12129,6 +12272,13 @@
               <a:gd name="adj6" fmla="val 137274"/>
             </a:avLst>
           </a:prstGeom>
+          <a:solidFill>
+            <a:schemeClr val="accent4"/>
+          </a:solidFill>
+          <a:ln>
+            <a:headEnd type="none"/>
+            <a:tailEnd type="triangle"/>
+          </a:ln>
         </p:spPr>
         <p:style>
           <a:lnRef idx="2">
@@ -12179,6 +12329,13 @@
               <a:gd name="adj6" fmla="val -88227"/>
             </a:avLst>
           </a:prstGeom>
+          <a:solidFill>
+            <a:schemeClr val="accent4"/>
+          </a:solidFill>
+          <a:ln>
+            <a:headEnd type="none"/>
+            <a:tailEnd type="triangle"/>
+          </a:ln>
         </p:spPr>
         <p:style>
           <a:lnRef idx="2">
@@ -12361,6 +12518,12 @@
           <a:prstGeom prst="rect">
             <a:avLst/>
           </a:prstGeom>
+          <a:solidFill>
+            <a:schemeClr val="accent1">
+              <a:lumMod val="40000"/>
+              <a:lumOff val="60000"/>
+            </a:schemeClr>
+          </a:solidFill>
         </p:spPr>
         <p:txBody>
           <a:bodyPr wrap="square">
@@ -12893,6 +13056,13 @@
               <a:gd name="adj6" fmla="val -253326"/>
             </a:avLst>
           </a:prstGeom>
+          <a:solidFill>
+            <a:schemeClr val="accent4"/>
+          </a:solidFill>
+          <a:ln>
+            <a:headEnd type="none"/>
+            <a:tailEnd type="triangle"/>
+          </a:ln>
         </p:spPr>
         <p:style>
           <a:lnRef idx="2">
@@ -13060,6 +13230,12 @@
           <a:prstGeom prst="rect">
             <a:avLst/>
           </a:prstGeom>
+          <a:solidFill>
+            <a:schemeClr val="accent1">
+              <a:lumMod val="40000"/>
+              <a:lumOff val="60000"/>
+            </a:schemeClr>
+          </a:solidFill>
         </p:spPr>
         <p:txBody>
           <a:bodyPr>
@@ -13729,6 +13905,13 @@
               <a:gd name="adj6" fmla="val -152639"/>
             </a:avLst>
           </a:prstGeom>
+          <a:solidFill>
+            <a:schemeClr val="accent4"/>
+          </a:solidFill>
+          <a:ln>
+            <a:headEnd type="none"/>
+            <a:tailEnd type="triangle"/>
+          </a:ln>
         </p:spPr>
         <p:style>
           <a:lnRef idx="2">
@@ -13753,11 +13936,11 @@
             <a:pPr algn="ctr"/>
             <a:r>
               <a:rPr lang="en-US" sz="1400" dirty="0"/>
-              <a:t>We assume CORE_PROVIDERS is a 3</a:t>
-            </a:r>
-            <a:r>
-              <a:rPr lang="en-US" sz="1400" baseline="30000" dirty="0"/>
-              <a:t>rd</a:t>
+              <a:t>We assume CORE_PROVIDERS is </a:t>
+            </a:r>
+            <a:r>
+              <a:rPr lang="en-US" sz="1400"/>
+              <a:t>a 3rd</a:t>
             </a:r>
             <a:r>
               <a:rPr lang="en-US" sz="1400" dirty="0"/>
@@ -13787,6 +13970,13 @@
               <a:gd name="adj6" fmla="val -284094"/>
             </a:avLst>
           </a:prstGeom>
+          <a:solidFill>
+            <a:schemeClr val="accent4"/>
+          </a:solidFill>
+          <a:ln>
+            <a:headEnd type="none"/>
+            <a:tailEnd type="triangle"/>
+          </a:ln>
         </p:spPr>
         <p:style>
           <a:lnRef idx="2">
@@ -13955,6 +14145,12 @@
           <a:prstGeom prst="rect">
             <a:avLst/>
           </a:prstGeom>
+          <a:solidFill>
+            <a:schemeClr val="accent1">
+              <a:lumMod val="40000"/>
+              <a:lumOff val="60000"/>
+            </a:schemeClr>
+          </a:solidFill>
         </p:spPr>
         <p:txBody>
           <a:bodyPr>
@@ -14602,6 +14798,13 @@
               <a:gd name="adj6" fmla="val -159524"/>
             </a:avLst>
           </a:prstGeom>
+          <a:solidFill>
+            <a:schemeClr val="accent4"/>
+          </a:solidFill>
+          <a:ln>
+            <a:headEnd type="none"/>
+            <a:tailEnd type="triangle"/>
+          </a:ln>
         </p:spPr>
         <p:style>
           <a:lnRef idx="2">
@@ -14626,11 +14829,11 @@
             <a:pPr algn="ctr"/>
             <a:r>
               <a:rPr lang="en-US" sz="1400" dirty="0"/>
-              <a:t>TS2693 error: </a:t>
-            </a:r>
-            <a:r>
-              <a:rPr lang="en-US" sz="1400" dirty="0" err="1"/>
-              <a:t>IMyService</a:t>
+              <a:t>TS2693 error</a:t>
+            </a:r>
+            <a:r>
+              <a:rPr lang="en-US" sz="1400"/>
+              <a:t>: IMyService</a:t>
             </a:r>
             <a:r>
               <a:rPr lang="en-US" sz="1400" dirty="0"/>
@@ -14778,6 +14981,12 @@
           <a:prstGeom prst="rect">
             <a:avLst/>
           </a:prstGeom>
+          <a:solidFill>
+            <a:schemeClr val="accent1">
+              <a:lumMod val="40000"/>
+              <a:lumOff val="60000"/>
+            </a:schemeClr>
+          </a:solidFill>
         </p:spPr>
         <p:txBody>
           <a:bodyPr wrap="square">
@@ -15761,6 +15970,13 @@
               <a:gd name="adj6" fmla="val -69738"/>
             </a:avLst>
           </a:prstGeom>
+          <a:solidFill>
+            <a:schemeClr val="accent4"/>
+          </a:solidFill>
+          <a:ln>
+            <a:headEnd type="none"/>
+            <a:tailEnd type="triangle"/>
+          </a:ln>
         </p:spPr>
         <p:style>
           <a:lnRef idx="2">
@@ -15913,6 +16129,12 @@
           <a:prstGeom prst="rect">
             <a:avLst/>
           </a:prstGeom>
+          <a:solidFill>
+            <a:schemeClr val="accent1">
+              <a:lumMod val="40000"/>
+              <a:lumOff val="60000"/>
+            </a:schemeClr>
+          </a:solidFill>
         </p:spPr>
         <p:txBody>
           <a:bodyPr>
@@ -16546,6 +16768,13 @@
               <a:gd name="adj6" fmla="val -392807"/>
             </a:avLst>
           </a:prstGeom>
+          <a:solidFill>
+            <a:schemeClr val="accent4"/>
+          </a:solidFill>
+          <a:ln>
+            <a:headEnd type="none"/>
+            <a:tailEnd type="triangle"/>
+          </a:ln>
         </p:spPr>
         <p:style>
           <a:lnRef idx="2">
@@ -16596,6 +16825,13 @@
               <a:gd name="adj6" fmla="val -93558"/>
             </a:avLst>
           </a:prstGeom>
+          <a:solidFill>
+            <a:schemeClr val="accent4"/>
+          </a:solidFill>
+          <a:ln>
+            <a:headEnd type="none"/>
+            <a:tailEnd type="triangle"/>
+          </a:ln>
         </p:spPr>
         <p:style>
           <a:lnRef idx="2">
@@ -16770,6 +17006,12 @@
           <a:prstGeom prst="rect">
             <a:avLst/>
           </a:prstGeom>
+          <a:solidFill>
+            <a:schemeClr val="accent1">
+              <a:lumMod val="40000"/>
+              <a:lumOff val="60000"/>
+            </a:schemeClr>
+          </a:solidFill>
         </p:spPr>
         <p:txBody>
           <a:bodyPr>
@@ -17327,6 +17569,13 @@
               <a:gd name="adj6" fmla="val -46812"/>
             </a:avLst>
           </a:prstGeom>
+          <a:solidFill>
+            <a:schemeClr val="accent4"/>
+          </a:solidFill>
+          <a:ln>
+            <a:headEnd type="none"/>
+            <a:tailEnd type="triangle"/>
+          </a:ln>
         </p:spPr>
         <p:style>
           <a:lnRef idx="2">
@@ -17378,6 +17627,12 @@
           <a:prstGeom prst="rect">
             <a:avLst/>
           </a:prstGeom>
+          <a:solidFill>
+            <a:schemeClr val="accent1">
+              <a:lumMod val="40000"/>
+              <a:lumOff val="60000"/>
+            </a:schemeClr>
+          </a:solidFill>
         </p:spPr>
         <p:txBody>
           <a:bodyPr wrap="square">
@@ -18001,6 +18256,13 @@
               <a:gd name="adj6" fmla="val 8256"/>
             </a:avLst>
           </a:prstGeom>
+          <a:solidFill>
+            <a:schemeClr val="accent4"/>
+          </a:solidFill>
+          <a:ln>
+            <a:headEnd type="none"/>
+            <a:tailEnd type="triangle"/>
+          </a:ln>
         </p:spPr>
         <p:style>
           <a:lnRef idx="2">
@@ -18052,8 +18314,12 @@
             </a:avLst>
           </a:prstGeom>
           <a:solidFill>
-            <a:schemeClr val="accent2"/>
+            <a:schemeClr val="accent4"/>
           </a:solidFill>
+          <a:ln>
+            <a:headEnd type="none"/>
+            <a:tailEnd type="triangle"/>
+          </a:ln>
         </p:spPr>
         <p:style>
           <a:lnRef idx="2">
@@ -18077,7 +18343,7 @@
           <a:p>
             <a:pPr algn="ctr"/>
             <a:r>
-              <a:rPr lang="en-US" sz="1200" dirty="0"/>
+              <a:rPr lang="en-US" sz="1400" dirty="0"/>
               <a:t>Config is undefined</a:t>
             </a:r>
           </a:p>
@@ -18228,6 +18494,12 @@
           <a:prstGeom prst="rect">
             <a:avLst/>
           </a:prstGeom>
+          <a:solidFill>
+            <a:schemeClr val="accent1">
+              <a:lumMod val="40000"/>
+              <a:lumOff val="60000"/>
+            </a:schemeClr>
+          </a:solidFill>
         </p:spPr>
         <p:txBody>
           <a:bodyPr>
@@ -18994,6 +19266,12 @@
           <a:prstGeom prst="rect">
             <a:avLst/>
           </a:prstGeom>
+          <a:solidFill>
+            <a:schemeClr val="accent1">
+              <a:lumMod val="40000"/>
+              <a:lumOff val="60000"/>
+            </a:schemeClr>
+          </a:solidFill>
         </p:spPr>
         <p:txBody>
           <a:bodyPr wrap="square">
@@ -19590,6 +19868,13 @@
               <a:gd name="adj6" fmla="val -250297"/>
             </a:avLst>
           </a:prstGeom>
+          <a:solidFill>
+            <a:schemeClr val="accent4"/>
+          </a:solidFill>
+          <a:ln>
+            <a:headEnd type="none"/>
+            <a:tailEnd type="triangle"/>
+          </a:ln>
         </p:spPr>
         <p:style>
           <a:lnRef idx="2">
@@ -19614,11 +19899,11 @@
             <a:pPr algn="ctr"/>
             <a:r>
               <a:rPr lang="en-US" sz="1400" dirty="0"/>
-              <a:t>Array of </a:t>
-            </a:r>
-            <a:r>
-              <a:rPr lang="en-US" sz="1400" dirty="0" err="1"/>
-              <a:t>MyService</a:t>
+              <a:t>Array </a:t>
+            </a:r>
+            <a:r>
+              <a:rPr lang="en-US" sz="1400"/>
+              <a:t>of MyService</a:t>
             </a:r>
             <a:r>
               <a:rPr lang="en-US" sz="1400" dirty="0"/>
@@ -19752,26 +20037,19 @@
           <a:p>
             <a:r>
               <a:rPr lang="en-US" dirty="0"/>
-              <a:t>Angular defines that token + basic extensibility</a:t>
+              <a:t>Angular defines that token + basic implementation</a:t>
             </a:r>
           </a:p>
           <a:p>
             <a:r>
               <a:rPr lang="en-US" dirty="0"/>
-              <a:t>You adds your owns</a:t>
+              <a:t>You may extend with your own providers</a:t>
             </a:r>
           </a:p>
           <a:p>
             <a:r>
               <a:rPr lang="en-US" dirty="0"/>
-              <a:t>Angular uses them all</a:t>
-            </a:r>
-          </a:p>
-          <a:p>
-            <a:pPr lvl="1"/>
-            <a:r>
-              <a:rPr lang="en-US" dirty="0"/>
-              <a:t>NG_VALIDATOR</a:t>
+              <a:t>Angular uses them all. For example,</a:t>
             </a:r>
           </a:p>
           <a:p>
@@ -20079,6 +20357,12 @@
           <a:prstGeom prst="rect">
             <a:avLst/>
           </a:prstGeom>
+          <a:solidFill>
+            <a:schemeClr val="accent1">
+              <a:lumMod val="40000"/>
+              <a:lumOff val="60000"/>
+            </a:schemeClr>
+          </a:solidFill>
         </p:spPr>
         <p:txBody>
           <a:bodyPr wrap="square">
@@ -20662,7 +20946,7 @@
         <p:spPr>
           <a:xfrm>
             <a:off x="7236296" y="4725144"/>
-            <a:ext cx="1296144" cy="953618"/>
+            <a:ext cx="1610008" cy="936104"/>
           </a:xfrm>
           <a:prstGeom prst="borderCallout2">
             <a:avLst>
@@ -20674,6 +20958,13 @@
               <a:gd name="adj6" fmla="val -273059"/>
             </a:avLst>
           </a:prstGeom>
+          <a:solidFill>
+            <a:schemeClr val="accent4"/>
+          </a:solidFill>
+          <a:ln>
+            <a:headEnd type="none"/>
+            <a:tailEnd type="triangle"/>
+          </a:ln>
         </p:spPr>
         <p:style>
           <a:lnRef idx="2">
@@ -20697,15 +20988,11 @@
           <a:p>
             <a:pPr algn="ctr"/>
             <a:r>
-              <a:rPr lang="en-US" sz="1200" dirty="0"/>
-              <a:t>Without </a:t>
-            </a:r>
-            <a:r>
-              <a:rPr lang="en-US" sz="1200" dirty="0" err="1"/>
-              <a:t>forwarfRef</a:t>
-            </a:r>
-            <a:r>
-              <a:rPr lang="en-US" sz="1200" dirty="0"/>
+              <a:rPr lang="en-US" sz="1400"/>
+              <a:t>Without forwarfRef</a:t>
+            </a:r>
+            <a:r>
+              <a:rPr lang="en-US" sz="1400" dirty="0"/>
               <a:t> MyService2 token is undefined</a:t>
             </a:r>
           </a:p>
@@ -20719,8 +21006,8 @@
         </p:nvSpPr>
         <p:spPr>
           <a:xfrm>
-            <a:off x="6578658" y="2165325"/>
-            <a:ext cx="1296144" cy="953618"/>
+            <a:off x="6578658" y="2165324"/>
+            <a:ext cx="1521734" cy="1119659"/>
           </a:xfrm>
           <a:prstGeom prst="borderCallout2">
             <a:avLst>
@@ -20732,6 +21019,13 @@
               <a:gd name="adj6" fmla="val -168577"/>
             </a:avLst>
           </a:prstGeom>
+          <a:solidFill>
+            <a:schemeClr val="accent4"/>
+          </a:solidFill>
+          <a:ln>
+            <a:headEnd type="none"/>
+            <a:tailEnd type="triangle"/>
+          </a:ln>
         </p:spPr>
         <p:style>
           <a:lnRef idx="2">
@@ -20755,14 +21049,14 @@
           <a:p>
             <a:pPr algn="ctr"/>
             <a:r>
-              <a:rPr lang="en-US" sz="1200" dirty="0"/>
+              <a:rPr lang="en-US" sz="1400" dirty="0"/>
               <a:t>Cyclic dependency</a:t>
             </a:r>
           </a:p>
           <a:p>
             <a:pPr algn="ctr"/>
             <a:r>
-              <a:rPr lang="en-US" sz="1200" dirty="0"/>
+              <a:rPr lang="en-US" sz="1400" dirty="0"/>
               <a:t>Angular does not support that !!!</a:t>
             </a:r>
           </a:p>
@@ -20921,7 +21215,7 @@
           <a:p>
             <a:r>
               <a:rPr lang="en-US" dirty="0"/>
-              <a:t>Break the cycle by deleting a dependency from the constructor and move it a property/field  </a:t>
+              <a:t>Break the cycle by deleting a dependency from the constructor and move it to a property/field  </a:t>
             </a:r>
             <a:endParaRPr lang="he-IL" dirty="0"/>
           </a:p>
@@ -21043,6 +21337,12 @@
           <a:prstGeom prst="rect">
             <a:avLst/>
           </a:prstGeom>
+          <a:solidFill>
+            <a:schemeClr val="accent1">
+              <a:lumMod val="40000"/>
+              <a:lumOff val="60000"/>
+            </a:schemeClr>
+          </a:solidFill>
         </p:spPr>
         <p:txBody>
           <a:bodyPr wrap="square">
@@ -21813,7 +22113,7 @@
         <p:spPr>
           <a:xfrm>
             <a:off x="7488822" y="1844824"/>
-            <a:ext cx="971610" cy="648072"/>
+            <a:ext cx="1115626" cy="936104"/>
           </a:xfrm>
           <a:prstGeom prst="borderCallout2">
             <a:avLst>
@@ -21821,10 +22121,17 @@
               <a:gd name="adj2" fmla="val -8333"/>
               <a:gd name="adj3" fmla="val 18750"/>
               <a:gd name="adj4" fmla="val -16667"/>
-              <a:gd name="adj5" fmla="val 76007"/>
-              <a:gd name="adj6" fmla="val -301972"/>
+              <a:gd name="adj5" fmla="val 57040"/>
+              <a:gd name="adj6" fmla="val -266163"/>
             </a:avLst>
           </a:prstGeom>
+          <a:solidFill>
+            <a:schemeClr val="accent4"/>
+          </a:solidFill>
+          <a:ln>
+            <a:headEnd type="none"/>
+            <a:tailEnd type="triangle"/>
+          </a:ln>
         </p:spPr>
         <p:style>
           <a:lnRef idx="2">
@@ -21848,7 +22155,7 @@
           <a:p>
             <a:pPr algn="ctr"/>
             <a:r>
-              <a:rPr lang="en-US" sz="1200" dirty="0"/>
+              <a:rPr lang="en-US" sz="1400" dirty="0"/>
               <a:t>Caching the dependency</a:t>
             </a:r>
           </a:p>
@@ -21863,7 +22170,7 @@
         <p:spPr>
           <a:xfrm>
             <a:off x="7556602" y="4221088"/>
-            <a:ext cx="971610" cy="648072"/>
+            <a:ext cx="1047846" cy="864096"/>
           </a:xfrm>
           <a:prstGeom prst="borderCallout2">
             <a:avLst>
@@ -21871,10 +22178,17 @@
               <a:gd name="adj2" fmla="val -8333"/>
               <a:gd name="adj3" fmla="val 18750"/>
               <a:gd name="adj4" fmla="val -16667"/>
-              <a:gd name="adj5" fmla="val -54372"/>
-              <a:gd name="adj6" fmla="val -111366"/>
+              <a:gd name="adj5" fmla="val -41016"/>
+              <a:gd name="adj6" fmla="val -103741"/>
             </a:avLst>
           </a:prstGeom>
+          <a:solidFill>
+            <a:schemeClr val="accent4"/>
+          </a:solidFill>
+          <a:ln>
+            <a:headEnd type="none"/>
+            <a:tailEnd type="triangle"/>
+          </a:ln>
         </p:spPr>
         <p:style>
           <a:lnRef idx="2">
@@ -21898,7 +22212,7 @@
           <a:p>
             <a:pPr algn="ctr"/>
             <a:r>
-              <a:rPr lang="en-US" sz="1200" dirty="0"/>
+              <a:rPr lang="en-US" sz="1400" dirty="0"/>
               <a:t>Resolve it on demand</a:t>
             </a:r>
           </a:p>
@@ -22048,6 +22362,12 @@
           <a:prstGeom prst="rect">
             <a:avLst/>
           </a:prstGeom>
+          <a:solidFill>
+            <a:schemeClr val="accent1">
+              <a:lumMod val="40000"/>
+              <a:lumOff val="60000"/>
+            </a:schemeClr>
+          </a:solidFill>
         </p:spPr>
         <p:txBody>
           <a:bodyPr wrap="square">
@@ -22680,6 +23000,13 @@
               <a:gd name="adj6" fmla="val -191778"/>
             </a:avLst>
           </a:prstGeom>
+          <a:solidFill>
+            <a:schemeClr val="accent4"/>
+          </a:solidFill>
+          <a:ln>
+            <a:headEnd type="none"/>
+            <a:tailEnd type="triangle"/>
+          </a:ln>
         </p:spPr>
         <p:style>
           <a:lnRef idx="2">
@@ -22703,7 +23030,7 @@
           <a:p>
             <a:pPr algn="ctr"/>
             <a:r>
-              <a:rPr lang="en-US" sz="1200" dirty="0"/>
+              <a:rPr lang="en-US" sz="1400" dirty="0"/>
               <a:t>Error is thrown</a:t>
             </a:r>
           </a:p>
@@ -22717,8 +23044,8 @@
         </p:nvSpPr>
         <p:spPr>
           <a:xfrm>
-            <a:off x="7328640" y="4871857"/>
-            <a:ext cx="1362986" cy="1080120"/>
+            <a:off x="7328640" y="4871856"/>
+            <a:ext cx="1437408" cy="1224143"/>
           </a:xfrm>
           <a:prstGeom prst="borderCallout2">
             <a:avLst>
@@ -22730,6 +23057,13 @@
               <a:gd name="adj6" fmla="val -250439"/>
             </a:avLst>
           </a:prstGeom>
+          <a:solidFill>
+            <a:schemeClr val="accent4"/>
+          </a:solidFill>
+          <a:ln>
+            <a:headEnd type="none"/>
+            <a:tailEnd type="triangle"/>
+          </a:ln>
         </p:spPr>
         <p:style>
           <a:lnRef idx="2">
@@ -22753,7 +23087,7 @@
           <a:p>
             <a:pPr algn="ctr"/>
             <a:r>
-              <a:rPr lang="en-US" sz="1200" dirty="0"/>
+              <a:rPr lang="en-US" sz="1400" dirty="0"/>
               <a:t>Can add @Optional to get null dependency instead of error</a:t>
             </a:r>
           </a:p>
@@ -22902,6 +23236,12 @@
           <a:prstGeom prst="rect">
             <a:avLst/>
           </a:prstGeom>
+          <a:solidFill>
+            <a:schemeClr val="accent1">
+              <a:lumMod val="40000"/>
+              <a:lumOff val="60000"/>
+            </a:schemeClr>
+          </a:solidFill>
         </p:spPr>
         <p:txBody>
           <a:bodyPr wrap="square">
@@ -23741,6 +24081,13 @@
               <a:gd name="adj6" fmla="val -256108"/>
             </a:avLst>
           </a:prstGeom>
+          <a:solidFill>
+            <a:schemeClr val="accent4"/>
+          </a:solidFill>
+          <a:ln>
+            <a:headEnd type="none"/>
+            <a:tailEnd type="triangle"/>
+          </a:ln>
         </p:spPr>
         <p:style>
           <a:lnRef idx="2">
@@ -23764,7 +24111,7 @@
           <a:p>
             <a:pPr algn="ctr"/>
             <a:r>
-              <a:rPr lang="en-US" sz="1200" dirty="0"/>
+              <a:rPr lang="en-US" sz="1400" dirty="0"/>
               <a:t>False</a:t>
             </a:r>
           </a:p>
@@ -23817,7 +24164,7 @@
           <a:p>
             <a:r>
               <a:rPr lang="en-US" dirty="0"/>
-              <a:t>Summary</a:t>
+              <a:t>Modules &amp; Injectors</a:t>
             </a:r>
             <a:endParaRPr lang="he-IL" dirty="0"/>
           </a:p>
@@ -23889,30 +24236,1601 @@
           <a:p>
             <a:r>
               <a:rPr lang="en-US" dirty="0"/>
-              <a:t>Angular offers its own DI mechanism</a:t>
+              <a:t>For each module Angular generates an injector</a:t>
             </a:r>
           </a:p>
           <a:p>
             <a:r>
               <a:rPr lang="en-US" dirty="0"/>
-              <a:t>Quite “standard”</a:t>
-            </a:r>
-          </a:p>
+              <a:t>The injector contains a flat list of all providers from “sub” modules and the current module</a:t>
+            </a:r>
+            <a:endParaRPr lang="he-IL" dirty="0"/>
+          </a:p>
+        </p:txBody>
+      </p:sp>
+      <p:sp>
+        <p:nvSpPr>
+          <p:cNvPr id="7" name="Rectangle 6"/>
+          <p:cNvSpPr/>
+          <p:nvPr/>
+        </p:nvSpPr>
+        <p:spPr>
+          <a:xfrm>
+            <a:off x="2099625" y="3245346"/>
+            <a:ext cx="5179446" cy="3231654"/>
+          </a:xfrm>
+          <a:prstGeom prst="rect">
+            <a:avLst/>
+          </a:prstGeom>
+          <a:solidFill>
+            <a:schemeClr val="accent1">
+              <a:lumMod val="40000"/>
+              <a:lumOff val="60000"/>
+            </a:schemeClr>
+          </a:solidFill>
+        </p:spPr>
+        <p:txBody>
+          <a:bodyPr wrap="square">
+            <a:spAutoFit/>
+          </a:bodyPr>
+          <a:lstStyle/>
+          <a:p>
+            <a:r>
+              <a:rPr lang="en-US" sz="1200" dirty="0">
+                <a:solidFill>
+                  <a:srgbClr val="000000"/>
+                </a:solidFill>
+                <a:latin typeface="Courier New" panose="02070309020205020404" pitchFamily="49" charset="0"/>
+                <a:ea typeface="Times New Roman" panose="02020603050405020304" pitchFamily="18" charset="0"/>
+              </a:rPr>
+              <a:t>@</a:t>
+            </a:r>
+            <a:r>
+              <a:rPr lang="en-US" sz="1200" dirty="0" err="1">
+                <a:solidFill>
+                  <a:srgbClr val="000000"/>
+                </a:solidFill>
+                <a:latin typeface="Courier New" panose="02070309020205020404" pitchFamily="49" charset="0"/>
+                <a:ea typeface="Times New Roman" panose="02020603050405020304" pitchFamily="18" charset="0"/>
+              </a:rPr>
+              <a:t>NgModule</a:t>
+            </a:r>
+            <a:r>
+              <a:rPr lang="en-US" sz="1200" dirty="0">
+                <a:solidFill>
+                  <a:srgbClr val="000000"/>
+                </a:solidFill>
+                <a:latin typeface="Courier New" panose="02070309020205020404" pitchFamily="49" charset="0"/>
+                <a:ea typeface="Times New Roman" panose="02020603050405020304" pitchFamily="18" charset="0"/>
+              </a:rPr>
+              <a:t>({</a:t>
+            </a:r>
+            <a:br>
+              <a:rPr lang="en-US" sz="1200" dirty="0">
+                <a:solidFill>
+                  <a:srgbClr val="000000"/>
+                </a:solidFill>
+                <a:latin typeface="Courier New" panose="02070309020205020404" pitchFamily="49" charset="0"/>
+                <a:ea typeface="Times New Roman" panose="02020603050405020304" pitchFamily="18" charset="0"/>
+              </a:rPr>
+            </a:br>
+            <a:r>
+              <a:rPr lang="en-US" sz="1200" dirty="0">
+                <a:solidFill>
+                  <a:srgbClr val="000000"/>
+                </a:solidFill>
+                <a:latin typeface="Courier New" panose="02070309020205020404" pitchFamily="49" charset="0"/>
+                <a:ea typeface="Times New Roman" panose="02020603050405020304" pitchFamily="18" charset="0"/>
+              </a:rPr>
+              <a:t>    </a:t>
+            </a:r>
+            <a:r>
+              <a:rPr lang="en-US" sz="1200" b="1" dirty="0">
+                <a:solidFill>
+                  <a:srgbClr val="660E7A"/>
+                </a:solidFill>
+                <a:latin typeface="Courier New" panose="02070309020205020404" pitchFamily="49" charset="0"/>
+                <a:ea typeface="Times New Roman" panose="02020603050405020304" pitchFamily="18" charset="0"/>
+              </a:rPr>
+              <a:t>imports</a:t>
+            </a:r>
+            <a:r>
+              <a:rPr lang="en-US" sz="1200" dirty="0">
+                <a:solidFill>
+                  <a:srgbClr val="000000"/>
+                </a:solidFill>
+                <a:latin typeface="Courier New" panose="02070309020205020404" pitchFamily="49" charset="0"/>
+                <a:ea typeface="Times New Roman" panose="02020603050405020304" pitchFamily="18" charset="0"/>
+              </a:rPr>
+              <a:t>: [</a:t>
+            </a:r>
+            <a:br>
+              <a:rPr lang="en-US" sz="1200" dirty="0">
+                <a:solidFill>
+                  <a:srgbClr val="000000"/>
+                </a:solidFill>
+                <a:latin typeface="Courier New" panose="02070309020205020404" pitchFamily="49" charset="0"/>
+                <a:ea typeface="Times New Roman" panose="02020603050405020304" pitchFamily="18" charset="0"/>
+              </a:rPr>
+            </a:br>
+            <a:r>
+              <a:rPr lang="en-US" sz="1200" dirty="0">
+                <a:solidFill>
+                  <a:srgbClr val="000000"/>
+                </a:solidFill>
+                <a:latin typeface="Courier New" panose="02070309020205020404" pitchFamily="49" charset="0"/>
+                <a:ea typeface="Times New Roman" panose="02020603050405020304" pitchFamily="18" charset="0"/>
+              </a:rPr>
+              <a:t>        </a:t>
+            </a:r>
+            <a:r>
+              <a:rPr lang="en-US" sz="1200" dirty="0" err="1">
+                <a:solidFill>
+                  <a:srgbClr val="000000"/>
+                </a:solidFill>
+                <a:latin typeface="Courier New" panose="02070309020205020404" pitchFamily="49" charset="0"/>
+                <a:ea typeface="Times New Roman" panose="02020603050405020304" pitchFamily="18" charset="0"/>
+              </a:rPr>
+              <a:t>BrowserModule</a:t>
+            </a:r>
+            <a:r>
+              <a:rPr lang="en-US" sz="1200" dirty="0">
+                <a:solidFill>
+                  <a:srgbClr val="000000"/>
+                </a:solidFill>
+                <a:latin typeface="Courier New" panose="02070309020205020404" pitchFamily="49" charset="0"/>
+                <a:ea typeface="Times New Roman" panose="02020603050405020304" pitchFamily="18" charset="0"/>
+              </a:rPr>
+              <a:t>,</a:t>
+            </a:r>
+            <a:br>
+              <a:rPr lang="en-US" sz="1200" dirty="0">
+                <a:solidFill>
+                  <a:srgbClr val="000000"/>
+                </a:solidFill>
+                <a:latin typeface="Courier New" panose="02070309020205020404" pitchFamily="49" charset="0"/>
+                <a:ea typeface="Times New Roman" panose="02020603050405020304" pitchFamily="18" charset="0"/>
+              </a:rPr>
+            </a:br>
+            <a:r>
+              <a:rPr lang="en-US" sz="1200" dirty="0">
+                <a:solidFill>
+                  <a:srgbClr val="000000"/>
+                </a:solidFill>
+                <a:latin typeface="Courier New" panose="02070309020205020404" pitchFamily="49" charset="0"/>
+                <a:ea typeface="Times New Roman" panose="02020603050405020304" pitchFamily="18" charset="0"/>
+              </a:rPr>
+              <a:t>        </a:t>
+            </a:r>
+            <a:r>
+              <a:rPr lang="en-US" sz="1200" dirty="0" err="1">
+                <a:solidFill>
+                  <a:srgbClr val="000000"/>
+                </a:solidFill>
+                <a:latin typeface="Courier New" panose="02070309020205020404" pitchFamily="49" charset="0"/>
+                <a:ea typeface="Times New Roman" panose="02020603050405020304" pitchFamily="18" charset="0"/>
+              </a:rPr>
+              <a:t>CommonModule</a:t>
+            </a:r>
+            <a:r>
+              <a:rPr lang="en-US" sz="1200" dirty="0">
+                <a:solidFill>
+                  <a:srgbClr val="000000"/>
+                </a:solidFill>
+                <a:latin typeface="Courier New" panose="02070309020205020404" pitchFamily="49" charset="0"/>
+                <a:ea typeface="Times New Roman" panose="02020603050405020304" pitchFamily="18" charset="0"/>
+              </a:rPr>
+              <a:t>,</a:t>
+            </a:r>
+            <a:br>
+              <a:rPr lang="en-US" sz="1200" dirty="0">
+                <a:solidFill>
+                  <a:srgbClr val="000000"/>
+                </a:solidFill>
+                <a:latin typeface="Courier New" panose="02070309020205020404" pitchFamily="49" charset="0"/>
+                <a:ea typeface="Times New Roman" panose="02020603050405020304" pitchFamily="18" charset="0"/>
+              </a:rPr>
+            </a:br>
+            <a:r>
+              <a:rPr lang="en-US" sz="1200" dirty="0">
+                <a:solidFill>
+                  <a:srgbClr val="000000"/>
+                </a:solidFill>
+                <a:latin typeface="Courier New" panose="02070309020205020404" pitchFamily="49" charset="0"/>
+                <a:ea typeface="Times New Roman" panose="02020603050405020304" pitchFamily="18" charset="0"/>
+              </a:rPr>
+              <a:t>        Module1Module,</a:t>
+            </a:r>
+            <a:br>
+              <a:rPr lang="en-US" sz="1200" dirty="0">
+                <a:solidFill>
+                  <a:srgbClr val="000000"/>
+                </a:solidFill>
+                <a:latin typeface="Courier New" panose="02070309020205020404" pitchFamily="49" charset="0"/>
+                <a:ea typeface="Times New Roman" panose="02020603050405020304" pitchFamily="18" charset="0"/>
+              </a:rPr>
+            </a:br>
+            <a:r>
+              <a:rPr lang="en-US" sz="1200" dirty="0">
+                <a:solidFill>
+                  <a:srgbClr val="000000"/>
+                </a:solidFill>
+                <a:latin typeface="Courier New" panose="02070309020205020404" pitchFamily="49" charset="0"/>
+                <a:ea typeface="Times New Roman" panose="02020603050405020304" pitchFamily="18" charset="0"/>
+              </a:rPr>
+              <a:t>    ],</a:t>
+            </a:r>
+            <a:br>
+              <a:rPr lang="en-US" sz="1200" dirty="0">
+                <a:solidFill>
+                  <a:srgbClr val="000000"/>
+                </a:solidFill>
+                <a:latin typeface="Courier New" panose="02070309020205020404" pitchFamily="49" charset="0"/>
+                <a:ea typeface="Times New Roman" panose="02020603050405020304" pitchFamily="18" charset="0"/>
+              </a:rPr>
+            </a:br>
+            <a:r>
+              <a:rPr lang="en-US" sz="1200" dirty="0">
+                <a:solidFill>
+                  <a:srgbClr val="000000"/>
+                </a:solidFill>
+                <a:latin typeface="Courier New" panose="02070309020205020404" pitchFamily="49" charset="0"/>
+                <a:ea typeface="Times New Roman" panose="02020603050405020304" pitchFamily="18" charset="0"/>
+              </a:rPr>
+              <a:t>    </a:t>
+            </a:r>
+            <a:r>
+              <a:rPr lang="en-US" sz="1200" b="1" dirty="0">
+                <a:solidFill>
+                  <a:srgbClr val="660E7A"/>
+                </a:solidFill>
+                <a:latin typeface="Courier New" panose="02070309020205020404" pitchFamily="49" charset="0"/>
+                <a:ea typeface="Times New Roman" panose="02020603050405020304" pitchFamily="18" charset="0"/>
+              </a:rPr>
+              <a:t>providers</a:t>
+            </a:r>
+            <a:r>
+              <a:rPr lang="en-US" sz="1200" dirty="0">
+                <a:solidFill>
+                  <a:srgbClr val="000000"/>
+                </a:solidFill>
+                <a:latin typeface="Courier New" panose="02070309020205020404" pitchFamily="49" charset="0"/>
+                <a:ea typeface="Times New Roman" panose="02020603050405020304" pitchFamily="18" charset="0"/>
+              </a:rPr>
+              <a:t>: [</a:t>
+            </a:r>
+            <a:br>
+              <a:rPr lang="en-US" sz="1200" dirty="0">
+                <a:solidFill>
+                  <a:srgbClr val="000000"/>
+                </a:solidFill>
+                <a:latin typeface="Courier New" panose="02070309020205020404" pitchFamily="49" charset="0"/>
+                <a:ea typeface="Times New Roman" panose="02020603050405020304" pitchFamily="18" charset="0"/>
+              </a:rPr>
+            </a:br>
+            <a:r>
+              <a:rPr lang="en-US" sz="1200" dirty="0">
+                <a:solidFill>
+                  <a:srgbClr val="000000"/>
+                </a:solidFill>
+                <a:latin typeface="Courier New" panose="02070309020205020404" pitchFamily="49" charset="0"/>
+                <a:ea typeface="Times New Roman" panose="02020603050405020304" pitchFamily="18" charset="0"/>
+              </a:rPr>
+              <a:t>        {</a:t>
+            </a:r>
+            <a:r>
+              <a:rPr lang="en-US" sz="1200" b="1" dirty="0">
+                <a:solidFill>
+                  <a:srgbClr val="660E7A"/>
+                </a:solidFill>
+                <a:latin typeface="Courier New" panose="02070309020205020404" pitchFamily="49" charset="0"/>
+                <a:ea typeface="Times New Roman" panose="02020603050405020304" pitchFamily="18" charset="0"/>
+              </a:rPr>
+              <a:t>provide</a:t>
+            </a:r>
+            <a:r>
+              <a:rPr lang="en-US" sz="1200" dirty="0">
+                <a:solidFill>
+                  <a:srgbClr val="000000"/>
+                </a:solidFill>
+                <a:latin typeface="Courier New" panose="02070309020205020404" pitchFamily="49" charset="0"/>
+                <a:ea typeface="Times New Roman" panose="02020603050405020304" pitchFamily="18" charset="0"/>
+              </a:rPr>
+              <a:t>: </a:t>
+            </a:r>
+            <a:r>
+              <a:rPr lang="en-US" sz="1200" dirty="0" err="1">
+                <a:solidFill>
+                  <a:srgbClr val="000000"/>
+                </a:solidFill>
+                <a:latin typeface="Courier New" panose="02070309020205020404" pitchFamily="49" charset="0"/>
+                <a:ea typeface="Times New Roman" panose="02020603050405020304" pitchFamily="18" charset="0"/>
+              </a:rPr>
+              <a:t>CommonService</a:t>
+            </a:r>
+            <a:r>
+              <a:rPr lang="en-US" sz="1200" dirty="0">
+                <a:solidFill>
+                  <a:srgbClr val="000000"/>
+                </a:solidFill>
+                <a:latin typeface="Courier New" panose="02070309020205020404" pitchFamily="49" charset="0"/>
+                <a:ea typeface="Times New Roman" panose="02020603050405020304" pitchFamily="18" charset="0"/>
+              </a:rPr>
+              <a:t>, </a:t>
+            </a:r>
+            <a:r>
+              <a:rPr lang="en-US" sz="1200" b="1" dirty="0" err="1">
+                <a:solidFill>
+                  <a:srgbClr val="660E7A"/>
+                </a:solidFill>
+                <a:latin typeface="Courier New" panose="02070309020205020404" pitchFamily="49" charset="0"/>
+                <a:ea typeface="Times New Roman" panose="02020603050405020304" pitchFamily="18" charset="0"/>
+              </a:rPr>
+              <a:t>useClass</a:t>
+            </a:r>
+            <a:r>
+              <a:rPr lang="en-US" sz="1200" dirty="0">
+                <a:solidFill>
+                  <a:srgbClr val="000000"/>
+                </a:solidFill>
+                <a:latin typeface="Courier New" panose="02070309020205020404" pitchFamily="49" charset="0"/>
+                <a:ea typeface="Times New Roman" panose="02020603050405020304" pitchFamily="18" charset="0"/>
+              </a:rPr>
+              <a:t>: </a:t>
+            </a:r>
+            <a:r>
+              <a:rPr lang="en-US" sz="1200" dirty="0" err="1">
+                <a:solidFill>
+                  <a:srgbClr val="000000"/>
+                </a:solidFill>
+                <a:latin typeface="Courier New" panose="02070309020205020404" pitchFamily="49" charset="0"/>
+                <a:ea typeface="Times New Roman" panose="02020603050405020304" pitchFamily="18" charset="0"/>
+              </a:rPr>
+              <a:t>MyService</a:t>
+            </a:r>
+            <a:r>
+              <a:rPr lang="en-US" sz="1200" dirty="0">
+                <a:solidFill>
+                  <a:srgbClr val="000000"/>
+                </a:solidFill>
+                <a:latin typeface="Courier New" panose="02070309020205020404" pitchFamily="49" charset="0"/>
+                <a:ea typeface="Times New Roman" panose="02020603050405020304" pitchFamily="18" charset="0"/>
+              </a:rPr>
+              <a:t>},</a:t>
+            </a:r>
+            <a:br>
+              <a:rPr lang="en-US" sz="1200" dirty="0">
+                <a:solidFill>
+                  <a:srgbClr val="000000"/>
+                </a:solidFill>
+                <a:latin typeface="Courier New" panose="02070309020205020404" pitchFamily="49" charset="0"/>
+                <a:ea typeface="Times New Roman" panose="02020603050405020304" pitchFamily="18" charset="0"/>
+              </a:rPr>
+            </a:br>
+            <a:r>
+              <a:rPr lang="en-US" sz="1200" dirty="0">
+                <a:solidFill>
+                  <a:srgbClr val="000000"/>
+                </a:solidFill>
+                <a:latin typeface="Courier New" panose="02070309020205020404" pitchFamily="49" charset="0"/>
+                <a:ea typeface="Times New Roman" panose="02020603050405020304" pitchFamily="18" charset="0"/>
+              </a:rPr>
+              <a:t>    ],</a:t>
+            </a:r>
+            <a:br>
+              <a:rPr lang="en-US" sz="1200" dirty="0">
+                <a:solidFill>
+                  <a:srgbClr val="000000"/>
+                </a:solidFill>
+                <a:latin typeface="Courier New" panose="02070309020205020404" pitchFamily="49" charset="0"/>
+                <a:ea typeface="Times New Roman" panose="02020603050405020304" pitchFamily="18" charset="0"/>
+              </a:rPr>
+            </a:br>
+            <a:r>
+              <a:rPr lang="en-US" sz="1200" dirty="0">
+                <a:solidFill>
+                  <a:srgbClr val="000000"/>
+                </a:solidFill>
+                <a:latin typeface="Courier New" panose="02070309020205020404" pitchFamily="49" charset="0"/>
+                <a:ea typeface="Times New Roman" panose="02020603050405020304" pitchFamily="18" charset="0"/>
+              </a:rPr>
+              <a:t>    </a:t>
+            </a:r>
+            <a:r>
+              <a:rPr lang="en-US" sz="1200" b="1" dirty="0">
+                <a:solidFill>
+                  <a:srgbClr val="660E7A"/>
+                </a:solidFill>
+                <a:latin typeface="Courier New" panose="02070309020205020404" pitchFamily="49" charset="0"/>
+                <a:ea typeface="Times New Roman" panose="02020603050405020304" pitchFamily="18" charset="0"/>
+              </a:rPr>
+              <a:t>bootstrap</a:t>
+            </a:r>
+            <a:r>
+              <a:rPr lang="en-US" sz="1200" dirty="0">
+                <a:solidFill>
+                  <a:srgbClr val="000000"/>
+                </a:solidFill>
+                <a:latin typeface="Courier New" panose="02070309020205020404" pitchFamily="49" charset="0"/>
+                <a:ea typeface="Times New Roman" panose="02020603050405020304" pitchFamily="18" charset="0"/>
+              </a:rPr>
+              <a:t>: [</a:t>
+            </a:r>
+            <a:br>
+              <a:rPr lang="en-US" sz="1200" dirty="0">
+                <a:solidFill>
+                  <a:srgbClr val="000000"/>
+                </a:solidFill>
+                <a:latin typeface="Courier New" panose="02070309020205020404" pitchFamily="49" charset="0"/>
+                <a:ea typeface="Times New Roman" panose="02020603050405020304" pitchFamily="18" charset="0"/>
+              </a:rPr>
+            </a:br>
+            <a:r>
+              <a:rPr lang="en-US" sz="1200" dirty="0">
+                <a:solidFill>
+                  <a:srgbClr val="000000"/>
+                </a:solidFill>
+                <a:latin typeface="Courier New" panose="02070309020205020404" pitchFamily="49" charset="0"/>
+                <a:ea typeface="Times New Roman" panose="02020603050405020304" pitchFamily="18" charset="0"/>
+              </a:rPr>
+              <a:t>        </a:t>
+            </a:r>
+            <a:r>
+              <a:rPr lang="en-US" sz="1200" dirty="0" err="1">
+                <a:solidFill>
+                  <a:srgbClr val="000000"/>
+                </a:solidFill>
+                <a:latin typeface="Courier New" panose="02070309020205020404" pitchFamily="49" charset="0"/>
+                <a:ea typeface="Times New Roman" panose="02020603050405020304" pitchFamily="18" charset="0"/>
+              </a:rPr>
+              <a:t>AppComponent</a:t>
+            </a:r>
+            <a:r>
+              <a:rPr lang="en-US" sz="1200" dirty="0">
+                <a:solidFill>
+                  <a:srgbClr val="000000"/>
+                </a:solidFill>
+                <a:latin typeface="Courier New" panose="02070309020205020404" pitchFamily="49" charset="0"/>
+                <a:ea typeface="Times New Roman" panose="02020603050405020304" pitchFamily="18" charset="0"/>
+              </a:rPr>
+              <a:t>,</a:t>
+            </a:r>
+            <a:br>
+              <a:rPr lang="en-US" sz="1200" dirty="0">
+                <a:solidFill>
+                  <a:srgbClr val="000000"/>
+                </a:solidFill>
+                <a:latin typeface="Courier New" panose="02070309020205020404" pitchFamily="49" charset="0"/>
+                <a:ea typeface="Times New Roman" panose="02020603050405020304" pitchFamily="18" charset="0"/>
+              </a:rPr>
+            </a:br>
+            <a:r>
+              <a:rPr lang="en-US" sz="1200" dirty="0">
+                <a:solidFill>
+                  <a:srgbClr val="000000"/>
+                </a:solidFill>
+                <a:latin typeface="Courier New" panose="02070309020205020404" pitchFamily="49" charset="0"/>
+                <a:ea typeface="Times New Roman" panose="02020603050405020304" pitchFamily="18" charset="0"/>
+              </a:rPr>
+              <a:t>    ],</a:t>
+            </a:r>
+            <a:br>
+              <a:rPr lang="en-US" sz="1200" dirty="0">
+                <a:solidFill>
+                  <a:srgbClr val="000000"/>
+                </a:solidFill>
+                <a:latin typeface="Courier New" panose="02070309020205020404" pitchFamily="49" charset="0"/>
+                <a:ea typeface="Times New Roman" panose="02020603050405020304" pitchFamily="18" charset="0"/>
+              </a:rPr>
+            </a:br>
+            <a:r>
+              <a:rPr lang="en-US" sz="1200" dirty="0">
+                <a:solidFill>
+                  <a:srgbClr val="000000"/>
+                </a:solidFill>
+                <a:latin typeface="Courier New" panose="02070309020205020404" pitchFamily="49" charset="0"/>
+                <a:ea typeface="Times New Roman" panose="02020603050405020304" pitchFamily="18" charset="0"/>
+              </a:rPr>
+              <a:t>    </a:t>
+            </a:r>
+            <a:r>
+              <a:rPr lang="en-US" sz="1200" b="1" dirty="0">
+                <a:solidFill>
+                  <a:srgbClr val="660E7A"/>
+                </a:solidFill>
+                <a:latin typeface="Courier New" panose="02070309020205020404" pitchFamily="49" charset="0"/>
+                <a:ea typeface="Times New Roman" panose="02020603050405020304" pitchFamily="18" charset="0"/>
+              </a:rPr>
+              <a:t>declarations</a:t>
+            </a:r>
+            <a:r>
+              <a:rPr lang="en-US" sz="1200" dirty="0">
+                <a:solidFill>
+                  <a:srgbClr val="000000"/>
+                </a:solidFill>
+                <a:latin typeface="Courier New" panose="02070309020205020404" pitchFamily="49" charset="0"/>
+                <a:ea typeface="Times New Roman" panose="02020603050405020304" pitchFamily="18" charset="0"/>
+              </a:rPr>
+              <a:t>: [</a:t>
+            </a:r>
+            <a:br>
+              <a:rPr lang="en-US" sz="1200" dirty="0">
+                <a:solidFill>
+                  <a:srgbClr val="000000"/>
+                </a:solidFill>
+                <a:latin typeface="Courier New" panose="02070309020205020404" pitchFamily="49" charset="0"/>
+                <a:ea typeface="Times New Roman" panose="02020603050405020304" pitchFamily="18" charset="0"/>
+              </a:rPr>
+            </a:br>
+            <a:r>
+              <a:rPr lang="en-US" sz="1200" dirty="0">
+                <a:solidFill>
+                  <a:srgbClr val="000000"/>
+                </a:solidFill>
+                <a:latin typeface="Courier New" panose="02070309020205020404" pitchFamily="49" charset="0"/>
+                <a:ea typeface="Times New Roman" panose="02020603050405020304" pitchFamily="18" charset="0"/>
+              </a:rPr>
+              <a:t>        </a:t>
+            </a:r>
+            <a:r>
+              <a:rPr lang="en-US" sz="1200" dirty="0" err="1">
+                <a:solidFill>
+                  <a:srgbClr val="000000"/>
+                </a:solidFill>
+                <a:latin typeface="Courier New" panose="02070309020205020404" pitchFamily="49" charset="0"/>
+                <a:ea typeface="Times New Roman" panose="02020603050405020304" pitchFamily="18" charset="0"/>
+              </a:rPr>
+              <a:t>AppComponent</a:t>
+            </a:r>
+            <a:r>
+              <a:rPr lang="en-US" sz="1200" dirty="0">
+                <a:solidFill>
+                  <a:srgbClr val="000000"/>
+                </a:solidFill>
+                <a:latin typeface="Courier New" panose="02070309020205020404" pitchFamily="49" charset="0"/>
+                <a:ea typeface="Times New Roman" panose="02020603050405020304" pitchFamily="18" charset="0"/>
+              </a:rPr>
+              <a:t>,</a:t>
+            </a:r>
+            <a:br>
+              <a:rPr lang="en-US" sz="1200" dirty="0">
+                <a:solidFill>
+                  <a:srgbClr val="000000"/>
+                </a:solidFill>
+                <a:latin typeface="Courier New" panose="02070309020205020404" pitchFamily="49" charset="0"/>
+                <a:ea typeface="Times New Roman" panose="02020603050405020304" pitchFamily="18" charset="0"/>
+              </a:rPr>
+            </a:br>
+            <a:r>
+              <a:rPr lang="en-US" sz="1200" dirty="0">
+                <a:solidFill>
+                  <a:srgbClr val="000000"/>
+                </a:solidFill>
+                <a:latin typeface="Courier New" panose="02070309020205020404" pitchFamily="49" charset="0"/>
+                <a:ea typeface="Times New Roman" panose="02020603050405020304" pitchFamily="18" charset="0"/>
+              </a:rPr>
+              <a:t>    ],</a:t>
+            </a:r>
+            <a:br>
+              <a:rPr lang="en-US" sz="1200" dirty="0">
+                <a:solidFill>
+                  <a:srgbClr val="000000"/>
+                </a:solidFill>
+                <a:latin typeface="Courier New" panose="02070309020205020404" pitchFamily="49" charset="0"/>
+                <a:ea typeface="Times New Roman" panose="02020603050405020304" pitchFamily="18" charset="0"/>
+              </a:rPr>
+            </a:br>
+            <a:r>
+              <a:rPr lang="en-US" sz="1200" dirty="0">
+                <a:solidFill>
+                  <a:srgbClr val="000000"/>
+                </a:solidFill>
+                <a:latin typeface="Courier New" panose="02070309020205020404" pitchFamily="49" charset="0"/>
+                <a:ea typeface="Times New Roman" panose="02020603050405020304" pitchFamily="18" charset="0"/>
+              </a:rPr>
+              <a:t>})</a:t>
+            </a:r>
+            <a:br>
+              <a:rPr lang="en-US" sz="1200" dirty="0">
+                <a:solidFill>
+                  <a:srgbClr val="000000"/>
+                </a:solidFill>
+                <a:latin typeface="Courier New" panose="02070309020205020404" pitchFamily="49" charset="0"/>
+                <a:ea typeface="Times New Roman" panose="02020603050405020304" pitchFamily="18" charset="0"/>
+              </a:rPr>
+            </a:br>
+            <a:r>
+              <a:rPr lang="en-US" sz="1200" b="1" dirty="0">
+                <a:solidFill>
+                  <a:srgbClr val="000080"/>
+                </a:solidFill>
+                <a:latin typeface="Courier New" panose="02070309020205020404" pitchFamily="49" charset="0"/>
+                <a:ea typeface="Times New Roman" panose="02020603050405020304" pitchFamily="18" charset="0"/>
+              </a:rPr>
+              <a:t>export class </a:t>
+            </a:r>
+            <a:r>
+              <a:rPr lang="en-US" sz="1200" dirty="0" err="1">
+                <a:solidFill>
+                  <a:srgbClr val="000000"/>
+                </a:solidFill>
+                <a:latin typeface="Courier New" panose="02070309020205020404" pitchFamily="49" charset="0"/>
+                <a:ea typeface="Times New Roman" panose="02020603050405020304" pitchFamily="18" charset="0"/>
+              </a:rPr>
+              <a:t>AppModule</a:t>
+            </a:r>
+            <a:r>
+              <a:rPr lang="en-US" sz="1200" dirty="0">
+                <a:solidFill>
+                  <a:srgbClr val="000000"/>
+                </a:solidFill>
+                <a:latin typeface="Courier New" panose="02070309020205020404" pitchFamily="49" charset="0"/>
+                <a:ea typeface="Times New Roman" panose="02020603050405020304" pitchFamily="18" charset="0"/>
+              </a:rPr>
+              <a:t> {}</a:t>
+            </a:r>
+            <a:endParaRPr lang="he-IL" sz="1200" dirty="0"/>
+          </a:p>
+        </p:txBody>
+      </p:sp>
+      <p:sp>
+        <p:nvSpPr>
+          <p:cNvPr id="9" name="Rectangle 8"/>
+          <p:cNvSpPr/>
+          <p:nvPr/>
+        </p:nvSpPr>
+        <p:spPr>
+          <a:xfrm>
+            <a:off x="7812360" y="3789040"/>
+            <a:ext cx="914400" cy="914400"/>
+          </a:xfrm>
+          <a:prstGeom prst="rect">
+            <a:avLst/>
+          </a:prstGeom>
+        </p:spPr>
+        <p:style>
+          <a:lnRef idx="2">
+            <a:schemeClr val="accent4">
+              <a:shade val="50000"/>
+            </a:schemeClr>
+          </a:lnRef>
+          <a:fillRef idx="1">
+            <a:schemeClr val="accent4"/>
+          </a:fillRef>
+          <a:effectRef idx="0">
+            <a:schemeClr val="accent4"/>
+          </a:effectRef>
+          <a:fontRef idx="minor">
+            <a:schemeClr val="lt1"/>
+          </a:fontRef>
+        </p:style>
+        <p:txBody>
+          <a:bodyPr rtlCol="1" anchor="ctr"/>
+          <a:lstStyle/>
+          <a:p>
+            <a:pPr algn="ctr"/>
+            <a:r>
+              <a:rPr lang="en-US" sz="1400" dirty="0"/>
+              <a:t>providers win over imports</a:t>
+            </a:r>
+            <a:endParaRPr lang="he-IL" sz="1400" dirty="0"/>
+          </a:p>
+        </p:txBody>
+      </p:sp>
+      <p:cxnSp>
+        <p:nvCxnSpPr>
+          <p:cNvPr id="11" name="Straight Arrow Connector 10"/>
+          <p:cNvCxnSpPr>
+            <a:cxnSpLocks/>
+            <a:stCxn id="9" idx="1"/>
+          </p:cNvCxnSpPr>
+          <p:nvPr/>
+        </p:nvCxnSpPr>
+        <p:spPr>
+          <a:xfrm flipH="1">
+            <a:off x="3491880" y="4246240"/>
+            <a:ext cx="4320480" cy="262880"/>
+          </a:xfrm>
+          <a:prstGeom prst="straightConnector1">
+            <a:avLst/>
+          </a:prstGeom>
+          <a:ln w="15875">
+            <a:tailEnd type="triangle"/>
+          </a:ln>
+        </p:spPr>
+        <p:style>
+          <a:lnRef idx="1">
+            <a:schemeClr val="accent1"/>
+          </a:lnRef>
+          <a:fillRef idx="0">
+            <a:schemeClr val="accent1"/>
+          </a:fillRef>
+          <a:effectRef idx="0">
+            <a:schemeClr val="accent1"/>
+          </a:effectRef>
+          <a:fontRef idx="minor">
+            <a:schemeClr val="tx1"/>
+          </a:fontRef>
+        </p:style>
+      </p:cxnSp>
+      <p:cxnSp>
+        <p:nvCxnSpPr>
+          <p:cNvPr id="15" name="Straight Arrow Connector 14"/>
+          <p:cNvCxnSpPr>
+            <a:cxnSpLocks/>
+            <a:stCxn id="9" idx="1"/>
+          </p:cNvCxnSpPr>
+          <p:nvPr/>
+        </p:nvCxnSpPr>
+        <p:spPr>
+          <a:xfrm flipH="1" flipV="1">
+            <a:off x="4211960" y="3848100"/>
+            <a:ext cx="3600400" cy="398140"/>
+          </a:xfrm>
+          <a:prstGeom prst="straightConnector1">
+            <a:avLst/>
+          </a:prstGeom>
+          <a:ln w="15875">
+            <a:tailEnd type="triangle"/>
+          </a:ln>
+        </p:spPr>
+        <p:style>
+          <a:lnRef idx="1">
+            <a:schemeClr val="accent1"/>
+          </a:lnRef>
+          <a:fillRef idx="0">
+            <a:schemeClr val="accent1"/>
+          </a:fillRef>
+          <a:effectRef idx="0">
+            <a:schemeClr val="accent1"/>
+          </a:effectRef>
+          <a:fontRef idx="minor">
+            <a:schemeClr val="tx1"/>
+          </a:fontRef>
+        </p:style>
+      </p:cxnSp>
+    </p:spTree>
+    <p:extLst>
+      <p:ext uri="{BB962C8B-B14F-4D97-AF65-F5344CB8AC3E}">
+        <p14:creationId xmlns:p14="http://schemas.microsoft.com/office/powerpoint/2010/main" val="1717012173"/>
+      </p:ext>
+    </p:extLst>
+  </p:cSld>
+  <p:clrMapOvr>
+    <a:masterClrMapping/>
+  </p:clrMapOvr>
+</p:sld>
+</file>
+
+<file path=ppt/slides/slide36.xml><?xml version="1.0" encoding="utf-8"?>
+<p:sld xmlns:a="http://schemas.openxmlformats.org/drawingml/2006/main" xmlns:r="http://schemas.openxmlformats.org/officeDocument/2006/relationships" xmlns:p="http://schemas.openxmlformats.org/presentationml/2006/main">
+  <p:cSld>
+    <p:spTree>
+      <p:nvGrpSpPr>
+        <p:cNvPr id="1" name=""/>
+        <p:cNvGrpSpPr/>
+        <p:nvPr/>
+      </p:nvGrpSpPr>
+      <p:grpSpPr>
+        <a:xfrm>
+          <a:off x="0" y="0"/>
+          <a:ext cx="0" cy="0"/>
+          <a:chOff x="0" y="0"/>
+          <a:chExt cx="0" cy="0"/>
+        </a:xfrm>
+      </p:grpSpPr>
+      <p:sp>
+        <p:nvSpPr>
+          <p:cNvPr id="2" name="Title 1"/>
+          <p:cNvSpPr>
+            <a:spLocks noGrp="1"/>
+          </p:cNvSpPr>
+          <p:nvPr>
+            <p:ph type="title"/>
+          </p:nvPr>
+        </p:nvSpPr>
+        <p:spPr/>
+        <p:txBody>
+          <a:bodyPr/>
+          <a:lstStyle/>
           <a:p>
             <a:r>
               <a:rPr lang="en-US" dirty="0"/>
-              <a:t>However, support the notion of child injector</a:t>
-            </a:r>
-          </a:p>
+              <a:t>Module Injector</a:t>
+            </a:r>
+            <a:endParaRPr lang="he-IL" dirty="0"/>
+          </a:p>
+        </p:txBody>
+      </p:sp>
+      <p:sp>
+        <p:nvSpPr>
+          <p:cNvPr id="3" name="Footer Placeholder 2"/>
+          <p:cNvSpPr>
+            <a:spLocks noGrp="1"/>
+          </p:cNvSpPr>
+          <p:nvPr>
+            <p:ph type="ftr" sz="quarter" idx="11"/>
+          </p:nvPr>
+        </p:nvSpPr>
+        <p:spPr/>
+        <p:txBody>
+          <a:bodyPr/>
+          <a:lstStyle/>
+          <a:p>
+            <a:r>
+              <a:rPr lang="en-US"/>
+              <a:t>© 2016 Ori Calvo</a:t>
+            </a:r>
+            <a:endParaRPr lang="en-US" dirty="0"/>
+          </a:p>
+        </p:txBody>
+      </p:sp>
+      <p:sp>
+        <p:nvSpPr>
+          <p:cNvPr id="4" name="Slide Number Placeholder 3"/>
+          <p:cNvSpPr>
+            <a:spLocks noGrp="1"/>
+          </p:cNvSpPr>
+          <p:nvPr>
+            <p:ph type="sldNum" sz="quarter" idx="12"/>
+          </p:nvPr>
+        </p:nvSpPr>
+        <p:spPr/>
+        <p:txBody>
+          <a:bodyPr>
+            <a:normAutofit fontScale="85000" lnSpcReduction="20000"/>
+          </a:bodyPr>
+          <a:lstStyle/>
+          <a:p>
+            <a:fld id="{6EDEC3BC-0694-4586-AE63-02B4D54ABF43}" type="slidenum">
+              <a:rPr lang="en-US" smtClean="0"/>
+              <a:pPr/>
+              <a:t>36</a:t>
+            </a:fld>
+            <a:endParaRPr lang="en-US"/>
+          </a:p>
+        </p:txBody>
+      </p:sp>
+      <p:sp>
+        <p:nvSpPr>
+          <p:cNvPr id="5" name="Content Placeholder 4"/>
+          <p:cNvSpPr>
+            <a:spLocks noGrp="1"/>
+          </p:cNvSpPr>
+          <p:nvPr>
+            <p:ph sz="quarter" idx="1"/>
+          </p:nvPr>
+        </p:nvSpPr>
+        <p:spPr/>
+        <p:txBody>
+          <a:bodyPr/>
+          <a:lstStyle/>
           <a:p>
             <a:r>
               <a:rPr lang="en-US" dirty="0"/>
-              <a:t>Be prepared to handle cyclic </a:t>
-            </a:r>
+              <a:t>The module injector is generated by Angular at runtime/AOT according to @</a:t>
+            </a:r>
+            <a:r>
+              <a:rPr lang="en-US" dirty="0" err="1"/>
+              <a:t>NgModule</a:t>
+            </a:r>
+            <a:r>
+              <a:rPr lang="en-US" dirty="0"/>
+              <a:t> metadata</a:t>
+            </a:r>
+          </a:p>
+        </p:txBody>
+      </p:sp>
+      <p:sp>
+        <p:nvSpPr>
+          <p:cNvPr id="6" name="Rectangle 5"/>
+          <p:cNvSpPr/>
+          <p:nvPr/>
+        </p:nvSpPr>
+        <p:spPr>
+          <a:xfrm>
+            <a:off x="1709972" y="3155602"/>
+            <a:ext cx="5958752" cy="1600438"/>
+          </a:xfrm>
+          <a:prstGeom prst="rect">
+            <a:avLst/>
+          </a:prstGeom>
+          <a:solidFill>
+            <a:schemeClr val="accent1">
+              <a:lumMod val="40000"/>
+              <a:lumOff val="60000"/>
+            </a:schemeClr>
+          </a:solidFill>
+        </p:spPr>
+        <p:txBody>
+          <a:bodyPr wrap="square">
+            <a:spAutoFit/>
+          </a:bodyPr>
+          <a:lstStyle/>
+          <a:p>
+            <a:r>
+              <a:rPr lang="en-US" sz="1400" dirty="0" err="1">
+                <a:solidFill>
+                  <a:srgbClr val="000000"/>
+                </a:solidFill>
+                <a:latin typeface="Calibri" panose="020F0502020204030204" pitchFamily="34" charset="0"/>
+                <a:ea typeface="Calibri" panose="020F0502020204030204" pitchFamily="34" charset="0"/>
+                <a:cs typeface="Arial" panose="020B0604020202020204" pitchFamily="34" charset="0"/>
+              </a:rPr>
+              <a:t>AppModuleInjector.</a:t>
+            </a:r>
+            <a:r>
+              <a:rPr lang="en-US" sz="1400" b="1" dirty="0" err="1">
+                <a:solidFill>
+                  <a:srgbClr val="660E7A"/>
+                </a:solidFill>
+                <a:latin typeface="Calibri" panose="020F0502020204030204" pitchFamily="34" charset="0"/>
+                <a:ea typeface="Calibri" panose="020F0502020204030204" pitchFamily="34" charset="0"/>
+                <a:cs typeface="Arial" panose="020B0604020202020204" pitchFamily="34" charset="0"/>
+              </a:rPr>
+              <a:t>prototype</a:t>
+            </a:r>
+            <a:r>
+              <a:rPr lang="en-US" sz="1400" dirty="0" err="1">
+                <a:solidFill>
+                  <a:srgbClr val="000000"/>
+                </a:solidFill>
+                <a:latin typeface="Calibri" panose="020F0502020204030204" pitchFamily="34" charset="0"/>
+                <a:ea typeface="Calibri" panose="020F0502020204030204" pitchFamily="34" charset="0"/>
+                <a:cs typeface="Arial" panose="020B0604020202020204" pitchFamily="34" charset="0"/>
+              </a:rPr>
+              <a:t>.</a:t>
+            </a:r>
+            <a:r>
+              <a:rPr lang="en-US" sz="1400" dirty="0" err="1">
+                <a:solidFill>
+                  <a:srgbClr val="7A7A43"/>
+                </a:solidFill>
+                <a:latin typeface="Calibri" panose="020F0502020204030204" pitchFamily="34" charset="0"/>
+                <a:ea typeface="Calibri" panose="020F0502020204030204" pitchFamily="34" charset="0"/>
+                <a:cs typeface="Arial" panose="020B0604020202020204" pitchFamily="34" charset="0"/>
+              </a:rPr>
+              <a:t>getInternal</a:t>
+            </a:r>
+            <a:r>
+              <a:rPr lang="en-US" sz="1400" dirty="0">
+                <a:solidFill>
+                  <a:srgbClr val="7A7A43"/>
+                </a:solidFill>
+                <a:latin typeface="Calibri" panose="020F0502020204030204" pitchFamily="34" charset="0"/>
+                <a:ea typeface="Calibri" panose="020F0502020204030204" pitchFamily="34" charset="0"/>
+                <a:cs typeface="Arial" panose="020B0604020202020204" pitchFamily="34" charset="0"/>
+              </a:rPr>
+              <a:t> </a:t>
+            </a:r>
+            <a:r>
+              <a:rPr lang="en-US" sz="1400" dirty="0">
+                <a:solidFill>
+                  <a:srgbClr val="000000"/>
+                </a:solidFill>
+                <a:latin typeface="Calibri" panose="020F0502020204030204" pitchFamily="34" charset="0"/>
+                <a:ea typeface="Calibri" panose="020F0502020204030204" pitchFamily="34" charset="0"/>
+                <a:cs typeface="Arial" panose="020B0604020202020204" pitchFamily="34" charset="0"/>
+              </a:rPr>
+              <a:t>= </a:t>
+            </a:r>
+            <a:r>
+              <a:rPr lang="en-US" sz="1400" b="1" dirty="0">
+                <a:solidFill>
+                  <a:srgbClr val="000080"/>
+                </a:solidFill>
+                <a:latin typeface="Calibri" panose="020F0502020204030204" pitchFamily="34" charset="0"/>
+                <a:ea typeface="Calibri" panose="020F0502020204030204" pitchFamily="34" charset="0"/>
+                <a:cs typeface="Arial" panose="020B0604020202020204" pitchFamily="34" charset="0"/>
+              </a:rPr>
+              <a:t>function</a:t>
+            </a:r>
+            <a:r>
+              <a:rPr lang="en-US" sz="1400" dirty="0">
+                <a:solidFill>
+                  <a:srgbClr val="000000"/>
+                </a:solidFill>
+                <a:latin typeface="Calibri" panose="020F0502020204030204" pitchFamily="34" charset="0"/>
+                <a:ea typeface="Calibri" panose="020F0502020204030204" pitchFamily="34" charset="0"/>
+                <a:cs typeface="Arial" panose="020B0604020202020204" pitchFamily="34" charset="0"/>
+              </a:rPr>
+              <a:t>(</a:t>
+            </a:r>
+            <a:r>
+              <a:rPr lang="en-US" sz="1400" dirty="0" err="1">
+                <a:solidFill>
+                  <a:srgbClr val="000000"/>
+                </a:solidFill>
+                <a:latin typeface="Calibri" panose="020F0502020204030204" pitchFamily="34" charset="0"/>
+                <a:ea typeface="Calibri" panose="020F0502020204030204" pitchFamily="34" charset="0"/>
+                <a:cs typeface="Arial" panose="020B0604020202020204" pitchFamily="34" charset="0"/>
+              </a:rPr>
+              <a:t>token,notFoundResult</a:t>
+            </a:r>
+            <a:r>
+              <a:rPr lang="en-US" sz="1400" dirty="0">
+                <a:solidFill>
+                  <a:srgbClr val="000000"/>
+                </a:solidFill>
+                <a:latin typeface="Calibri" panose="020F0502020204030204" pitchFamily="34" charset="0"/>
+                <a:ea typeface="Calibri" panose="020F0502020204030204" pitchFamily="34" charset="0"/>
+                <a:cs typeface="Arial" panose="020B0604020202020204" pitchFamily="34" charset="0"/>
+              </a:rPr>
+              <a:t>) {</a:t>
+            </a:r>
+            <a:br>
+              <a:rPr lang="en-US" sz="1400" dirty="0">
+                <a:solidFill>
+                  <a:srgbClr val="000000"/>
+                </a:solidFill>
+                <a:latin typeface="Calibri" panose="020F0502020204030204" pitchFamily="34" charset="0"/>
+                <a:ea typeface="Calibri" panose="020F0502020204030204" pitchFamily="34" charset="0"/>
+                <a:cs typeface="Arial" panose="020B0604020202020204" pitchFamily="34" charset="0"/>
+              </a:rPr>
+            </a:br>
+            <a:r>
+              <a:rPr lang="en-US" sz="1400" dirty="0">
+                <a:solidFill>
+                  <a:srgbClr val="000000"/>
+                </a:solidFill>
+                <a:latin typeface="Calibri" panose="020F0502020204030204" pitchFamily="34" charset="0"/>
+                <a:ea typeface="Calibri" panose="020F0502020204030204" pitchFamily="34" charset="0"/>
+                <a:cs typeface="Arial" panose="020B0604020202020204" pitchFamily="34" charset="0"/>
+              </a:rPr>
+              <a:t>    </a:t>
+            </a:r>
+            <a:r>
+              <a:rPr lang="en-US" sz="1400" b="1" dirty="0" err="1">
+                <a:solidFill>
+                  <a:srgbClr val="000080"/>
+                </a:solidFill>
+                <a:latin typeface="Calibri" panose="020F0502020204030204" pitchFamily="34" charset="0"/>
+                <a:ea typeface="Calibri" panose="020F0502020204030204" pitchFamily="34" charset="0"/>
+                <a:cs typeface="Arial" panose="020B0604020202020204" pitchFamily="34" charset="0"/>
+              </a:rPr>
+              <a:t>var</a:t>
+            </a:r>
+            <a:r>
+              <a:rPr lang="en-US" sz="1400" b="1" dirty="0">
+                <a:solidFill>
+                  <a:srgbClr val="000080"/>
+                </a:solidFill>
+                <a:latin typeface="Calibri" panose="020F0502020204030204" pitchFamily="34" charset="0"/>
+                <a:ea typeface="Calibri" panose="020F0502020204030204" pitchFamily="34" charset="0"/>
+                <a:cs typeface="Arial" panose="020B0604020202020204" pitchFamily="34" charset="0"/>
+              </a:rPr>
+              <a:t> </a:t>
+            </a:r>
+            <a:r>
+              <a:rPr lang="en-US" sz="1400" dirty="0">
+                <a:solidFill>
+                  <a:srgbClr val="458383"/>
+                </a:solidFill>
+                <a:latin typeface="Calibri" panose="020F0502020204030204" pitchFamily="34" charset="0"/>
+                <a:ea typeface="Calibri" panose="020F0502020204030204" pitchFamily="34" charset="0"/>
+                <a:cs typeface="Arial" panose="020B0604020202020204" pitchFamily="34" charset="0"/>
+              </a:rPr>
+              <a:t>self </a:t>
+            </a:r>
+            <a:r>
+              <a:rPr lang="en-US" sz="1400" dirty="0">
+                <a:solidFill>
+                  <a:srgbClr val="000000"/>
+                </a:solidFill>
+                <a:latin typeface="Calibri" panose="020F0502020204030204" pitchFamily="34" charset="0"/>
+                <a:ea typeface="Calibri" panose="020F0502020204030204" pitchFamily="34" charset="0"/>
+                <a:cs typeface="Arial" panose="020B0604020202020204" pitchFamily="34" charset="0"/>
+              </a:rPr>
+              <a:t>= </a:t>
+            </a:r>
+            <a:r>
+              <a:rPr lang="en-US" sz="1400" b="1" dirty="0">
+                <a:solidFill>
+                  <a:srgbClr val="000080"/>
+                </a:solidFill>
+                <a:latin typeface="Calibri" panose="020F0502020204030204" pitchFamily="34" charset="0"/>
+                <a:ea typeface="Calibri" panose="020F0502020204030204" pitchFamily="34" charset="0"/>
+                <a:cs typeface="Arial" panose="020B0604020202020204" pitchFamily="34" charset="0"/>
+              </a:rPr>
+              <a:t>this</a:t>
+            </a:r>
+            <a:r>
+              <a:rPr lang="en-US" sz="1400" dirty="0">
+                <a:solidFill>
+                  <a:srgbClr val="000000"/>
+                </a:solidFill>
+                <a:latin typeface="Calibri" panose="020F0502020204030204" pitchFamily="34" charset="0"/>
+                <a:ea typeface="Calibri" panose="020F0502020204030204" pitchFamily="34" charset="0"/>
+                <a:cs typeface="Arial" panose="020B0604020202020204" pitchFamily="34" charset="0"/>
+              </a:rPr>
+              <a:t>;</a:t>
+            </a:r>
+            <a:br>
+              <a:rPr lang="en-US" sz="1400" dirty="0">
+                <a:solidFill>
+                  <a:srgbClr val="000000"/>
+                </a:solidFill>
+                <a:latin typeface="Calibri" panose="020F0502020204030204" pitchFamily="34" charset="0"/>
+                <a:ea typeface="Calibri" panose="020F0502020204030204" pitchFamily="34" charset="0"/>
+                <a:cs typeface="Arial" panose="020B0604020202020204" pitchFamily="34" charset="0"/>
+              </a:rPr>
+            </a:br>
+            <a:r>
+              <a:rPr lang="en-US" sz="1400" dirty="0">
+                <a:solidFill>
+                  <a:srgbClr val="000000"/>
+                </a:solidFill>
+                <a:latin typeface="Calibri" panose="020F0502020204030204" pitchFamily="34" charset="0"/>
+                <a:ea typeface="Calibri" panose="020F0502020204030204" pitchFamily="34" charset="0"/>
+                <a:cs typeface="Arial" panose="020B0604020202020204" pitchFamily="34" charset="0"/>
+              </a:rPr>
+              <a:t>    </a:t>
+            </a:r>
+            <a:r>
+              <a:rPr lang="en-US" sz="1400" b="1" dirty="0">
+                <a:solidFill>
+                  <a:srgbClr val="000080"/>
+                </a:solidFill>
+                <a:latin typeface="Calibri" panose="020F0502020204030204" pitchFamily="34" charset="0"/>
+                <a:ea typeface="Calibri" panose="020F0502020204030204" pitchFamily="34" charset="0"/>
+                <a:cs typeface="Arial" panose="020B0604020202020204" pitchFamily="34" charset="0"/>
+              </a:rPr>
+              <a:t>if </a:t>
+            </a:r>
+            <a:r>
+              <a:rPr lang="en-US" sz="1400" dirty="0">
+                <a:solidFill>
+                  <a:srgbClr val="000000"/>
+                </a:solidFill>
+                <a:latin typeface="Calibri" panose="020F0502020204030204" pitchFamily="34" charset="0"/>
+                <a:ea typeface="Calibri" panose="020F0502020204030204" pitchFamily="34" charset="0"/>
+                <a:cs typeface="Arial" panose="020B0604020202020204" pitchFamily="34" charset="0"/>
+              </a:rPr>
+              <a:t>((token === jit_CommonService41)) { </a:t>
+            </a:r>
+            <a:r>
+              <a:rPr lang="en-US" sz="1400" b="1" dirty="0">
+                <a:solidFill>
+                  <a:srgbClr val="000080"/>
+                </a:solidFill>
+                <a:latin typeface="Calibri" panose="020F0502020204030204" pitchFamily="34" charset="0"/>
+                <a:ea typeface="Calibri" panose="020F0502020204030204" pitchFamily="34" charset="0"/>
+                <a:cs typeface="Arial" panose="020B0604020202020204" pitchFamily="34" charset="0"/>
+              </a:rPr>
+              <a:t>return </a:t>
+            </a:r>
+            <a:r>
+              <a:rPr lang="en-US" sz="1400" dirty="0">
+                <a:solidFill>
+                  <a:srgbClr val="458383"/>
+                </a:solidFill>
+                <a:latin typeface="Calibri" panose="020F0502020204030204" pitchFamily="34" charset="0"/>
+                <a:ea typeface="Calibri" panose="020F0502020204030204" pitchFamily="34" charset="0"/>
+                <a:cs typeface="Arial" panose="020B0604020202020204" pitchFamily="34" charset="0"/>
+              </a:rPr>
+              <a:t>self</a:t>
+            </a:r>
+            <a:r>
+              <a:rPr lang="en-US" sz="1400" dirty="0">
+                <a:solidFill>
+                  <a:srgbClr val="000000"/>
+                </a:solidFill>
+                <a:latin typeface="Calibri" panose="020F0502020204030204" pitchFamily="34" charset="0"/>
+                <a:ea typeface="Calibri" panose="020F0502020204030204" pitchFamily="34" charset="0"/>
+                <a:cs typeface="Arial" panose="020B0604020202020204" pitchFamily="34" charset="0"/>
+              </a:rPr>
+              <a:t>._CommonService_9; }</a:t>
+            </a:r>
+            <a:br>
+              <a:rPr lang="en-US" sz="1400" dirty="0">
+                <a:solidFill>
+                  <a:srgbClr val="000000"/>
+                </a:solidFill>
+                <a:latin typeface="Calibri" panose="020F0502020204030204" pitchFamily="34" charset="0"/>
+                <a:ea typeface="Calibri" panose="020F0502020204030204" pitchFamily="34" charset="0"/>
+                <a:cs typeface="Arial" panose="020B0604020202020204" pitchFamily="34" charset="0"/>
+              </a:rPr>
+            </a:br>
+            <a:r>
+              <a:rPr lang="en-US" sz="1400" dirty="0">
+                <a:solidFill>
+                  <a:srgbClr val="000000"/>
+                </a:solidFill>
+                <a:latin typeface="Calibri" panose="020F0502020204030204" pitchFamily="34" charset="0"/>
+                <a:ea typeface="Calibri" panose="020F0502020204030204" pitchFamily="34" charset="0"/>
+                <a:cs typeface="Arial" panose="020B0604020202020204" pitchFamily="34" charset="0"/>
+              </a:rPr>
+              <a:t>    </a:t>
+            </a:r>
+            <a:r>
+              <a:rPr lang="en-US" sz="1400" b="1" dirty="0">
+                <a:solidFill>
+                  <a:srgbClr val="000080"/>
+                </a:solidFill>
+                <a:latin typeface="Calibri" panose="020F0502020204030204" pitchFamily="34" charset="0"/>
+                <a:ea typeface="Calibri" panose="020F0502020204030204" pitchFamily="34" charset="0"/>
+                <a:cs typeface="Arial" panose="020B0604020202020204" pitchFamily="34" charset="0"/>
+              </a:rPr>
+              <a:t>if </a:t>
+            </a:r>
+            <a:r>
+              <a:rPr lang="en-US" sz="1400" dirty="0">
+                <a:solidFill>
+                  <a:srgbClr val="000000"/>
+                </a:solidFill>
+                <a:latin typeface="Calibri" panose="020F0502020204030204" pitchFamily="34" charset="0"/>
+                <a:ea typeface="Calibri" panose="020F0502020204030204" pitchFamily="34" charset="0"/>
+                <a:cs typeface="Arial" panose="020B0604020202020204" pitchFamily="34" charset="0"/>
+              </a:rPr>
+              <a:t>((token === jit_MainService35)) { </a:t>
+            </a:r>
+            <a:r>
+              <a:rPr lang="en-US" sz="1400" b="1" dirty="0">
+                <a:solidFill>
+                  <a:srgbClr val="000080"/>
+                </a:solidFill>
+                <a:latin typeface="Calibri" panose="020F0502020204030204" pitchFamily="34" charset="0"/>
+                <a:ea typeface="Calibri" panose="020F0502020204030204" pitchFamily="34" charset="0"/>
+                <a:cs typeface="Arial" panose="020B0604020202020204" pitchFamily="34" charset="0"/>
+              </a:rPr>
+              <a:t>return </a:t>
+            </a:r>
+            <a:r>
+              <a:rPr lang="en-US" sz="1400" dirty="0">
+                <a:solidFill>
+                  <a:srgbClr val="458383"/>
+                </a:solidFill>
+                <a:latin typeface="Calibri" panose="020F0502020204030204" pitchFamily="34" charset="0"/>
+                <a:ea typeface="Calibri" panose="020F0502020204030204" pitchFamily="34" charset="0"/>
+                <a:cs typeface="Arial" panose="020B0604020202020204" pitchFamily="34" charset="0"/>
+              </a:rPr>
+              <a:t>self</a:t>
+            </a:r>
+            <a:r>
+              <a:rPr lang="en-US" sz="1400" dirty="0">
+                <a:solidFill>
+                  <a:srgbClr val="000000"/>
+                </a:solidFill>
+                <a:latin typeface="Calibri" panose="020F0502020204030204" pitchFamily="34" charset="0"/>
+                <a:ea typeface="Calibri" panose="020F0502020204030204" pitchFamily="34" charset="0"/>
+                <a:cs typeface="Arial" panose="020B0604020202020204" pitchFamily="34" charset="0"/>
+              </a:rPr>
+              <a:t>._MainService_10; }</a:t>
+            </a:r>
+          </a:p>
+          <a:p>
+            <a:r>
+              <a:rPr lang="en-US" sz="1400" dirty="0">
+                <a:solidFill>
+                  <a:srgbClr val="000000"/>
+                </a:solidFill>
+                <a:latin typeface="Calibri" panose="020F0502020204030204" pitchFamily="34" charset="0"/>
+                <a:ea typeface="Calibri" panose="020F0502020204030204" pitchFamily="34" charset="0"/>
+                <a:cs typeface="Arial" panose="020B0604020202020204" pitchFamily="34" charset="0"/>
+              </a:rPr>
+              <a:t>    …</a:t>
+            </a:r>
+            <a:br>
+              <a:rPr lang="en-US" sz="1400" dirty="0">
+                <a:solidFill>
+                  <a:srgbClr val="000000"/>
+                </a:solidFill>
+                <a:latin typeface="Calibri" panose="020F0502020204030204" pitchFamily="34" charset="0"/>
+                <a:ea typeface="Calibri" panose="020F0502020204030204" pitchFamily="34" charset="0"/>
+                <a:cs typeface="Arial" panose="020B0604020202020204" pitchFamily="34" charset="0"/>
+              </a:rPr>
+            </a:br>
+            <a:r>
+              <a:rPr lang="en-US" sz="1400" dirty="0">
+                <a:solidFill>
+                  <a:srgbClr val="000000"/>
+                </a:solidFill>
+                <a:latin typeface="Calibri" panose="020F0502020204030204" pitchFamily="34" charset="0"/>
+                <a:ea typeface="Calibri" panose="020F0502020204030204" pitchFamily="34" charset="0"/>
+                <a:cs typeface="Arial" panose="020B0604020202020204" pitchFamily="34" charset="0"/>
+              </a:rPr>
+              <a:t>    </a:t>
+            </a:r>
+            <a:r>
+              <a:rPr lang="en-US" sz="1400" b="1" dirty="0">
+                <a:solidFill>
+                  <a:srgbClr val="000080"/>
+                </a:solidFill>
+                <a:latin typeface="Calibri" panose="020F0502020204030204" pitchFamily="34" charset="0"/>
+                <a:ea typeface="Calibri" panose="020F0502020204030204" pitchFamily="34" charset="0"/>
+                <a:cs typeface="Arial" panose="020B0604020202020204" pitchFamily="34" charset="0"/>
+              </a:rPr>
+              <a:t>return </a:t>
+            </a:r>
+            <a:r>
+              <a:rPr lang="en-US" sz="1400" dirty="0" err="1">
+                <a:solidFill>
+                  <a:srgbClr val="000000"/>
+                </a:solidFill>
+                <a:latin typeface="Calibri" panose="020F0502020204030204" pitchFamily="34" charset="0"/>
+                <a:ea typeface="Calibri" panose="020F0502020204030204" pitchFamily="34" charset="0"/>
+                <a:cs typeface="Arial" panose="020B0604020202020204" pitchFamily="34" charset="0"/>
+              </a:rPr>
+              <a:t>notFoundResult</a:t>
+            </a:r>
+            <a:r>
+              <a:rPr lang="en-US" sz="1400" dirty="0">
+                <a:solidFill>
+                  <a:srgbClr val="000000"/>
+                </a:solidFill>
+                <a:latin typeface="Calibri" panose="020F0502020204030204" pitchFamily="34" charset="0"/>
+                <a:ea typeface="Calibri" panose="020F0502020204030204" pitchFamily="34" charset="0"/>
+                <a:cs typeface="Arial" panose="020B0604020202020204" pitchFamily="34" charset="0"/>
+              </a:rPr>
+              <a:t>;</a:t>
+            </a:r>
+            <a:br>
+              <a:rPr lang="en-US" sz="1400" dirty="0">
+                <a:solidFill>
+                  <a:srgbClr val="000000"/>
+                </a:solidFill>
+                <a:latin typeface="Calibri" panose="020F0502020204030204" pitchFamily="34" charset="0"/>
+                <a:ea typeface="Calibri" panose="020F0502020204030204" pitchFamily="34" charset="0"/>
+                <a:cs typeface="Arial" panose="020B0604020202020204" pitchFamily="34" charset="0"/>
+              </a:rPr>
+            </a:br>
+            <a:r>
+              <a:rPr lang="en-US" sz="1400" dirty="0">
+                <a:solidFill>
+                  <a:srgbClr val="000000"/>
+                </a:solidFill>
+                <a:latin typeface="Calibri" panose="020F0502020204030204" pitchFamily="34" charset="0"/>
+                <a:ea typeface="Calibri" panose="020F0502020204030204" pitchFamily="34" charset="0"/>
+                <a:cs typeface="Arial" panose="020B0604020202020204" pitchFamily="34" charset="0"/>
+              </a:rPr>
+              <a:t>};</a:t>
+            </a:r>
+            <a:endParaRPr lang="he-IL" sz="1400" dirty="0"/>
+          </a:p>
+        </p:txBody>
+      </p:sp>
+      <p:sp>
+        <p:nvSpPr>
+          <p:cNvPr id="7" name="Rectangle 6"/>
+          <p:cNvSpPr/>
+          <p:nvPr/>
+        </p:nvSpPr>
+        <p:spPr>
+          <a:xfrm>
+            <a:off x="6012160" y="5301208"/>
+            <a:ext cx="1152128" cy="1010234"/>
+          </a:xfrm>
+          <a:prstGeom prst="rect">
+            <a:avLst/>
+          </a:prstGeom>
+        </p:spPr>
+        <p:style>
+          <a:lnRef idx="2">
+            <a:schemeClr val="accent4">
+              <a:shade val="50000"/>
+            </a:schemeClr>
+          </a:lnRef>
+          <a:fillRef idx="1">
+            <a:schemeClr val="accent4"/>
+          </a:fillRef>
+          <a:effectRef idx="0">
+            <a:schemeClr val="accent4"/>
+          </a:effectRef>
+          <a:fontRef idx="minor">
+            <a:schemeClr val="lt1"/>
+          </a:fontRef>
+        </p:style>
+        <p:txBody>
+          <a:bodyPr rtlCol="1" anchor="ctr"/>
+          <a:lstStyle/>
+          <a:p>
+            <a:pPr algn="ctr"/>
+            <a:r>
+              <a:rPr lang="en-US" sz="1400" dirty="0"/>
+              <a:t>Super efficient. Do we really need that ?</a:t>
+            </a:r>
+            <a:endParaRPr lang="he-IL" sz="1400" dirty="0"/>
+          </a:p>
+        </p:txBody>
+      </p:sp>
+      <p:cxnSp>
+        <p:nvCxnSpPr>
+          <p:cNvPr id="8" name="Straight Arrow Connector 7"/>
+          <p:cNvCxnSpPr>
+            <a:cxnSpLocks/>
+            <a:stCxn id="7" idx="0"/>
+          </p:cNvCxnSpPr>
+          <p:nvPr/>
+        </p:nvCxnSpPr>
+        <p:spPr>
+          <a:xfrm flipV="1">
+            <a:off x="6588224" y="4149080"/>
+            <a:ext cx="338336" cy="1152128"/>
+          </a:xfrm>
+          <a:prstGeom prst="straightConnector1">
+            <a:avLst/>
+          </a:prstGeom>
+          <a:ln w="15875">
+            <a:tailEnd type="triangle"/>
+          </a:ln>
+        </p:spPr>
+        <p:style>
+          <a:lnRef idx="1">
+            <a:schemeClr val="accent1"/>
+          </a:lnRef>
+          <a:fillRef idx="0">
+            <a:schemeClr val="accent1"/>
+          </a:fillRef>
+          <a:effectRef idx="0">
+            <a:schemeClr val="accent1"/>
+          </a:effectRef>
+          <a:fontRef idx="minor">
+            <a:schemeClr val="tx1"/>
+          </a:fontRef>
+        </p:style>
+      </p:cxnSp>
+    </p:spTree>
+    <p:extLst>
+      <p:ext uri="{BB962C8B-B14F-4D97-AF65-F5344CB8AC3E}">
+        <p14:creationId xmlns:p14="http://schemas.microsoft.com/office/powerpoint/2010/main" val="3996539663"/>
+      </p:ext>
+    </p:extLst>
+  </p:cSld>
+  <p:clrMapOvr>
+    <a:masterClrMapping/>
+  </p:clrMapOvr>
+</p:sld>
+</file>
+
+<file path=ppt/slides/slide37.xml><?xml version="1.0" encoding="utf-8"?>
+<p:sld xmlns:a="http://schemas.openxmlformats.org/drawingml/2006/main" xmlns:r="http://schemas.openxmlformats.org/officeDocument/2006/relationships" xmlns:p="http://schemas.openxmlformats.org/presentationml/2006/main">
+  <p:cSld>
+    <p:spTree>
+      <p:nvGrpSpPr>
+        <p:cNvPr id="1" name=""/>
+        <p:cNvGrpSpPr/>
+        <p:nvPr/>
+      </p:nvGrpSpPr>
+      <p:grpSpPr>
+        <a:xfrm>
+          <a:off x="0" y="0"/>
+          <a:ext cx="0" cy="0"/>
+          <a:chOff x="0" y="0"/>
+          <a:chExt cx="0" cy="0"/>
+        </a:xfrm>
+      </p:grpSpPr>
+      <p:sp>
+        <p:nvSpPr>
+          <p:cNvPr id="2" name="Title 1"/>
+          <p:cNvSpPr>
+            <a:spLocks noGrp="1"/>
+          </p:cNvSpPr>
+          <p:nvPr>
+            <p:ph type="title"/>
+          </p:nvPr>
+        </p:nvSpPr>
+        <p:spPr/>
+        <p:txBody>
+          <a:bodyPr/>
+          <a:lstStyle/>
+          <a:p>
+            <a:r>
+              <a:rPr lang="en-US" dirty="0"/>
+              <a:t>Duplicated Service Instances</a:t>
+            </a:r>
+            <a:endParaRPr lang="he-IL" dirty="0"/>
+          </a:p>
+        </p:txBody>
+      </p:sp>
+      <p:sp>
+        <p:nvSpPr>
+          <p:cNvPr id="3" name="Footer Placeholder 2"/>
+          <p:cNvSpPr>
+            <a:spLocks noGrp="1"/>
+          </p:cNvSpPr>
+          <p:nvPr>
+            <p:ph type="ftr" sz="quarter" idx="11"/>
+          </p:nvPr>
+        </p:nvSpPr>
+        <p:spPr/>
+        <p:txBody>
+          <a:bodyPr/>
+          <a:lstStyle/>
+          <a:p>
             <a:r>
               <a:rPr lang="en-US"/>
-              <a:t>dependency errors</a:t>
-            </a:r>
+              <a:t>© 2016 Ori Calvo</a:t>
+            </a:r>
+            <a:endParaRPr lang="en-US" dirty="0"/>
+          </a:p>
+        </p:txBody>
+      </p:sp>
+      <p:sp>
+        <p:nvSpPr>
+          <p:cNvPr id="4" name="Slide Number Placeholder 3"/>
+          <p:cNvSpPr>
+            <a:spLocks noGrp="1"/>
+          </p:cNvSpPr>
+          <p:nvPr>
+            <p:ph type="sldNum" sz="quarter" idx="12"/>
+          </p:nvPr>
+        </p:nvSpPr>
+        <p:spPr/>
+        <p:txBody>
+          <a:bodyPr>
+            <a:normAutofit fontScale="85000" lnSpcReduction="20000"/>
+          </a:bodyPr>
+          <a:lstStyle/>
+          <a:p>
+            <a:fld id="{6EDEC3BC-0694-4586-AE63-02B4D54ABF43}" type="slidenum">
+              <a:rPr lang="en-US" smtClean="0"/>
+              <a:pPr/>
+              <a:t>37</a:t>
+            </a:fld>
+            <a:endParaRPr lang="en-US"/>
+          </a:p>
+        </p:txBody>
+      </p:sp>
+      <p:sp>
+        <p:nvSpPr>
+          <p:cNvPr id="5" name="Content Placeholder 4"/>
+          <p:cNvSpPr>
+            <a:spLocks noGrp="1"/>
+          </p:cNvSpPr>
+          <p:nvPr>
+            <p:ph sz="quarter" idx="1"/>
+          </p:nvPr>
+        </p:nvSpPr>
+        <p:spPr/>
+        <p:txBody>
+          <a:bodyPr/>
+          <a:lstStyle/>
+          <a:p>
+            <a:r>
+              <a:rPr lang="en-US" dirty="0"/>
+              <a:t>Angular flattens the providers list </a:t>
+            </a:r>
+          </a:p>
+          <a:p>
+            <a:r>
+              <a:rPr lang="en-US" dirty="0"/>
+              <a:t>Last provider wins</a:t>
+            </a:r>
+          </a:p>
+          <a:p>
+            <a:r>
+              <a:rPr lang="en-US" dirty="0"/>
+              <a:t>Therefore, no duplicated service instances at run time</a:t>
+            </a:r>
+          </a:p>
+          <a:p>
+            <a:r>
+              <a:rPr lang="en-US" dirty="0"/>
+              <a:t>But what about lazy loading a module</a:t>
+            </a:r>
+          </a:p>
+          <a:p>
+            <a:pPr lvl="1"/>
+            <a:r>
+              <a:rPr lang="en-US" dirty="0"/>
+              <a:t>In that case a new injector is created</a:t>
+            </a:r>
+          </a:p>
+          <a:p>
+            <a:pPr lvl="1"/>
+            <a:r>
+              <a:rPr lang="en-US" dirty="0"/>
+              <a:t>If a provider is redefined </a:t>
+            </a:r>
+            <a:r>
+              <a:rPr lang="en-US" dirty="0">
+                <a:sym typeface="Wingdings" panose="05000000000000000000" pitchFamily="2" charset="2"/>
+              </a:rPr>
+              <a:t> new service instance might be created</a:t>
+            </a:r>
+            <a:endParaRPr lang="en-US" dirty="0"/>
+          </a:p>
+          <a:p>
             <a:endParaRPr lang="he-IL" dirty="0"/>
           </a:p>
         </p:txBody>
@@ -23920,7 +25838,2055 @@
     </p:spTree>
     <p:extLst>
       <p:ext uri="{BB962C8B-B14F-4D97-AF65-F5344CB8AC3E}">
-        <p14:creationId xmlns:p14="http://schemas.microsoft.com/office/powerpoint/2010/main" val="1154696767"/>
+        <p14:creationId xmlns:p14="http://schemas.microsoft.com/office/powerpoint/2010/main" val="3558515868"/>
+      </p:ext>
+    </p:extLst>
+  </p:cSld>
+  <p:clrMapOvr>
+    <a:masterClrMapping/>
+  </p:clrMapOvr>
+</p:sld>
+</file>
+
+<file path=ppt/slides/slide38.xml><?xml version="1.0" encoding="utf-8"?>
+<p:sld xmlns:a="http://schemas.openxmlformats.org/drawingml/2006/main" xmlns:r="http://schemas.openxmlformats.org/officeDocument/2006/relationships" xmlns:p="http://schemas.openxmlformats.org/presentationml/2006/main">
+  <p:cSld>
+    <p:spTree>
+      <p:nvGrpSpPr>
+        <p:cNvPr id="1" name=""/>
+        <p:cNvGrpSpPr/>
+        <p:nvPr/>
+      </p:nvGrpSpPr>
+      <p:grpSpPr>
+        <a:xfrm>
+          <a:off x="0" y="0"/>
+          <a:ext cx="0" cy="0"/>
+          <a:chOff x="0" y="0"/>
+          <a:chExt cx="0" cy="0"/>
+        </a:xfrm>
+      </p:grpSpPr>
+      <p:sp>
+        <p:nvSpPr>
+          <p:cNvPr id="2" name="Title 1"/>
+          <p:cNvSpPr>
+            <a:spLocks noGrp="1"/>
+          </p:cNvSpPr>
+          <p:nvPr>
+            <p:ph type="title"/>
+          </p:nvPr>
+        </p:nvSpPr>
+        <p:spPr/>
+        <p:txBody>
+          <a:bodyPr/>
+          <a:lstStyle/>
+          <a:p>
+            <a:r>
+              <a:rPr lang="en-US" dirty="0"/>
+              <a:t>Lazy load a Module</a:t>
+            </a:r>
+            <a:endParaRPr lang="he-IL" dirty="0"/>
+          </a:p>
+        </p:txBody>
+      </p:sp>
+      <p:sp>
+        <p:nvSpPr>
+          <p:cNvPr id="3" name="Footer Placeholder 2"/>
+          <p:cNvSpPr>
+            <a:spLocks noGrp="1"/>
+          </p:cNvSpPr>
+          <p:nvPr>
+            <p:ph type="ftr" sz="quarter" idx="11"/>
+          </p:nvPr>
+        </p:nvSpPr>
+        <p:spPr/>
+        <p:txBody>
+          <a:bodyPr/>
+          <a:lstStyle/>
+          <a:p>
+            <a:r>
+              <a:rPr lang="en-US"/>
+              <a:t>© 2016 Ori Calvo</a:t>
+            </a:r>
+            <a:endParaRPr lang="en-US" dirty="0"/>
+          </a:p>
+        </p:txBody>
+      </p:sp>
+      <p:sp>
+        <p:nvSpPr>
+          <p:cNvPr id="4" name="Slide Number Placeholder 3"/>
+          <p:cNvSpPr>
+            <a:spLocks noGrp="1"/>
+          </p:cNvSpPr>
+          <p:nvPr>
+            <p:ph type="sldNum" sz="quarter" idx="12"/>
+          </p:nvPr>
+        </p:nvSpPr>
+        <p:spPr/>
+        <p:txBody>
+          <a:bodyPr>
+            <a:normAutofit fontScale="85000" lnSpcReduction="20000"/>
+          </a:bodyPr>
+          <a:lstStyle/>
+          <a:p>
+            <a:fld id="{6EDEC3BC-0694-4586-AE63-02B4D54ABF43}" type="slidenum">
+              <a:rPr lang="en-US" smtClean="0"/>
+              <a:pPr/>
+              <a:t>38</a:t>
+            </a:fld>
+            <a:endParaRPr lang="en-US"/>
+          </a:p>
+        </p:txBody>
+      </p:sp>
+      <p:sp>
+        <p:nvSpPr>
+          <p:cNvPr id="6" name="Rectangle 5"/>
+          <p:cNvSpPr/>
+          <p:nvPr/>
+        </p:nvSpPr>
+        <p:spPr>
+          <a:xfrm>
+            <a:off x="1718764" y="2852936"/>
+            <a:ext cx="5841060" cy="2246769"/>
+          </a:xfrm>
+          <a:prstGeom prst="rect">
+            <a:avLst/>
+          </a:prstGeom>
+          <a:solidFill>
+            <a:schemeClr val="accent1">
+              <a:lumMod val="40000"/>
+              <a:lumOff val="60000"/>
+            </a:schemeClr>
+          </a:solidFill>
+        </p:spPr>
+        <p:txBody>
+          <a:bodyPr wrap="square">
+            <a:spAutoFit/>
+          </a:bodyPr>
+          <a:lstStyle/>
+          <a:p>
+            <a:r>
+              <a:rPr lang="en-US" sz="1400" b="1" dirty="0" err="1">
+                <a:solidFill>
+                  <a:srgbClr val="000080"/>
+                </a:solidFill>
+                <a:latin typeface="Calibri" panose="020F0502020204030204" pitchFamily="34" charset="0"/>
+                <a:ea typeface="Calibri" panose="020F0502020204030204" pitchFamily="34" charset="0"/>
+                <a:cs typeface="Arial" panose="020B0604020202020204" pitchFamily="34" charset="0"/>
+              </a:rPr>
+              <a:t>const</a:t>
+            </a:r>
+            <a:r>
+              <a:rPr lang="en-US" sz="1400" b="1" dirty="0">
+                <a:solidFill>
+                  <a:srgbClr val="000080"/>
+                </a:solidFill>
+                <a:latin typeface="Calibri" panose="020F0502020204030204" pitchFamily="34" charset="0"/>
+                <a:ea typeface="Calibri" panose="020F0502020204030204" pitchFamily="34" charset="0"/>
+                <a:cs typeface="Arial" panose="020B0604020202020204" pitchFamily="34" charset="0"/>
+              </a:rPr>
+              <a:t> </a:t>
+            </a:r>
+            <a:r>
+              <a:rPr lang="en-US" sz="1400" dirty="0">
+                <a:solidFill>
+                  <a:srgbClr val="000000"/>
+                </a:solidFill>
+                <a:latin typeface="Calibri" panose="020F0502020204030204" pitchFamily="34" charset="0"/>
+                <a:ea typeface="Calibri" panose="020F0502020204030204" pitchFamily="34" charset="0"/>
+                <a:cs typeface="Arial" panose="020B0604020202020204" pitchFamily="34" charset="0"/>
+              </a:rPr>
+              <a:t>{</a:t>
+            </a:r>
+            <a:r>
+              <a:rPr lang="en-US" sz="1400" dirty="0" err="1">
+                <a:solidFill>
+                  <a:srgbClr val="458383"/>
+                </a:solidFill>
+                <a:latin typeface="Calibri" panose="020F0502020204030204" pitchFamily="34" charset="0"/>
+                <a:ea typeface="Calibri" panose="020F0502020204030204" pitchFamily="34" charset="0"/>
+                <a:cs typeface="Arial" panose="020B0604020202020204" pitchFamily="34" charset="0"/>
+              </a:rPr>
+              <a:t>LazyModule</a:t>
+            </a:r>
+            <a:r>
+              <a:rPr lang="en-US" sz="1400" dirty="0">
+                <a:solidFill>
+                  <a:srgbClr val="000000"/>
+                </a:solidFill>
+                <a:latin typeface="Calibri" panose="020F0502020204030204" pitchFamily="34" charset="0"/>
+                <a:ea typeface="Calibri" panose="020F0502020204030204" pitchFamily="34" charset="0"/>
+                <a:cs typeface="Arial" panose="020B0604020202020204" pitchFamily="34" charset="0"/>
+              </a:rPr>
+              <a:t>} = </a:t>
+            </a:r>
+            <a:r>
+              <a:rPr lang="en-US" sz="1400" b="1" dirty="0">
+                <a:solidFill>
+                  <a:srgbClr val="000080"/>
+                </a:solidFill>
+                <a:latin typeface="Calibri" panose="020F0502020204030204" pitchFamily="34" charset="0"/>
+                <a:ea typeface="Calibri" panose="020F0502020204030204" pitchFamily="34" charset="0"/>
+                <a:cs typeface="Arial" panose="020B0604020202020204" pitchFamily="34" charset="0"/>
+              </a:rPr>
+              <a:t>await </a:t>
+            </a:r>
+            <a:r>
+              <a:rPr lang="en-US" sz="1400" dirty="0" err="1">
+                <a:solidFill>
+                  <a:srgbClr val="458383"/>
+                </a:solidFill>
+                <a:latin typeface="Calibri" panose="020F0502020204030204" pitchFamily="34" charset="0"/>
+                <a:ea typeface="Calibri" panose="020F0502020204030204" pitchFamily="34" charset="0"/>
+                <a:cs typeface="Arial" panose="020B0604020202020204" pitchFamily="34" charset="0"/>
+              </a:rPr>
+              <a:t>SystemJS</a:t>
+            </a:r>
+            <a:r>
+              <a:rPr lang="en-US" sz="1400" dirty="0" err="1">
+                <a:solidFill>
+                  <a:srgbClr val="000000"/>
+                </a:solidFill>
+                <a:latin typeface="Calibri" panose="020F0502020204030204" pitchFamily="34" charset="0"/>
+                <a:ea typeface="Calibri" panose="020F0502020204030204" pitchFamily="34" charset="0"/>
+                <a:cs typeface="Arial" panose="020B0604020202020204" pitchFamily="34" charset="0"/>
+              </a:rPr>
+              <a:t>.import</a:t>
+            </a:r>
+            <a:r>
+              <a:rPr lang="en-US" sz="1400" dirty="0">
+                <a:solidFill>
+                  <a:srgbClr val="000000"/>
+                </a:solidFill>
+                <a:latin typeface="Calibri" panose="020F0502020204030204" pitchFamily="34" charset="0"/>
+                <a:ea typeface="Calibri" panose="020F0502020204030204" pitchFamily="34" charset="0"/>
+                <a:cs typeface="Arial" panose="020B0604020202020204" pitchFamily="34" charset="0"/>
+              </a:rPr>
+              <a:t>(</a:t>
+            </a:r>
+            <a:r>
+              <a:rPr lang="en-US" sz="1400" b="1" dirty="0">
+                <a:solidFill>
+                  <a:srgbClr val="008000"/>
+                </a:solidFill>
+                <a:latin typeface="Calibri" panose="020F0502020204030204" pitchFamily="34" charset="0"/>
+                <a:ea typeface="Calibri" panose="020F0502020204030204" pitchFamily="34" charset="0"/>
+                <a:cs typeface="Arial" panose="020B0604020202020204" pitchFamily="34" charset="0"/>
+              </a:rPr>
+              <a:t>"app/lazy/lazy.module.js"</a:t>
+            </a:r>
+            <a:r>
+              <a:rPr lang="en-US" sz="1400" dirty="0">
+                <a:solidFill>
+                  <a:srgbClr val="000000"/>
+                </a:solidFill>
+                <a:latin typeface="Calibri" panose="020F0502020204030204" pitchFamily="34" charset="0"/>
+                <a:ea typeface="Calibri" panose="020F0502020204030204" pitchFamily="34" charset="0"/>
+                <a:cs typeface="Arial" panose="020B0604020202020204" pitchFamily="34" charset="0"/>
+              </a:rPr>
+              <a:t>);</a:t>
+            </a:r>
+          </a:p>
+          <a:p>
+            <a:br>
+              <a:rPr lang="en-US" sz="1400" dirty="0">
+                <a:solidFill>
+                  <a:srgbClr val="000000"/>
+                </a:solidFill>
+                <a:latin typeface="Calibri" panose="020F0502020204030204" pitchFamily="34" charset="0"/>
+                <a:ea typeface="Calibri" panose="020F0502020204030204" pitchFamily="34" charset="0"/>
+                <a:cs typeface="Arial" panose="020B0604020202020204" pitchFamily="34" charset="0"/>
+              </a:rPr>
+            </a:br>
+            <a:r>
+              <a:rPr lang="en-US" sz="1400" b="1" dirty="0" err="1">
+                <a:solidFill>
+                  <a:srgbClr val="000080"/>
+                </a:solidFill>
+                <a:latin typeface="Calibri" panose="020F0502020204030204" pitchFamily="34" charset="0"/>
+                <a:ea typeface="Calibri" panose="020F0502020204030204" pitchFamily="34" charset="0"/>
+                <a:cs typeface="Arial" panose="020B0604020202020204" pitchFamily="34" charset="0"/>
+              </a:rPr>
+              <a:t>const</a:t>
+            </a:r>
+            <a:r>
+              <a:rPr lang="en-US" sz="1400" b="1" dirty="0">
+                <a:solidFill>
+                  <a:srgbClr val="000080"/>
+                </a:solidFill>
+                <a:latin typeface="Calibri" panose="020F0502020204030204" pitchFamily="34" charset="0"/>
+                <a:ea typeface="Calibri" panose="020F0502020204030204" pitchFamily="34" charset="0"/>
+                <a:cs typeface="Arial" panose="020B0604020202020204" pitchFamily="34" charset="0"/>
+              </a:rPr>
+              <a:t> </a:t>
+            </a:r>
+            <a:r>
+              <a:rPr lang="en-US" sz="1400" dirty="0">
+                <a:solidFill>
+                  <a:srgbClr val="000000"/>
+                </a:solidFill>
+                <a:latin typeface="Calibri" panose="020F0502020204030204" pitchFamily="34" charset="0"/>
+                <a:ea typeface="Calibri" panose="020F0502020204030204" pitchFamily="34" charset="0"/>
+                <a:cs typeface="Arial" panose="020B0604020202020204" pitchFamily="34" charset="0"/>
+              </a:rPr>
+              <a:t>{</a:t>
+            </a:r>
+            <a:r>
+              <a:rPr lang="en-US" sz="1400" b="1" dirty="0" err="1">
+                <a:solidFill>
+                  <a:srgbClr val="660E7A"/>
+                </a:solidFill>
+                <a:latin typeface="Calibri" panose="020F0502020204030204" pitchFamily="34" charset="0"/>
+                <a:ea typeface="Calibri" panose="020F0502020204030204" pitchFamily="34" charset="0"/>
+                <a:cs typeface="Arial" panose="020B0604020202020204" pitchFamily="34" charset="0"/>
+              </a:rPr>
+              <a:t>ngModuleFactory</a:t>
+            </a:r>
+            <a:r>
+              <a:rPr lang="en-US" sz="1400" dirty="0">
+                <a:solidFill>
+                  <a:srgbClr val="000000"/>
+                </a:solidFill>
+                <a:latin typeface="Calibri" panose="020F0502020204030204" pitchFamily="34" charset="0"/>
+                <a:ea typeface="Calibri" panose="020F0502020204030204" pitchFamily="34" charset="0"/>
+                <a:cs typeface="Arial" panose="020B0604020202020204" pitchFamily="34" charset="0"/>
+              </a:rPr>
+              <a:t>, </a:t>
+            </a:r>
+            <a:r>
+              <a:rPr lang="en-US" sz="1400" b="1" dirty="0" err="1">
+                <a:solidFill>
+                  <a:srgbClr val="660E7A"/>
+                </a:solidFill>
+                <a:latin typeface="Calibri" panose="020F0502020204030204" pitchFamily="34" charset="0"/>
+                <a:ea typeface="Calibri" panose="020F0502020204030204" pitchFamily="34" charset="0"/>
+                <a:cs typeface="Arial" panose="020B0604020202020204" pitchFamily="34" charset="0"/>
+              </a:rPr>
+              <a:t>componentFactories</a:t>
+            </a:r>
+            <a:r>
+              <a:rPr lang="en-US" sz="1400" dirty="0">
+                <a:solidFill>
+                  <a:srgbClr val="000000"/>
+                </a:solidFill>
+                <a:latin typeface="Calibri" panose="020F0502020204030204" pitchFamily="34" charset="0"/>
+                <a:ea typeface="Calibri" panose="020F0502020204030204" pitchFamily="34" charset="0"/>
+                <a:cs typeface="Arial" panose="020B0604020202020204" pitchFamily="34" charset="0"/>
+              </a:rPr>
+              <a:t>} = </a:t>
+            </a:r>
+            <a:r>
+              <a:rPr lang="en-US" sz="1400" b="1" dirty="0" err="1">
+                <a:solidFill>
+                  <a:srgbClr val="000080"/>
+                </a:solidFill>
+                <a:latin typeface="Calibri" panose="020F0502020204030204" pitchFamily="34" charset="0"/>
+                <a:ea typeface="Calibri" panose="020F0502020204030204" pitchFamily="34" charset="0"/>
+                <a:cs typeface="Arial" panose="020B0604020202020204" pitchFamily="34" charset="0"/>
+              </a:rPr>
+              <a:t>this</a:t>
+            </a:r>
+            <a:r>
+              <a:rPr lang="en-US" sz="1400" dirty="0" err="1">
+                <a:solidFill>
+                  <a:srgbClr val="000000"/>
+                </a:solidFill>
+                <a:latin typeface="Calibri" panose="020F0502020204030204" pitchFamily="34" charset="0"/>
+                <a:ea typeface="Calibri" panose="020F0502020204030204" pitchFamily="34" charset="0"/>
+                <a:cs typeface="Arial" panose="020B0604020202020204" pitchFamily="34" charset="0"/>
+              </a:rPr>
+              <a:t>.compiler.</a:t>
+            </a:r>
+            <a:r>
+              <a:rPr lang="en-US" sz="1400" dirty="0" err="1">
+                <a:solidFill>
+                  <a:srgbClr val="7A7A43"/>
+                </a:solidFill>
+                <a:latin typeface="Calibri" panose="020F0502020204030204" pitchFamily="34" charset="0"/>
+                <a:ea typeface="Calibri" panose="020F0502020204030204" pitchFamily="34" charset="0"/>
+                <a:cs typeface="Arial" panose="020B0604020202020204" pitchFamily="34" charset="0"/>
+              </a:rPr>
+              <a:t>compileModuleAndAllComponentsSync</a:t>
+            </a:r>
+            <a:r>
+              <a:rPr lang="en-US" sz="1400" dirty="0">
+                <a:solidFill>
+                  <a:srgbClr val="000000"/>
+                </a:solidFill>
+                <a:latin typeface="Calibri" panose="020F0502020204030204" pitchFamily="34" charset="0"/>
+                <a:ea typeface="Calibri" panose="020F0502020204030204" pitchFamily="34" charset="0"/>
+                <a:cs typeface="Arial" panose="020B0604020202020204" pitchFamily="34" charset="0"/>
+              </a:rPr>
+              <a:t>(</a:t>
+            </a:r>
+            <a:r>
+              <a:rPr lang="en-US" sz="1400" dirty="0" err="1">
+                <a:solidFill>
+                  <a:srgbClr val="458383"/>
+                </a:solidFill>
+                <a:latin typeface="Calibri" panose="020F0502020204030204" pitchFamily="34" charset="0"/>
+                <a:ea typeface="Calibri" panose="020F0502020204030204" pitchFamily="34" charset="0"/>
+                <a:cs typeface="Arial" panose="020B0604020202020204" pitchFamily="34" charset="0"/>
+              </a:rPr>
+              <a:t>LazyModule</a:t>
+            </a:r>
+            <a:r>
+              <a:rPr lang="en-US" sz="1400" dirty="0">
+                <a:solidFill>
+                  <a:srgbClr val="000000"/>
+                </a:solidFill>
+                <a:latin typeface="Calibri" panose="020F0502020204030204" pitchFamily="34" charset="0"/>
+                <a:ea typeface="Calibri" panose="020F0502020204030204" pitchFamily="34" charset="0"/>
+                <a:cs typeface="Arial" panose="020B0604020202020204" pitchFamily="34" charset="0"/>
+              </a:rPr>
+              <a:t>);</a:t>
+            </a:r>
+          </a:p>
+          <a:p>
+            <a:br>
+              <a:rPr lang="en-US" sz="1400" dirty="0">
+                <a:solidFill>
+                  <a:srgbClr val="000000"/>
+                </a:solidFill>
+                <a:latin typeface="Calibri" panose="020F0502020204030204" pitchFamily="34" charset="0"/>
+                <a:ea typeface="Calibri" panose="020F0502020204030204" pitchFamily="34" charset="0"/>
+                <a:cs typeface="Arial" panose="020B0604020202020204" pitchFamily="34" charset="0"/>
+              </a:rPr>
+            </a:br>
+            <a:r>
+              <a:rPr lang="en-US" sz="1400" b="1" dirty="0" err="1">
+                <a:solidFill>
+                  <a:srgbClr val="000080"/>
+                </a:solidFill>
+                <a:latin typeface="Calibri" panose="020F0502020204030204" pitchFamily="34" charset="0"/>
+                <a:ea typeface="Calibri" panose="020F0502020204030204" pitchFamily="34" charset="0"/>
+                <a:cs typeface="Arial" panose="020B0604020202020204" pitchFamily="34" charset="0"/>
+              </a:rPr>
+              <a:t>const</a:t>
+            </a:r>
+            <a:r>
+              <a:rPr lang="en-US" sz="1400" b="1" dirty="0">
+                <a:solidFill>
+                  <a:srgbClr val="000080"/>
+                </a:solidFill>
+                <a:latin typeface="Calibri" panose="020F0502020204030204" pitchFamily="34" charset="0"/>
+                <a:ea typeface="Calibri" panose="020F0502020204030204" pitchFamily="34" charset="0"/>
+                <a:cs typeface="Arial" panose="020B0604020202020204" pitchFamily="34" charset="0"/>
+              </a:rPr>
+              <a:t> </a:t>
+            </a:r>
+            <a:r>
+              <a:rPr lang="en-US" sz="1400" dirty="0" err="1">
+                <a:solidFill>
+                  <a:srgbClr val="458383"/>
+                </a:solidFill>
+                <a:latin typeface="Calibri" panose="020F0502020204030204" pitchFamily="34" charset="0"/>
+                <a:ea typeface="Calibri" panose="020F0502020204030204" pitchFamily="34" charset="0"/>
+                <a:cs typeface="Arial" panose="020B0604020202020204" pitchFamily="34" charset="0"/>
+              </a:rPr>
+              <a:t>moduleInjector</a:t>
+            </a:r>
+            <a:r>
+              <a:rPr lang="en-US" sz="1400" dirty="0">
+                <a:solidFill>
+                  <a:srgbClr val="458383"/>
+                </a:solidFill>
+                <a:latin typeface="Calibri" panose="020F0502020204030204" pitchFamily="34" charset="0"/>
+                <a:ea typeface="Calibri" panose="020F0502020204030204" pitchFamily="34" charset="0"/>
+                <a:cs typeface="Arial" panose="020B0604020202020204" pitchFamily="34" charset="0"/>
+              </a:rPr>
+              <a:t> </a:t>
+            </a:r>
+            <a:r>
+              <a:rPr lang="en-US" sz="1400" dirty="0">
+                <a:solidFill>
+                  <a:srgbClr val="000000"/>
+                </a:solidFill>
+                <a:latin typeface="Calibri" panose="020F0502020204030204" pitchFamily="34" charset="0"/>
+                <a:ea typeface="Calibri" panose="020F0502020204030204" pitchFamily="34" charset="0"/>
+                <a:cs typeface="Arial" panose="020B0604020202020204" pitchFamily="34" charset="0"/>
+              </a:rPr>
+              <a:t>= </a:t>
+            </a:r>
+            <a:r>
+              <a:rPr lang="en-US" sz="1400" b="1" dirty="0" err="1">
+                <a:solidFill>
+                  <a:srgbClr val="660E7A"/>
+                </a:solidFill>
+                <a:latin typeface="Calibri" panose="020F0502020204030204" pitchFamily="34" charset="0"/>
+                <a:ea typeface="Calibri" panose="020F0502020204030204" pitchFamily="34" charset="0"/>
+                <a:cs typeface="Arial" panose="020B0604020202020204" pitchFamily="34" charset="0"/>
+              </a:rPr>
+              <a:t>ngModuleFactory</a:t>
+            </a:r>
+            <a:r>
+              <a:rPr lang="en-US" sz="1400" dirty="0" err="1">
+                <a:solidFill>
+                  <a:srgbClr val="000000"/>
+                </a:solidFill>
+                <a:latin typeface="Calibri" panose="020F0502020204030204" pitchFamily="34" charset="0"/>
+                <a:ea typeface="Calibri" panose="020F0502020204030204" pitchFamily="34" charset="0"/>
+                <a:cs typeface="Arial" panose="020B0604020202020204" pitchFamily="34" charset="0"/>
+              </a:rPr>
+              <a:t>.</a:t>
+            </a:r>
+            <a:r>
+              <a:rPr lang="en-US" sz="1400" dirty="0" err="1">
+                <a:solidFill>
+                  <a:srgbClr val="7A7A43"/>
+                </a:solidFill>
+                <a:latin typeface="Calibri" panose="020F0502020204030204" pitchFamily="34" charset="0"/>
+                <a:ea typeface="Calibri" panose="020F0502020204030204" pitchFamily="34" charset="0"/>
+                <a:cs typeface="Arial" panose="020B0604020202020204" pitchFamily="34" charset="0"/>
+              </a:rPr>
+              <a:t>create</a:t>
+            </a:r>
+            <a:r>
+              <a:rPr lang="en-US" sz="1400" dirty="0">
+                <a:solidFill>
+                  <a:srgbClr val="000000"/>
+                </a:solidFill>
+                <a:latin typeface="Calibri" panose="020F0502020204030204" pitchFamily="34" charset="0"/>
+                <a:ea typeface="Calibri" panose="020F0502020204030204" pitchFamily="34" charset="0"/>
+                <a:cs typeface="Arial" panose="020B0604020202020204" pitchFamily="34" charset="0"/>
+              </a:rPr>
+              <a:t>(</a:t>
+            </a:r>
+            <a:r>
+              <a:rPr lang="en-US" sz="1400" b="1" dirty="0" err="1">
+                <a:solidFill>
+                  <a:srgbClr val="000080"/>
+                </a:solidFill>
+                <a:latin typeface="Calibri" panose="020F0502020204030204" pitchFamily="34" charset="0"/>
+                <a:ea typeface="Calibri" panose="020F0502020204030204" pitchFamily="34" charset="0"/>
+                <a:cs typeface="Arial" panose="020B0604020202020204" pitchFamily="34" charset="0"/>
+              </a:rPr>
+              <a:t>this</a:t>
+            </a:r>
+            <a:r>
+              <a:rPr lang="en-US" sz="1400" dirty="0" err="1">
+                <a:solidFill>
+                  <a:srgbClr val="000000"/>
+                </a:solidFill>
+                <a:latin typeface="Calibri" panose="020F0502020204030204" pitchFamily="34" charset="0"/>
+                <a:ea typeface="Calibri" panose="020F0502020204030204" pitchFamily="34" charset="0"/>
+                <a:cs typeface="Arial" panose="020B0604020202020204" pitchFamily="34" charset="0"/>
+              </a:rPr>
+              <a:t>.injector</a:t>
+            </a:r>
+            <a:r>
+              <a:rPr lang="en-US" sz="1400" dirty="0">
+                <a:solidFill>
+                  <a:srgbClr val="000000"/>
+                </a:solidFill>
+                <a:latin typeface="Calibri" panose="020F0502020204030204" pitchFamily="34" charset="0"/>
+                <a:ea typeface="Calibri" panose="020F0502020204030204" pitchFamily="34" charset="0"/>
+                <a:cs typeface="Arial" panose="020B0604020202020204" pitchFamily="34" charset="0"/>
+              </a:rPr>
+              <a:t>);</a:t>
+            </a:r>
+          </a:p>
+          <a:p>
+            <a:br>
+              <a:rPr lang="en-US" sz="1400" dirty="0">
+                <a:solidFill>
+                  <a:srgbClr val="000000"/>
+                </a:solidFill>
+                <a:latin typeface="Calibri" panose="020F0502020204030204" pitchFamily="34" charset="0"/>
+                <a:ea typeface="Calibri" panose="020F0502020204030204" pitchFamily="34" charset="0"/>
+                <a:cs typeface="Arial" panose="020B0604020202020204" pitchFamily="34" charset="0"/>
+              </a:rPr>
+            </a:br>
+            <a:r>
+              <a:rPr lang="en-US" sz="1400" b="1" dirty="0" err="1">
+                <a:solidFill>
+                  <a:srgbClr val="000080"/>
+                </a:solidFill>
+                <a:latin typeface="Calibri" panose="020F0502020204030204" pitchFamily="34" charset="0"/>
+                <a:ea typeface="Calibri" panose="020F0502020204030204" pitchFamily="34" charset="0"/>
+                <a:cs typeface="Arial" panose="020B0604020202020204" pitchFamily="34" charset="0"/>
+              </a:rPr>
+              <a:t>const</a:t>
+            </a:r>
+            <a:r>
+              <a:rPr lang="en-US" sz="1400" b="1" dirty="0">
+                <a:solidFill>
+                  <a:srgbClr val="000080"/>
+                </a:solidFill>
+                <a:latin typeface="Calibri" panose="020F0502020204030204" pitchFamily="34" charset="0"/>
+                <a:ea typeface="Calibri" panose="020F0502020204030204" pitchFamily="34" charset="0"/>
+                <a:cs typeface="Arial" panose="020B0604020202020204" pitchFamily="34" charset="0"/>
+              </a:rPr>
+              <a:t> </a:t>
+            </a:r>
+            <a:r>
+              <a:rPr lang="en-US" sz="1400" dirty="0" err="1">
+                <a:solidFill>
+                  <a:srgbClr val="458383"/>
+                </a:solidFill>
+                <a:latin typeface="Calibri" panose="020F0502020204030204" pitchFamily="34" charset="0"/>
+                <a:ea typeface="Calibri" panose="020F0502020204030204" pitchFamily="34" charset="0"/>
+                <a:cs typeface="Arial" panose="020B0604020202020204" pitchFamily="34" charset="0"/>
+              </a:rPr>
+              <a:t>componentFactory</a:t>
+            </a:r>
+            <a:r>
+              <a:rPr lang="en-US" sz="1400" dirty="0">
+                <a:solidFill>
+                  <a:srgbClr val="458383"/>
+                </a:solidFill>
+                <a:latin typeface="Calibri" panose="020F0502020204030204" pitchFamily="34" charset="0"/>
+                <a:ea typeface="Calibri" panose="020F0502020204030204" pitchFamily="34" charset="0"/>
+                <a:cs typeface="Arial" panose="020B0604020202020204" pitchFamily="34" charset="0"/>
+              </a:rPr>
+              <a:t> </a:t>
+            </a:r>
+            <a:r>
+              <a:rPr lang="en-US" sz="1400" dirty="0">
+                <a:solidFill>
+                  <a:srgbClr val="000000"/>
+                </a:solidFill>
+                <a:latin typeface="Calibri" panose="020F0502020204030204" pitchFamily="34" charset="0"/>
+                <a:ea typeface="Calibri" panose="020F0502020204030204" pitchFamily="34" charset="0"/>
+                <a:cs typeface="Arial" panose="020B0604020202020204" pitchFamily="34" charset="0"/>
+              </a:rPr>
+              <a:t>= </a:t>
+            </a:r>
+            <a:r>
+              <a:rPr lang="en-US" sz="1400" b="1" dirty="0" err="1">
+                <a:solidFill>
+                  <a:srgbClr val="660E7A"/>
+                </a:solidFill>
+                <a:latin typeface="Calibri" panose="020F0502020204030204" pitchFamily="34" charset="0"/>
+                <a:ea typeface="Calibri" panose="020F0502020204030204" pitchFamily="34" charset="0"/>
+                <a:cs typeface="Arial" panose="020B0604020202020204" pitchFamily="34" charset="0"/>
+              </a:rPr>
+              <a:t>componentFactories</a:t>
+            </a:r>
+            <a:r>
+              <a:rPr lang="en-US" sz="1400" dirty="0">
+                <a:solidFill>
+                  <a:srgbClr val="000000"/>
+                </a:solidFill>
+                <a:latin typeface="Calibri" panose="020F0502020204030204" pitchFamily="34" charset="0"/>
+                <a:ea typeface="Calibri" panose="020F0502020204030204" pitchFamily="34" charset="0"/>
+                <a:cs typeface="Arial" panose="020B0604020202020204" pitchFamily="34" charset="0"/>
+              </a:rPr>
+              <a:t>[</a:t>
+            </a:r>
+            <a:r>
+              <a:rPr lang="en-US" sz="1400" dirty="0">
+                <a:solidFill>
+                  <a:srgbClr val="0000FF"/>
+                </a:solidFill>
+                <a:latin typeface="Calibri" panose="020F0502020204030204" pitchFamily="34" charset="0"/>
+                <a:ea typeface="Calibri" panose="020F0502020204030204" pitchFamily="34" charset="0"/>
+                <a:cs typeface="Arial" panose="020B0604020202020204" pitchFamily="34" charset="0"/>
+              </a:rPr>
+              <a:t>0</a:t>
+            </a:r>
+            <a:r>
+              <a:rPr lang="en-US" sz="1400" dirty="0">
+                <a:solidFill>
+                  <a:srgbClr val="000000"/>
+                </a:solidFill>
+                <a:latin typeface="Calibri" panose="020F0502020204030204" pitchFamily="34" charset="0"/>
+                <a:ea typeface="Calibri" panose="020F0502020204030204" pitchFamily="34" charset="0"/>
+                <a:cs typeface="Arial" panose="020B0604020202020204" pitchFamily="34" charset="0"/>
+              </a:rPr>
+              <a:t>];</a:t>
+            </a:r>
+            <a:br>
+              <a:rPr lang="en-US" sz="1400" dirty="0">
+                <a:solidFill>
+                  <a:srgbClr val="000000"/>
+                </a:solidFill>
+                <a:latin typeface="Calibri" panose="020F0502020204030204" pitchFamily="34" charset="0"/>
+                <a:ea typeface="Calibri" panose="020F0502020204030204" pitchFamily="34" charset="0"/>
+                <a:cs typeface="Arial" panose="020B0604020202020204" pitchFamily="34" charset="0"/>
+              </a:rPr>
+            </a:br>
+            <a:br>
+              <a:rPr lang="en-US" sz="1400" dirty="0">
+                <a:solidFill>
+                  <a:srgbClr val="000000"/>
+                </a:solidFill>
+                <a:latin typeface="Calibri" panose="020F0502020204030204" pitchFamily="34" charset="0"/>
+                <a:ea typeface="Calibri" panose="020F0502020204030204" pitchFamily="34" charset="0"/>
+                <a:cs typeface="Arial" panose="020B0604020202020204" pitchFamily="34" charset="0"/>
+              </a:rPr>
+            </a:br>
+            <a:r>
+              <a:rPr lang="en-US" sz="1400" b="1" dirty="0" err="1">
+                <a:solidFill>
+                  <a:srgbClr val="000080"/>
+                </a:solidFill>
+                <a:latin typeface="Calibri" panose="020F0502020204030204" pitchFamily="34" charset="0"/>
+                <a:ea typeface="Calibri" panose="020F0502020204030204" pitchFamily="34" charset="0"/>
+                <a:cs typeface="Arial" panose="020B0604020202020204" pitchFamily="34" charset="0"/>
+              </a:rPr>
+              <a:t>this</a:t>
+            </a:r>
+            <a:r>
+              <a:rPr lang="en-US" sz="1400" dirty="0" err="1">
+                <a:solidFill>
+                  <a:srgbClr val="000000"/>
+                </a:solidFill>
+                <a:latin typeface="Calibri" panose="020F0502020204030204" pitchFamily="34" charset="0"/>
+                <a:ea typeface="Calibri" panose="020F0502020204030204" pitchFamily="34" charset="0"/>
+                <a:cs typeface="Arial" panose="020B0604020202020204" pitchFamily="34" charset="0"/>
+              </a:rPr>
+              <a:t>.</a:t>
+            </a:r>
+            <a:r>
+              <a:rPr lang="en-US" sz="1400" b="1" dirty="0" err="1">
+                <a:solidFill>
+                  <a:srgbClr val="660E7A"/>
+                </a:solidFill>
+                <a:latin typeface="Calibri" panose="020F0502020204030204" pitchFamily="34" charset="0"/>
+                <a:ea typeface="Calibri" panose="020F0502020204030204" pitchFamily="34" charset="0"/>
+                <a:cs typeface="Arial" panose="020B0604020202020204" pitchFamily="34" charset="0"/>
+              </a:rPr>
+              <a:t>marker</a:t>
+            </a:r>
+            <a:r>
+              <a:rPr lang="en-US" sz="1400" dirty="0" err="1">
+                <a:solidFill>
+                  <a:srgbClr val="000000"/>
+                </a:solidFill>
+                <a:latin typeface="Calibri" panose="020F0502020204030204" pitchFamily="34" charset="0"/>
+                <a:ea typeface="Calibri" panose="020F0502020204030204" pitchFamily="34" charset="0"/>
+                <a:cs typeface="Arial" panose="020B0604020202020204" pitchFamily="34" charset="0"/>
+              </a:rPr>
+              <a:t>.</a:t>
+            </a:r>
+            <a:r>
+              <a:rPr lang="en-US" sz="1400" dirty="0" err="1">
+                <a:solidFill>
+                  <a:srgbClr val="7A7A43"/>
+                </a:solidFill>
+                <a:latin typeface="Calibri" panose="020F0502020204030204" pitchFamily="34" charset="0"/>
+                <a:ea typeface="Calibri" panose="020F0502020204030204" pitchFamily="34" charset="0"/>
+                <a:cs typeface="Arial" panose="020B0604020202020204" pitchFamily="34" charset="0"/>
+              </a:rPr>
+              <a:t>createComponent</a:t>
+            </a:r>
+            <a:r>
+              <a:rPr lang="en-US" sz="1400" dirty="0">
+                <a:solidFill>
+                  <a:srgbClr val="000000"/>
+                </a:solidFill>
+                <a:latin typeface="Calibri" panose="020F0502020204030204" pitchFamily="34" charset="0"/>
+                <a:ea typeface="Calibri" panose="020F0502020204030204" pitchFamily="34" charset="0"/>
+                <a:cs typeface="Arial" panose="020B0604020202020204" pitchFamily="34" charset="0"/>
+              </a:rPr>
+              <a:t>(</a:t>
+            </a:r>
+            <a:r>
+              <a:rPr lang="en-US" sz="1400" dirty="0" err="1">
+                <a:solidFill>
+                  <a:srgbClr val="458383"/>
+                </a:solidFill>
+                <a:latin typeface="Calibri" panose="020F0502020204030204" pitchFamily="34" charset="0"/>
+                <a:ea typeface="Calibri" panose="020F0502020204030204" pitchFamily="34" charset="0"/>
+                <a:cs typeface="Arial" panose="020B0604020202020204" pitchFamily="34" charset="0"/>
+              </a:rPr>
+              <a:t>componentFactory</a:t>
+            </a:r>
+            <a:r>
+              <a:rPr lang="en-US" sz="1400" dirty="0">
+                <a:solidFill>
+                  <a:srgbClr val="000000"/>
+                </a:solidFill>
+                <a:latin typeface="Calibri" panose="020F0502020204030204" pitchFamily="34" charset="0"/>
+                <a:ea typeface="Calibri" panose="020F0502020204030204" pitchFamily="34" charset="0"/>
+                <a:cs typeface="Arial" panose="020B0604020202020204" pitchFamily="34" charset="0"/>
+              </a:rPr>
+              <a:t>, </a:t>
+            </a:r>
+            <a:r>
+              <a:rPr lang="en-US" sz="1400" dirty="0">
+                <a:solidFill>
+                  <a:srgbClr val="0000FF"/>
+                </a:solidFill>
+                <a:latin typeface="Calibri" panose="020F0502020204030204" pitchFamily="34" charset="0"/>
+                <a:ea typeface="Calibri" panose="020F0502020204030204" pitchFamily="34" charset="0"/>
+                <a:cs typeface="Arial" panose="020B0604020202020204" pitchFamily="34" charset="0"/>
+              </a:rPr>
+              <a:t>0</a:t>
+            </a:r>
+            <a:r>
+              <a:rPr lang="en-US" sz="1400" dirty="0">
+                <a:solidFill>
+                  <a:srgbClr val="000000"/>
+                </a:solidFill>
+                <a:latin typeface="Calibri" panose="020F0502020204030204" pitchFamily="34" charset="0"/>
+                <a:ea typeface="Calibri" panose="020F0502020204030204" pitchFamily="34" charset="0"/>
+                <a:cs typeface="Arial" panose="020B0604020202020204" pitchFamily="34" charset="0"/>
+              </a:rPr>
+              <a:t>, &lt;</a:t>
+            </a:r>
+            <a:r>
+              <a:rPr lang="en-US" sz="1400" b="1" dirty="0">
+                <a:solidFill>
+                  <a:srgbClr val="000080"/>
+                </a:solidFill>
+                <a:latin typeface="Calibri" panose="020F0502020204030204" pitchFamily="34" charset="0"/>
+                <a:ea typeface="Calibri" panose="020F0502020204030204" pitchFamily="34" charset="0"/>
+                <a:cs typeface="Arial" panose="020B0604020202020204" pitchFamily="34" charset="0"/>
+              </a:rPr>
+              <a:t>any</a:t>
+            </a:r>
+            <a:r>
+              <a:rPr lang="en-US" sz="1400" dirty="0">
+                <a:solidFill>
+                  <a:srgbClr val="000000"/>
+                </a:solidFill>
+                <a:latin typeface="Calibri" panose="020F0502020204030204" pitchFamily="34" charset="0"/>
+                <a:ea typeface="Calibri" panose="020F0502020204030204" pitchFamily="34" charset="0"/>
+                <a:cs typeface="Arial" panose="020B0604020202020204" pitchFamily="34" charset="0"/>
+              </a:rPr>
+              <a:t>&gt;</a:t>
+            </a:r>
+            <a:r>
+              <a:rPr lang="en-US" sz="1400" dirty="0" err="1">
+                <a:solidFill>
+                  <a:srgbClr val="458383"/>
+                </a:solidFill>
+                <a:latin typeface="Calibri" panose="020F0502020204030204" pitchFamily="34" charset="0"/>
+                <a:ea typeface="Calibri" panose="020F0502020204030204" pitchFamily="34" charset="0"/>
+                <a:cs typeface="Arial" panose="020B0604020202020204" pitchFamily="34" charset="0"/>
+              </a:rPr>
+              <a:t>moduleInjector</a:t>
+            </a:r>
+            <a:r>
+              <a:rPr lang="en-US" sz="1400" dirty="0">
+                <a:solidFill>
+                  <a:srgbClr val="000000"/>
+                </a:solidFill>
+                <a:latin typeface="Calibri" panose="020F0502020204030204" pitchFamily="34" charset="0"/>
+                <a:ea typeface="Calibri" panose="020F0502020204030204" pitchFamily="34" charset="0"/>
+                <a:cs typeface="Arial" panose="020B0604020202020204" pitchFamily="34" charset="0"/>
+              </a:rPr>
+              <a:t>);</a:t>
+            </a:r>
+            <a:endParaRPr lang="he-IL" sz="1400" dirty="0"/>
+          </a:p>
+        </p:txBody>
+      </p:sp>
+      <p:sp>
+        <p:nvSpPr>
+          <p:cNvPr id="7" name="Rectangle 6"/>
+          <p:cNvSpPr/>
+          <p:nvPr/>
+        </p:nvSpPr>
+        <p:spPr>
+          <a:xfrm>
+            <a:off x="107504" y="2276872"/>
+            <a:ext cx="1224136" cy="1010234"/>
+          </a:xfrm>
+          <a:prstGeom prst="rect">
+            <a:avLst/>
+          </a:prstGeom>
+        </p:spPr>
+        <p:style>
+          <a:lnRef idx="2">
+            <a:schemeClr val="accent4">
+              <a:shade val="50000"/>
+            </a:schemeClr>
+          </a:lnRef>
+          <a:fillRef idx="1">
+            <a:schemeClr val="accent4"/>
+          </a:fillRef>
+          <a:effectRef idx="0">
+            <a:schemeClr val="accent4"/>
+          </a:effectRef>
+          <a:fontRef idx="minor">
+            <a:schemeClr val="lt1"/>
+          </a:fontRef>
+        </p:style>
+        <p:txBody>
+          <a:bodyPr rtlCol="1" anchor="ctr"/>
+          <a:lstStyle/>
+          <a:p>
+            <a:pPr algn="ctr"/>
+            <a:r>
+              <a:rPr lang="en-US" sz="1400" dirty="0"/>
+              <a:t>Download the module from the server</a:t>
+            </a:r>
+            <a:endParaRPr lang="he-IL" sz="1400" dirty="0"/>
+          </a:p>
+        </p:txBody>
+      </p:sp>
+      <p:cxnSp>
+        <p:nvCxnSpPr>
+          <p:cNvPr id="8" name="Straight Arrow Connector 7"/>
+          <p:cNvCxnSpPr>
+            <a:cxnSpLocks/>
+            <a:stCxn id="7" idx="3"/>
+          </p:cNvCxnSpPr>
+          <p:nvPr/>
+        </p:nvCxnSpPr>
+        <p:spPr>
+          <a:xfrm>
+            <a:off x="1331640" y="2781989"/>
+            <a:ext cx="432048" cy="214963"/>
+          </a:xfrm>
+          <a:prstGeom prst="straightConnector1">
+            <a:avLst/>
+          </a:prstGeom>
+          <a:ln w="15875">
+            <a:tailEnd type="triangle"/>
+          </a:ln>
+        </p:spPr>
+        <p:style>
+          <a:lnRef idx="1">
+            <a:schemeClr val="accent1"/>
+          </a:lnRef>
+          <a:fillRef idx="0">
+            <a:schemeClr val="accent1"/>
+          </a:fillRef>
+          <a:effectRef idx="0">
+            <a:schemeClr val="accent1"/>
+          </a:effectRef>
+          <a:fontRef idx="minor">
+            <a:schemeClr val="tx1"/>
+          </a:fontRef>
+        </p:style>
+      </p:cxnSp>
+      <p:sp>
+        <p:nvSpPr>
+          <p:cNvPr id="14" name="Rectangle 13"/>
+          <p:cNvSpPr/>
+          <p:nvPr/>
+        </p:nvSpPr>
+        <p:spPr>
+          <a:xfrm>
+            <a:off x="1835696" y="5589240"/>
+            <a:ext cx="1224136" cy="1010234"/>
+          </a:xfrm>
+          <a:prstGeom prst="rect">
+            <a:avLst/>
+          </a:prstGeom>
+        </p:spPr>
+        <p:style>
+          <a:lnRef idx="2">
+            <a:schemeClr val="accent4">
+              <a:shade val="50000"/>
+            </a:schemeClr>
+          </a:lnRef>
+          <a:fillRef idx="1">
+            <a:schemeClr val="accent4"/>
+          </a:fillRef>
+          <a:effectRef idx="0">
+            <a:schemeClr val="accent4"/>
+          </a:effectRef>
+          <a:fontRef idx="minor">
+            <a:schemeClr val="lt1"/>
+          </a:fontRef>
+        </p:style>
+        <p:txBody>
+          <a:bodyPr rtlCol="1" anchor="ctr"/>
+          <a:lstStyle/>
+          <a:p>
+            <a:pPr algn="ctr"/>
+            <a:r>
+              <a:rPr lang="en-US" sz="1400" dirty="0"/>
+              <a:t>Create the component with the new injector</a:t>
+            </a:r>
+            <a:endParaRPr lang="he-IL" sz="1400" dirty="0"/>
+          </a:p>
+        </p:txBody>
+      </p:sp>
+      <p:cxnSp>
+        <p:nvCxnSpPr>
+          <p:cNvPr id="15" name="Straight Arrow Connector 14"/>
+          <p:cNvCxnSpPr>
+            <a:cxnSpLocks/>
+          </p:cNvCxnSpPr>
+          <p:nvPr/>
+        </p:nvCxnSpPr>
+        <p:spPr>
+          <a:xfrm flipV="1">
+            <a:off x="3059832" y="5099705"/>
+            <a:ext cx="720080" cy="993591"/>
+          </a:xfrm>
+          <a:prstGeom prst="straightConnector1">
+            <a:avLst/>
+          </a:prstGeom>
+          <a:ln w="15875">
+            <a:tailEnd type="triangle"/>
+          </a:ln>
+        </p:spPr>
+        <p:style>
+          <a:lnRef idx="1">
+            <a:schemeClr val="accent1"/>
+          </a:lnRef>
+          <a:fillRef idx="0">
+            <a:schemeClr val="accent1"/>
+          </a:fillRef>
+          <a:effectRef idx="0">
+            <a:schemeClr val="accent1"/>
+          </a:effectRef>
+          <a:fontRef idx="minor">
+            <a:schemeClr val="tx1"/>
+          </a:fontRef>
+        </p:style>
+      </p:cxnSp>
+      <p:sp>
+        <p:nvSpPr>
+          <p:cNvPr id="18" name="Rectangle 17"/>
+          <p:cNvSpPr/>
+          <p:nvPr/>
+        </p:nvSpPr>
+        <p:spPr>
+          <a:xfrm>
+            <a:off x="6444208" y="5661247"/>
+            <a:ext cx="1728192" cy="1072193"/>
+          </a:xfrm>
+          <a:prstGeom prst="rect">
+            <a:avLst/>
+          </a:prstGeom>
+        </p:spPr>
+        <p:style>
+          <a:lnRef idx="2">
+            <a:schemeClr val="accent4">
+              <a:shade val="50000"/>
+            </a:schemeClr>
+          </a:lnRef>
+          <a:fillRef idx="1">
+            <a:schemeClr val="accent4"/>
+          </a:fillRef>
+          <a:effectRef idx="0">
+            <a:schemeClr val="accent4"/>
+          </a:effectRef>
+          <a:fontRef idx="minor">
+            <a:schemeClr val="lt1"/>
+          </a:fontRef>
+        </p:style>
+        <p:txBody>
+          <a:bodyPr rtlCol="1" anchor="ctr"/>
+          <a:lstStyle/>
+          <a:p>
+            <a:pPr algn="ctr"/>
+            <a:r>
+              <a:rPr lang="en-US" sz="1400" dirty="0"/>
+              <a:t>We must create a new injector, else, the component will be service-less</a:t>
+            </a:r>
+            <a:endParaRPr lang="he-IL" sz="1400" dirty="0"/>
+          </a:p>
+        </p:txBody>
+      </p:sp>
+      <p:cxnSp>
+        <p:nvCxnSpPr>
+          <p:cNvPr id="19" name="Straight Arrow Connector 18"/>
+          <p:cNvCxnSpPr>
+            <a:cxnSpLocks/>
+            <a:stCxn id="18" idx="0"/>
+          </p:cNvCxnSpPr>
+          <p:nvPr/>
+        </p:nvCxnSpPr>
+        <p:spPr>
+          <a:xfrm flipH="1" flipV="1">
+            <a:off x="5292080" y="4221088"/>
+            <a:ext cx="2016224" cy="1440159"/>
+          </a:xfrm>
+          <a:prstGeom prst="straightConnector1">
+            <a:avLst/>
+          </a:prstGeom>
+          <a:ln w="15875">
+            <a:tailEnd type="triangle"/>
+          </a:ln>
+        </p:spPr>
+        <p:style>
+          <a:lnRef idx="1">
+            <a:schemeClr val="accent1"/>
+          </a:lnRef>
+          <a:fillRef idx="0">
+            <a:schemeClr val="accent1"/>
+          </a:fillRef>
+          <a:effectRef idx="0">
+            <a:schemeClr val="accent1"/>
+          </a:effectRef>
+          <a:fontRef idx="minor">
+            <a:schemeClr val="tx1"/>
+          </a:fontRef>
+        </p:style>
+      </p:cxnSp>
+      <p:sp>
+        <p:nvSpPr>
+          <p:cNvPr id="24" name="Rectangle 23"/>
+          <p:cNvSpPr/>
+          <p:nvPr/>
+        </p:nvSpPr>
+        <p:spPr>
+          <a:xfrm>
+            <a:off x="3932312" y="1683351"/>
+            <a:ext cx="1224136" cy="1010234"/>
+          </a:xfrm>
+          <a:prstGeom prst="rect">
+            <a:avLst/>
+          </a:prstGeom>
+        </p:spPr>
+        <p:style>
+          <a:lnRef idx="2">
+            <a:schemeClr val="accent4">
+              <a:shade val="50000"/>
+            </a:schemeClr>
+          </a:lnRef>
+          <a:fillRef idx="1">
+            <a:schemeClr val="accent4"/>
+          </a:fillRef>
+          <a:effectRef idx="0">
+            <a:schemeClr val="accent4"/>
+          </a:effectRef>
+          <a:fontRef idx="minor">
+            <a:schemeClr val="lt1"/>
+          </a:fontRef>
+        </p:style>
+        <p:txBody>
+          <a:bodyPr rtlCol="1" anchor="ctr"/>
+          <a:lstStyle/>
+          <a:p>
+            <a:pPr algn="ctr"/>
+            <a:r>
+              <a:rPr lang="en-US" sz="1400" dirty="0"/>
+              <a:t>Compile the module and get a factory</a:t>
+            </a:r>
+            <a:endParaRPr lang="he-IL" sz="1400" dirty="0"/>
+          </a:p>
+        </p:txBody>
+      </p:sp>
+      <p:cxnSp>
+        <p:nvCxnSpPr>
+          <p:cNvPr id="27" name="Straight Arrow Connector 26"/>
+          <p:cNvCxnSpPr>
+            <a:cxnSpLocks/>
+            <a:stCxn id="24" idx="2"/>
+          </p:cNvCxnSpPr>
+          <p:nvPr/>
+        </p:nvCxnSpPr>
+        <p:spPr>
+          <a:xfrm>
+            <a:off x="4544380" y="2693585"/>
+            <a:ext cx="0" cy="879431"/>
+          </a:xfrm>
+          <a:prstGeom prst="straightConnector1">
+            <a:avLst/>
+          </a:prstGeom>
+          <a:ln w="15875">
+            <a:tailEnd type="triangle"/>
+          </a:ln>
+        </p:spPr>
+        <p:style>
+          <a:lnRef idx="1">
+            <a:schemeClr val="accent1"/>
+          </a:lnRef>
+          <a:fillRef idx="0">
+            <a:schemeClr val="accent1"/>
+          </a:fillRef>
+          <a:effectRef idx="0">
+            <a:schemeClr val="accent1"/>
+          </a:effectRef>
+          <a:fontRef idx="minor">
+            <a:schemeClr val="tx1"/>
+          </a:fontRef>
+        </p:style>
+      </p:cxnSp>
+    </p:spTree>
+    <p:extLst>
+      <p:ext uri="{BB962C8B-B14F-4D97-AF65-F5344CB8AC3E}">
+        <p14:creationId xmlns:p14="http://schemas.microsoft.com/office/powerpoint/2010/main" val="39277012"/>
+      </p:ext>
+    </p:extLst>
+  </p:cSld>
+  <p:clrMapOvr>
+    <a:masterClrMapping/>
+  </p:clrMapOvr>
+</p:sld>
+</file>
+
+<file path=ppt/slides/slide39.xml><?xml version="1.0" encoding="utf-8"?>
+<p:sld xmlns:a="http://schemas.openxmlformats.org/drawingml/2006/main" xmlns:r="http://schemas.openxmlformats.org/officeDocument/2006/relationships" xmlns:p="http://schemas.openxmlformats.org/presentationml/2006/main">
+  <p:cSld>
+    <p:spTree>
+      <p:nvGrpSpPr>
+        <p:cNvPr id="1" name=""/>
+        <p:cNvGrpSpPr/>
+        <p:nvPr/>
+      </p:nvGrpSpPr>
+      <p:grpSpPr>
+        <a:xfrm>
+          <a:off x="0" y="0"/>
+          <a:ext cx="0" cy="0"/>
+          <a:chOff x="0" y="0"/>
+          <a:chExt cx="0" cy="0"/>
+        </a:xfrm>
+      </p:grpSpPr>
+      <p:sp>
+        <p:nvSpPr>
+          <p:cNvPr id="2" name="Title 1"/>
+          <p:cNvSpPr>
+            <a:spLocks noGrp="1"/>
+          </p:cNvSpPr>
+          <p:nvPr>
+            <p:ph type="title"/>
+          </p:nvPr>
+        </p:nvSpPr>
+        <p:spPr/>
+        <p:txBody>
+          <a:bodyPr/>
+          <a:lstStyle/>
+          <a:p>
+            <a:r>
+              <a:rPr lang="en-US" dirty="0"/>
+              <a:t>The duplication is implicit</a:t>
+            </a:r>
+            <a:endParaRPr lang="he-IL" dirty="0"/>
+          </a:p>
+        </p:txBody>
+      </p:sp>
+      <p:sp>
+        <p:nvSpPr>
+          <p:cNvPr id="3" name="Footer Placeholder 2"/>
+          <p:cNvSpPr>
+            <a:spLocks noGrp="1"/>
+          </p:cNvSpPr>
+          <p:nvPr>
+            <p:ph type="ftr" sz="quarter" idx="11"/>
+          </p:nvPr>
+        </p:nvSpPr>
+        <p:spPr/>
+        <p:txBody>
+          <a:bodyPr/>
+          <a:lstStyle/>
+          <a:p>
+            <a:r>
+              <a:rPr lang="en-US"/>
+              <a:t>© 2016 Ori Calvo</a:t>
+            </a:r>
+            <a:endParaRPr lang="en-US" dirty="0"/>
+          </a:p>
+        </p:txBody>
+      </p:sp>
+      <p:sp>
+        <p:nvSpPr>
+          <p:cNvPr id="4" name="Slide Number Placeholder 3"/>
+          <p:cNvSpPr>
+            <a:spLocks noGrp="1"/>
+          </p:cNvSpPr>
+          <p:nvPr>
+            <p:ph type="sldNum" sz="quarter" idx="12"/>
+          </p:nvPr>
+        </p:nvSpPr>
+        <p:spPr/>
+        <p:txBody>
+          <a:bodyPr>
+            <a:normAutofit fontScale="85000" lnSpcReduction="20000"/>
+          </a:bodyPr>
+          <a:lstStyle/>
+          <a:p>
+            <a:fld id="{6EDEC3BC-0694-4586-AE63-02B4D54ABF43}" type="slidenum">
+              <a:rPr lang="en-US" smtClean="0"/>
+              <a:pPr/>
+              <a:t>39</a:t>
+            </a:fld>
+            <a:endParaRPr lang="en-US"/>
+          </a:p>
+        </p:txBody>
+      </p:sp>
+      <p:sp>
+        <p:nvSpPr>
+          <p:cNvPr id="6" name="Rectangle 5"/>
+          <p:cNvSpPr/>
+          <p:nvPr/>
+        </p:nvSpPr>
+        <p:spPr>
+          <a:xfrm>
+            <a:off x="3316990" y="1988840"/>
+            <a:ext cx="2744716" cy="3539430"/>
+          </a:xfrm>
+          <a:prstGeom prst="rect">
+            <a:avLst/>
+          </a:prstGeom>
+          <a:solidFill>
+            <a:schemeClr val="accent1">
+              <a:lumMod val="40000"/>
+              <a:lumOff val="60000"/>
+            </a:schemeClr>
+          </a:solidFill>
+        </p:spPr>
+        <p:txBody>
+          <a:bodyPr wrap="square">
+            <a:spAutoFit/>
+          </a:bodyPr>
+          <a:lstStyle/>
+          <a:p>
+            <a:r>
+              <a:rPr lang="en-US" sz="1400" dirty="0">
+                <a:solidFill>
+                  <a:srgbClr val="000000"/>
+                </a:solidFill>
+                <a:latin typeface="Calibri" panose="020F0502020204030204" pitchFamily="34" charset="0"/>
+                <a:ea typeface="Calibri" panose="020F0502020204030204" pitchFamily="34" charset="0"/>
+                <a:cs typeface="Arial" panose="020B0604020202020204" pitchFamily="34" charset="0"/>
+              </a:rPr>
+              <a:t>@</a:t>
+            </a:r>
+            <a:r>
+              <a:rPr lang="en-US" sz="1400" dirty="0" err="1">
+                <a:solidFill>
+                  <a:srgbClr val="000000"/>
+                </a:solidFill>
+                <a:latin typeface="Calibri" panose="020F0502020204030204" pitchFamily="34" charset="0"/>
+                <a:ea typeface="Calibri" panose="020F0502020204030204" pitchFamily="34" charset="0"/>
+                <a:cs typeface="Arial" panose="020B0604020202020204" pitchFamily="34" charset="0"/>
+              </a:rPr>
+              <a:t>NgModule</a:t>
+            </a:r>
+            <a:r>
+              <a:rPr lang="en-US" sz="1400" dirty="0">
+                <a:solidFill>
+                  <a:srgbClr val="000000"/>
+                </a:solidFill>
+                <a:latin typeface="Calibri" panose="020F0502020204030204" pitchFamily="34" charset="0"/>
+                <a:ea typeface="Calibri" panose="020F0502020204030204" pitchFamily="34" charset="0"/>
+                <a:cs typeface="Arial" panose="020B0604020202020204" pitchFamily="34" charset="0"/>
+              </a:rPr>
+              <a:t>({</a:t>
+            </a:r>
+            <a:br>
+              <a:rPr lang="en-US" sz="1400" dirty="0">
+                <a:solidFill>
+                  <a:srgbClr val="000000"/>
+                </a:solidFill>
+                <a:latin typeface="Calibri" panose="020F0502020204030204" pitchFamily="34" charset="0"/>
+                <a:ea typeface="Calibri" panose="020F0502020204030204" pitchFamily="34" charset="0"/>
+                <a:cs typeface="Arial" panose="020B0604020202020204" pitchFamily="34" charset="0"/>
+              </a:rPr>
+            </a:br>
+            <a:r>
+              <a:rPr lang="en-US" sz="1400" dirty="0">
+                <a:solidFill>
+                  <a:srgbClr val="000000"/>
+                </a:solidFill>
+                <a:latin typeface="Calibri" panose="020F0502020204030204" pitchFamily="34" charset="0"/>
+                <a:ea typeface="Calibri" panose="020F0502020204030204" pitchFamily="34" charset="0"/>
+                <a:cs typeface="Arial" panose="020B0604020202020204" pitchFamily="34" charset="0"/>
+              </a:rPr>
+              <a:t>    </a:t>
+            </a:r>
+            <a:r>
+              <a:rPr lang="en-US" sz="1400" b="1" dirty="0">
+                <a:solidFill>
+                  <a:srgbClr val="660E7A"/>
+                </a:solidFill>
+                <a:latin typeface="Calibri" panose="020F0502020204030204" pitchFamily="34" charset="0"/>
+                <a:ea typeface="Calibri" panose="020F0502020204030204" pitchFamily="34" charset="0"/>
+                <a:cs typeface="Arial" panose="020B0604020202020204" pitchFamily="34" charset="0"/>
+              </a:rPr>
+              <a:t>imports</a:t>
+            </a:r>
+            <a:r>
+              <a:rPr lang="en-US" sz="1400" dirty="0">
+                <a:solidFill>
+                  <a:srgbClr val="000000"/>
+                </a:solidFill>
+                <a:latin typeface="Calibri" panose="020F0502020204030204" pitchFamily="34" charset="0"/>
+                <a:ea typeface="Calibri" panose="020F0502020204030204" pitchFamily="34" charset="0"/>
+                <a:cs typeface="Arial" panose="020B0604020202020204" pitchFamily="34" charset="0"/>
+              </a:rPr>
+              <a:t>: [</a:t>
+            </a:r>
+            <a:br>
+              <a:rPr lang="en-US" sz="1400" dirty="0">
+                <a:solidFill>
+                  <a:srgbClr val="000000"/>
+                </a:solidFill>
+                <a:latin typeface="Calibri" panose="020F0502020204030204" pitchFamily="34" charset="0"/>
+                <a:ea typeface="Calibri" panose="020F0502020204030204" pitchFamily="34" charset="0"/>
+                <a:cs typeface="Arial" panose="020B0604020202020204" pitchFamily="34" charset="0"/>
+              </a:rPr>
+            </a:br>
+            <a:r>
+              <a:rPr lang="en-US" sz="1400" dirty="0">
+                <a:solidFill>
+                  <a:srgbClr val="000000"/>
+                </a:solidFill>
+                <a:latin typeface="Calibri" panose="020F0502020204030204" pitchFamily="34" charset="0"/>
+                <a:ea typeface="Calibri" panose="020F0502020204030204" pitchFamily="34" charset="0"/>
+                <a:cs typeface="Arial" panose="020B0604020202020204" pitchFamily="34" charset="0"/>
+              </a:rPr>
+              <a:t>        </a:t>
+            </a:r>
+            <a:r>
+              <a:rPr lang="en-US" sz="1400" dirty="0" err="1">
+                <a:solidFill>
+                  <a:srgbClr val="000000"/>
+                </a:solidFill>
+                <a:latin typeface="Calibri" panose="020F0502020204030204" pitchFamily="34" charset="0"/>
+                <a:ea typeface="Calibri" panose="020F0502020204030204" pitchFamily="34" charset="0"/>
+                <a:cs typeface="Arial" panose="020B0604020202020204" pitchFamily="34" charset="0"/>
+              </a:rPr>
+              <a:t>CommonModule</a:t>
+            </a:r>
+            <a:r>
+              <a:rPr lang="en-US" sz="1400" dirty="0">
+                <a:solidFill>
+                  <a:srgbClr val="000000"/>
+                </a:solidFill>
+                <a:latin typeface="Calibri" panose="020F0502020204030204" pitchFamily="34" charset="0"/>
+                <a:ea typeface="Calibri" panose="020F0502020204030204" pitchFamily="34" charset="0"/>
+                <a:cs typeface="Arial" panose="020B0604020202020204" pitchFamily="34" charset="0"/>
+              </a:rPr>
+              <a:t>,</a:t>
+            </a:r>
+            <a:br>
+              <a:rPr lang="en-US" sz="1400" dirty="0">
+                <a:solidFill>
+                  <a:srgbClr val="000000"/>
+                </a:solidFill>
+                <a:latin typeface="Calibri" panose="020F0502020204030204" pitchFamily="34" charset="0"/>
+                <a:ea typeface="Calibri" panose="020F0502020204030204" pitchFamily="34" charset="0"/>
+                <a:cs typeface="Arial" panose="020B0604020202020204" pitchFamily="34" charset="0"/>
+              </a:rPr>
+            </a:br>
+            <a:r>
+              <a:rPr lang="en-US" sz="1400" dirty="0">
+                <a:solidFill>
+                  <a:srgbClr val="000000"/>
+                </a:solidFill>
+                <a:latin typeface="Calibri" panose="020F0502020204030204" pitchFamily="34" charset="0"/>
+                <a:ea typeface="Calibri" panose="020F0502020204030204" pitchFamily="34" charset="0"/>
+                <a:cs typeface="Arial" panose="020B0604020202020204" pitchFamily="34" charset="0"/>
+              </a:rPr>
+              <a:t>    ],</a:t>
+            </a:r>
+            <a:br>
+              <a:rPr lang="en-US" sz="1400" dirty="0">
+                <a:solidFill>
+                  <a:srgbClr val="000000"/>
+                </a:solidFill>
+                <a:latin typeface="Calibri" panose="020F0502020204030204" pitchFamily="34" charset="0"/>
+                <a:ea typeface="Calibri" panose="020F0502020204030204" pitchFamily="34" charset="0"/>
+                <a:cs typeface="Arial" panose="020B0604020202020204" pitchFamily="34" charset="0"/>
+              </a:rPr>
+            </a:br>
+            <a:r>
+              <a:rPr lang="en-US" sz="1400" dirty="0">
+                <a:solidFill>
+                  <a:srgbClr val="000000"/>
+                </a:solidFill>
+                <a:latin typeface="Calibri" panose="020F0502020204030204" pitchFamily="34" charset="0"/>
+                <a:ea typeface="Calibri" panose="020F0502020204030204" pitchFamily="34" charset="0"/>
+                <a:cs typeface="Arial" panose="020B0604020202020204" pitchFamily="34" charset="0"/>
+              </a:rPr>
+              <a:t>    </a:t>
+            </a:r>
+            <a:r>
+              <a:rPr lang="en-US" sz="1400" b="1" dirty="0">
+                <a:solidFill>
+                  <a:srgbClr val="660E7A"/>
+                </a:solidFill>
+                <a:latin typeface="Calibri" panose="020F0502020204030204" pitchFamily="34" charset="0"/>
+                <a:ea typeface="Calibri" panose="020F0502020204030204" pitchFamily="34" charset="0"/>
+                <a:cs typeface="Arial" panose="020B0604020202020204" pitchFamily="34" charset="0"/>
+              </a:rPr>
+              <a:t>providers</a:t>
+            </a:r>
+            <a:r>
+              <a:rPr lang="en-US" sz="1400" dirty="0">
+                <a:solidFill>
+                  <a:srgbClr val="000000"/>
+                </a:solidFill>
+                <a:latin typeface="Calibri" panose="020F0502020204030204" pitchFamily="34" charset="0"/>
+                <a:ea typeface="Calibri" panose="020F0502020204030204" pitchFamily="34" charset="0"/>
+                <a:cs typeface="Arial" panose="020B0604020202020204" pitchFamily="34" charset="0"/>
+              </a:rPr>
+              <a:t>: [</a:t>
+            </a:r>
+            <a:br>
+              <a:rPr lang="en-US" sz="1400" dirty="0">
+                <a:solidFill>
+                  <a:srgbClr val="000000"/>
+                </a:solidFill>
+                <a:latin typeface="Calibri" panose="020F0502020204030204" pitchFamily="34" charset="0"/>
+                <a:ea typeface="Calibri" panose="020F0502020204030204" pitchFamily="34" charset="0"/>
+                <a:cs typeface="Arial" panose="020B0604020202020204" pitchFamily="34" charset="0"/>
+              </a:rPr>
+            </a:br>
+            <a:r>
+              <a:rPr lang="en-US" sz="1400" dirty="0">
+                <a:solidFill>
+                  <a:srgbClr val="000000"/>
+                </a:solidFill>
+                <a:latin typeface="Calibri" panose="020F0502020204030204" pitchFamily="34" charset="0"/>
+                <a:ea typeface="Calibri" panose="020F0502020204030204" pitchFamily="34" charset="0"/>
+                <a:cs typeface="Arial" panose="020B0604020202020204" pitchFamily="34" charset="0"/>
+              </a:rPr>
+              <a:t>        </a:t>
+            </a:r>
+            <a:r>
+              <a:rPr lang="en-US" sz="1400" dirty="0" err="1">
+                <a:solidFill>
+                  <a:srgbClr val="000000"/>
+                </a:solidFill>
+                <a:latin typeface="Calibri" panose="020F0502020204030204" pitchFamily="34" charset="0"/>
+                <a:ea typeface="Calibri" panose="020F0502020204030204" pitchFamily="34" charset="0"/>
+                <a:cs typeface="Arial" panose="020B0604020202020204" pitchFamily="34" charset="0"/>
+              </a:rPr>
+              <a:t>LazyService</a:t>
+            </a:r>
+            <a:br>
+              <a:rPr lang="en-US" sz="1400" dirty="0">
+                <a:solidFill>
+                  <a:srgbClr val="000000"/>
+                </a:solidFill>
+                <a:latin typeface="Calibri" panose="020F0502020204030204" pitchFamily="34" charset="0"/>
+                <a:ea typeface="Calibri" panose="020F0502020204030204" pitchFamily="34" charset="0"/>
+                <a:cs typeface="Arial" panose="020B0604020202020204" pitchFamily="34" charset="0"/>
+              </a:rPr>
+            </a:br>
+            <a:r>
+              <a:rPr lang="en-US" sz="1400" dirty="0">
+                <a:solidFill>
+                  <a:srgbClr val="000000"/>
+                </a:solidFill>
+                <a:latin typeface="Calibri" panose="020F0502020204030204" pitchFamily="34" charset="0"/>
+                <a:ea typeface="Calibri" panose="020F0502020204030204" pitchFamily="34" charset="0"/>
+                <a:cs typeface="Arial" panose="020B0604020202020204" pitchFamily="34" charset="0"/>
+              </a:rPr>
+              <a:t>    ],</a:t>
+            </a:r>
+            <a:br>
+              <a:rPr lang="en-US" sz="1400" dirty="0">
+                <a:solidFill>
+                  <a:srgbClr val="000000"/>
+                </a:solidFill>
+                <a:latin typeface="Calibri" panose="020F0502020204030204" pitchFamily="34" charset="0"/>
+                <a:ea typeface="Calibri" panose="020F0502020204030204" pitchFamily="34" charset="0"/>
+                <a:cs typeface="Arial" panose="020B0604020202020204" pitchFamily="34" charset="0"/>
+              </a:rPr>
+            </a:br>
+            <a:r>
+              <a:rPr lang="en-US" sz="1400" dirty="0">
+                <a:solidFill>
+                  <a:srgbClr val="000000"/>
+                </a:solidFill>
+                <a:latin typeface="Calibri" panose="020F0502020204030204" pitchFamily="34" charset="0"/>
+                <a:ea typeface="Calibri" panose="020F0502020204030204" pitchFamily="34" charset="0"/>
+                <a:cs typeface="Arial" panose="020B0604020202020204" pitchFamily="34" charset="0"/>
+              </a:rPr>
+              <a:t>    </a:t>
+            </a:r>
+            <a:r>
+              <a:rPr lang="en-US" sz="1400" b="1" dirty="0">
+                <a:solidFill>
+                  <a:srgbClr val="660E7A"/>
+                </a:solidFill>
+                <a:latin typeface="Calibri" panose="020F0502020204030204" pitchFamily="34" charset="0"/>
+                <a:ea typeface="Calibri" panose="020F0502020204030204" pitchFamily="34" charset="0"/>
+                <a:cs typeface="Arial" panose="020B0604020202020204" pitchFamily="34" charset="0"/>
+              </a:rPr>
+              <a:t>declarations</a:t>
+            </a:r>
+            <a:r>
+              <a:rPr lang="en-US" sz="1400" dirty="0">
+                <a:solidFill>
+                  <a:srgbClr val="000000"/>
+                </a:solidFill>
+                <a:latin typeface="Calibri" panose="020F0502020204030204" pitchFamily="34" charset="0"/>
+                <a:ea typeface="Calibri" panose="020F0502020204030204" pitchFamily="34" charset="0"/>
+                <a:cs typeface="Arial" panose="020B0604020202020204" pitchFamily="34" charset="0"/>
+              </a:rPr>
+              <a:t>: [</a:t>
+            </a:r>
+            <a:br>
+              <a:rPr lang="en-US" sz="1400" dirty="0">
+                <a:solidFill>
+                  <a:srgbClr val="000000"/>
+                </a:solidFill>
+                <a:latin typeface="Calibri" panose="020F0502020204030204" pitchFamily="34" charset="0"/>
+                <a:ea typeface="Calibri" panose="020F0502020204030204" pitchFamily="34" charset="0"/>
+                <a:cs typeface="Arial" panose="020B0604020202020204" pitchFamily="34" charset="0"/>
+              </a:rPr>
+            </a:br>
+            <a:r>
+              <a:rPr lang="en-US" sz="1400" dirty="0">
+                <a:solidFill>
+                  <a:srgbClr val="000000"/>
+                </a:solidFill>
+                <a:latin typeface="Calibri" panose="020F0502020204030204" pitchFamily="34" charset="0"/>
+                <a:ea typeface="Calibri" panose="020F0502020204030204" pitchFamily="34" charset="0"/>
+                <a:cs typeface="Arial" panose="020B0604020202020204" pitchFamily="34" charset="0"/>
+              </a:rPr>
+              <a:t>        </a:t>
+            </a:r>
+            <a:r>
+              <a:rPr lang="en-US" sz="1400" dirty="0" err="1">
+                <a:solidFill>
+                  <a:srgbClr val="000000"/>
+                </a:solidFill>
+                <a:latin typeface="Calibri" panose="020F0502020204030204" pitchFamily="34" charset="0"/>
+                <a:ea typeface="Calibri" panose="020F0502020204030204" pitchFamily="34" charset="0"/>
+                <a:cs typeface="Arial" panose="020B0604020202020204" pitchFamily="34" charset="0"/>
+              </a:rPr>
+              <a:t>LazyComponent</a:t>
+            </a:r>
+            <a:br>
+              <a:rPr lang="en-US" sz="1400" dirty="0">
+                <a:solidFill>
+                  <a:srgbClr val="000000"/>
+                </a:solidFill>
+                <a:latin typeface="Calibri" panose="020F0502020204030204" pitchFamily="34" charset="0"/>
+                <a:ea typeface="Calibri" panose="020F0502020204030204" pitchFamily="34" charset="0"/>
+                <a:cs typeface="Arial" panose="020B0604020202020204" pitchFamily="34" charset="0"/>
+              </a:rPr>
+            </a:br>
+            <a:r>
+              <a:rPr lang="en-US" sz="1400" dirty="0">
+                <a:solidFill>
+                  <a:srgbClr val="000000"/>
+                </a:solidFill>
+                <a:latin typeface="Calibri" panose="020F0502020204030204" pitchFamily="34" charset="0"/>
+                <a:ea typeface="Calibri" panose="020F0502020204030204" pitchFamily="34" charset="0"/>
+                <a:cs typeface="Arial" panose="020B0604020202020204" pitchFamily="34" charset="0"/>
+              </a:rPr>
+              <a:t>    ]</a:t>
+            </a:r>
+            <a:br>
+              <a:rPr lang="en-US" sz="1400" dirty="0">
+                <a:solidFill>
+                  <a:srgbClr val="000000"/>
+                </a:solidFill>
+                <a:latin typeface="Calibri" panose="020F0502020204030204" pitchFamily="34" charset="0"/>
+                <a:ea typeface="Calibri" panose="020F0502020204030204" pitchFamily="34" charset="0"/>
+                <a:cs typeface="Arial" panose="020B0604020202020204" pitchFamily="34" charset="0"/>
+              </a:rPr>
+            </a:br>
+            <a:r>
+              <a:rPr lang="en-US" sz="1400" dirty="0">
+                <a:solidFill>
+                  <a:srgbClr val="000000"/>
+                </a:solidFill>
+                <a:latin typeface="Calibri" panose="020F0502020204030204" pitchFamily="34" charset="0"/>
+                <a:ea typeface="Calibri" panose="020F0502020204030204" pitchFamily="34" charset="0"/>
+                <a:cs typeface="Arial" panose="020B0604020202020204" pitchFamily="34" charset="0"/>
+              </a:rPr>
+              <a:t>})</a:t>
+            </a:r>
+            <a:br>
+              <a:rPr lang="en-US" sz="1400" dirty="0">
+                <a:solidFill>
+                  <a:srgbClr val="000000"/>
+                </a:solidFill>
+                <a:latin typeface="Calibri" panose="020F0502020204030204" pitchFamily="34" charset="0"/>
+                <a:ea typeface="Calibri" panose="020F0502020204030204" pitchFamily="34" charset="0"/>
+                <a:cs typeface="Arial" panose="020B0604020202020204" pitchFamily="34" charset="0"/>
+              </a:rPr>
+            </a:br>
+            <a:r>
+              <a:rPr lang="en-US" sz="1400" b="1" dirty="0">
+                <a:solidFill>
+                  <a:srgbClr val="000080"/>
+                </a:solidFill>
+                <a:latin typeface="Calibri" panose="020F0502020204030204" pitchFamily="34" charset="0"/>
+                <a:ea typeface="Calibri" panose="020F0502020204030204" pitchFamily="34" charset="0"/>
+                <a:cs typeface="Arial" panose="020B0604020202020204" pitchFamily="34" charset="0"/>
+              </a:rPr>
+              <a:t>export class </a:t>
+            </a:r>
+            <a:r>
+              <a:rPr lang="en-US" sz="1400" dirty="0" err="1">
+                <a:solidFill>
+                  <a:srgbClr val="000000"/>
+                </a:solidFill>
+                <a:latin typeface="Calibri" panose="020F0502020204030204" pitchFamily="34" charset="0"/>
+                <a:ea typeface="Calibri" panose="020F0502020204030204" pitchFamily="34" charset="0"/>
+                <a:cs typeface="Arial" panose="020B0604020202020204" pitchFamily="34" charset="0"/>
+              </a:rPr>
+              <a:t>LazyModule</a:t>
+            </a:r>
+            <a:r>
+              <a:rPr lang="en-US" sz="1400" dirty="0">
+                <a:solidFill>
+                  <a:srgbClr val="000000"/>
+                </a:solidFill>
+                <a:latin typeface="Calibri" panose="020F0502020204030204" pitchFamily="34" charset="0"/>
+                <a:ea typeface="Calibri" panose="020F0502020204030204" pitchFamily="34" charset="0"/>
+                <a:cs typeface="Arial" panose="020B0604020202020204" pitchFamily="34" charset="0"/>
+              </a:rPr>
+              <a:t> {</a:t>
+            </a:r>
+            <a:br>
+              <a:rPr lang="en-US" sz="1400" dirty="0">
+                <a:solidFill>
+                  <a:srgbClr val="000000"/>
+                </a:solidFill>
+                <a:latin typeface="Calibri" panose="020F0502020204030204" pitchFamily="34" charset="0"/>
+                <a:ea typeface="Calibri" panose="020F0502020204030204" pitchFamily="34" charset="0"/>
+                <a:cs typeface="Arial" panose="020B0604020202020204" pitchFamily="34" charset="0"/>
+              </a:rPr>
+            </a:br>
+            <a:r>
+              <a:rPr lang="en-US" sz="1400" dirty="0">
+                <a:solidFill>
+                  <a:srgbClr val="000000"/>
+                </a:solidFill>
+                <a:latin typeface="Calibri" panose="020F0502020204030204" pitchFamily="34" charset="0"/>
+                <a:ea typeface="Calibri" panose="020F0502020204030204" pitchFamily="34" charset="0"/>
+                <a:cs typeface="Arial" panose="020B0604020202020204" pitchFamily="34" charset="0"/>
+              </a:rPr>
+              <a:t>    </a:t>
+            </a:r>
+            <a:r>
+              <a:rPr lang="en-US" sz="1400" b="1" dirty="0">
+                <a:solidFill>
+                  <a:srgbClr val="000080"/>
+                </a:solidFill>
+                <a:latin typeface="Calibri" panose="020F0502020204030204" pitchFamily="34" charset="0"/>
+                <a:ea typeface="Calibri" panose="020F0502020204030204" pitchFamily="34" charset="0"/>
+                <a:cs typeface="Arial" panose="020B0604020202020204" pitchFamily="34" charset="0"/>
+              </a:rPr>
+              <a:t>constructor</a:t>
+            </a:r>
+            <a:r>
+              <a:rPr lang="en-US" sz="1400" dirty="0">
+                <a:solidFill>
+                  <a:srgbClr val="000000"/>
+                </a:solidFill>
+                <a:latin typeface="Calibri" panose="020F0502020204030204" pitchFamily="34" charset="0"/>
+                <a:ea typeface="Calibri" panose="020F0502020204030204" pitchFamily="34" charset="0"/>
+                <a:cs typeface="Arial" panose="020B0604020202020204" pitchFamily="34" charset="0"/>
+              </a:rPr>
+              <a:t>() {</a:t>
+            </a:r>
+            <a:br>
+              <a:rPr lang="en-US" sz="1400" dirty="0">
+                <a:solidFill>
+                  <a:srgbClr val="000000"/>
+                </a:solidFill>
+                <a:latin typeface="Calibri" panose="020F0502020204030204" pitchFamily="34" charset="0"/>
+                <a:ea typeface="Calibri" panose="020F0502020204030204" pitchFamily="34" charset="0"/>
+                <a:cs typeface="Arial" panose="020B0604020202020204" pitchFamily="34" charset="0"/>
+              </a:rPr>
+            </a:br>
+            <a:r>
+              <a:rPr lang="en-US" sz="1400" dirty="0">
+                <a:solidFill>
+                  <a:srgbClr val="000000"/>
+                </a:solidFill>
+                <a:latin typeface="Calibri" panose="020F0502020204030204" pitchFamily="34" charset="0"/>
+                <a:ea typeface="Calibri" panose="020F0502020204030204" pitchFamily="34" charset="0"/>
+                <a:cs typeface="Arial" panose="020B0604020202020204" pitchFamily="34" charset="0"/>
+              </a:rPr>
+              <a:t>        </a:t>
+            </a:r>
+            <a:r>
+              <a:rPr lang="en-US" sz="1400" b="1" i="1" dirty="0">
+                <a:solidFill>
+                  <a:srgbClr val="660E7A"/>
+                </a:solidFill>
+                <a:latin typeface="Calibri" panose="020F0502020204030204" pitchFamily="34" charset="0"/>
+                <a:ea typeface="Calibri" panose="020F0502020204030204" pitchFamily="34" charset="0"/>
+                <a:cs typeface="Arial" panose="020B0604020202020204" pitchFamily="34" charset="0"/>
+              </a:rPr>
+              <a:t>console</a:t>
+            </a:r>
+            <a:r>
+              <a:rPr lang="en-US" sz="1400" dirty="0">
+                <a:solidFill>
+                  <a:srgbClr val="000000"/>
+                </a:solidFill>
+                <a:latin typeface="Calibri" panose="020F0502020204030204" pitchFamily="34" charset="0"/>
+                <a:ea typeface="Calibri" panose="020F0502020204030204" pitchFamily="34" charset="0"/>
+                <a:cs typeface="Arial" panose="020B0604020202020204" pitchFamily="34" charset="0"/>
+              </a:rPr>
+              <a:t>.</a:t>
+            </a:r>
+            <a:r>
+              <a:rPr lang="en-US" sz="1400" dirty="0">
+                <a:solidFill>
+                  <a:srgbClr val="7A7A43"/>
+                </a:solidFill>
+                <a:latin typeface="Calibri" panose="020F0502020204030204" pitchFamily="34" charset="0"/>
+                <a:ea typeface="Calibri" panose="020F0502020204030204" pitchFamily="34" charset="0"/>
+                <a:cs typeface="Arial" panose="020B0604020202020204" pitchFamily="34" charset="0"/>
+              </a:rPr>
+              <a:t>log</a:t>
+            </a:r>
+            <a:r>
+              <a:rPr lang="en-US" sz="1400" dirty="0">
+                <a:solidFill>
+                  <a:srgbClr val="000000"/>
+                </a:solidFill>
+                <a:latin typeface="Calibri" panose="020F0502020204030204" pitchFamily="34" charset="0"/>
+                <a:ea typeface="Calibri" panose="020F0502020204030204" pitchFamily="34" charset="0"/>
+                <a:cs typeface="Arial" panose="020B0604020202020204" pitchFamily="34" charset="0"/>
+              </a:rPr>
+              <a:t>(</a:t>
+            </a:r>
+            <a:r>
+              <a:rPr lang="en-US" sz="1400" b="1" dirty="0">
+                <a:solidFill>
+                  <a:srgbClr val="008000"/>
+                </a:solidFill>
+                <a:latin typeface="Calibri" panose="020F0502020204030204" pitchFamily="34" charset="0"/>
+                <a:ea typeface="Calibri" panose="020F0502020204030204" pitchFamily="34" charset="0"/>
+                <a:cs typeface="Arial" panose="020B0604020202020204" pitchFamily="34" charset="0"/>
+              </a:rPr>
+              <a:t>"</a:t>
+            </a:r>
+            <a:r>
+              <a:rPr lang="en-US" sz="1400" b="1" dirty="0" err="1">
+                <a:solidFill>
+                  <a:srgbClr val="008000"/>
+                </a:solidFill>
+                <a:latin typeface="Calibri" panose="020F0502020204030204" pitchFamily="34" charset="0"/>
+                <a:ea typeface="Calibri" panose="020F0502020204030204" pitchFamily="34" charset="0"/>
+                <a:cs typeface="Arial" panose="020B0604020202020204" pitchFamily="34" charset="0"/>
+              </a:rPr>
+              <a:t>LazyModule</a:t>
+            </a:r>
+            <a:r>
+              <a:rPr lang="en-US" sz="1400" b="1" dirty="0">
+                <a:solidFill>
+                  <a:srgbClr val="008000"/>
+                </a:solidFill>
+                <a:latin typeface="Calibri" panose="020F0502020204030204" pitchFamily="34" charset="0"/>
+                <a:ea typeface="Calibri" panose="020F0502020204030204" pitchFamily="34" charset="0"/>
+                <a:cs typeface="Arial" panose="020B0604020202020204" pitchFamily="34" charset="0"/>
+              </a:rPr>
+              <a:t>"</a:t>
+            </a:r>
+            <a:r>
+              <a:rPr lang="en-US" sz="1400" dirty="0">
+                <a:solidFill>
+                  <a:srgbClr val="000000"/>
+                </a:solidFill>
+                <a:latin typeface="Calibri" panose="020F0502020204030204" pitchFamily="34" charset="0"/>
+                <a:ea typeface="Calibri" panose="020F0502020204030204" pitchFamily="34" charset="0"/>
+                <a:cs typeface="Arial" panose="020B0604020202020204" pitchFamily="34" charset="0"/>
+              </a:rPr>
+              <a:t>);</a:t>
+            </a:r>
+            <a:br>
+              <a:rPr lang="en-US" sz="1400" dirty="0">
+                <a:solidFill>
+                  <a:srgbClr val="000000"/>
+                </a:solidFill>
+                <a:latin typeface="Calibri" panose="020F0502020204030204" pitchFamily="34" charset="0"/>
+                <a:ea typeface="Calibri" panose="020F0502020204030204" pitchFamily="34" charset="0"/>
+                <a:cs typeface="Arial" panose="020B0604020202020204" pitchFamily="34" charset="0"/>
+              </a:rPr>
+            </a:br>
+            <a:r>
+              <a:rPr lang="en-US" sz="1400" dirty="0">
+                <a:solidFill>
+                  <a:srgbClr val="000000"/>
+                </a:solidFill>
+                <a:latin typeface="Calibri" panose="020F0502020204030204" pitchFamily="34" charset="0"/>
+                <a:ea typeface="Calibri" panose="020F0502020204030204" pitchFamily="34" charset="0"/>
+                <a:cs typeface="Arial" panose="020B0604020202020204" pitchFamily="34" charset="0"/>
+              </a:rPr>
+              <a:t>    }</a:t>
+            </a:r>
+            <a:br>
+              <a:rPr lang="en-US" sz="1400" dirty="0">
+                <a:solidFill>
+                  <a:srgbClr val="000000"/>
+                </a:solidFill>
+                <a:latin typeface="Calibri" panose="020F0502020204030204" pitchFamily="34" charset="0"/>
+                <a:ea typeface="Calibri" panose="020F0502020204030204" pitchFamily="34" charset="0"/>
+                <a:cs typeface="Arial" panose="020B0604020202020204" pitchFamily="34" charset="0"/>
+              </a:rPr>
+            </a:br>
+            <a:r>
+              <a:rPr lang="en-US" sz="1400" dirty="0">
+                <a:solidFill>
+                  <a:srgbClr val="000000"/>
+                </a:solidFill>
+                <a:latin typeface="Calibri" panose="020F0502020204030204" pitchFamily="34" charset="0"/>
+                <a:ea typeface="Calibri" panose="020F0502020204030204" pitchFamily="34" charset="0"/>
+                <a:cs typeface="Arial" panose="020B0604020202020204" pitchFamily="34" charset="0"/>
+              </a:rPr>
+              <a:t>}</a:t>
+            </a:r>
+            <a:endParaRPr lang="he-IL" sz="1400" dirty="0"/>
+          </a:p>
+        </p:txBody>
+      </p:sp>
+      <p:sp>
+        <p:nvSpPr>
+          <p:cNvPr id="7" name="Rectangle 6"/>
+          <p:cNvSpPr/>
+          <p:nvPr/>
+        </p:nvSpPr>
+        <p:spPr>
+          <a:xfrm>
+            <a:off x="683568" y="2276872"/>
+            <a:ext cx="1800200" cy="1224136"/>
+          </a:xfrm>
+          <a:prstGeom prst="rect">
+            <a:avLst/>
+          </a:prstGeom>
+        </p:spPr>
+        <p:style>
+          <a:lnRef idx="2">
+            <a:schemeClr val="accent4">
+              <a:shade val="50000"/>
+            </a:schemeClr>
+          </a:lnRef>
+          <a:fillRef idx="1">
+            <a:schemeClr val="accent4"/>
+          </a:fillRef>
+          <a:effectRef idx="0">
+            <a:schemeClr val="accent4"/>
+          </a:effectRef>
+          <a:fontRef idx="minor">
+            <a:schemeClr val="lt1"/>
+          </a:fontRef>
+        </p:style>
+        <p:txBody>
+          <a:bodyPr rtlCol="1" anchor="ctr"/>
+          <a:lstStyle/>
+          <a:p>
+            <a:pPr algn="ctr"/>
+            <a:r>
+              <a:rPr lang="en-US" sz="1400" dirty="0"/>
+              <a:t>Importing again </a:t>
+            </a:r>
+            <a:r>
+              <a:rPr lang="en-US" sz="1400" dirty="0" err="1"/>
+              <a:t>CommonModule</a:t>
+            </a:r>
+            <a:r>
+              <a:rPr lang="en-US" sz="1400" dirty="0"/>
+              <a:t> means a redefinition of all its providers</a:t>
+            </a:r>
+            <a:endParaRPr lang="he-IL" sz="1400" dirty="0"/>
+          </a:p>
+        </p:txBody>
+      </p:sp>
+      <p:cxnSp>
+        <p:nvCxnSpPr>
+          <p:cNvPr id="8" name="Straight Arrow Connector 7"/>
+          <p:cNvCxnSpPr>
+            <a:cxnSpLocks/>
+            <a:stCxn id="7" idx="3"/>
+          </p:cNvCxnSpPr>
+          <p:nvPr/>
+        </p:nvCxnSpPr>
+        <p:spPr>
+          <a:xfrm flipV="1">
+            <a:off x="2483768" y="2564904"/>
+            <a:ext cx="1224136" cy="324036"/>
+          </a:xfrm>
+          <a:prstGeom prst="straightConnector1">
+            <a:avLst/>
+          </a:prstGeom>
+          <a:ln w="15875">
+            <a:tailEnd type="triangle"/>
+          </a:ln>
+        </p:spPr>
+        <p:style>
+          <a:lnRef idx="1">
+            <a:schemeClr val="accent1"/>
+          </a:lnRef>
+          <a:fillRef idx="0">
+            <a:schemeClr val="accent1"/>
+          </a:fillRef>
+          <a:effectRef idx="0">
+            <a:schemeClr val="accent1"/>
+          </a:effectRef>
+          <a:fontRef idx="minor">
+            <a:schemeClr val="tx1"/>
+          </a:fontRef>
+        </p:style>
+      </p:cxnSp>
+      <p:sp>
+        <p:nvSpPr>
+          <p:cNvPr id="12" name="Rectangle 11"/>
+          <p:cNvSpPr/>
+          <p:nvPr/>
+        </p:nvSpPr>
+        <p:spPr>
+          <a:xfrm>
+            <a:off x="6659724" y="3146487"/>
+            <a:ext cx="1512676" cy="1146609"/>
+          </a:xfrm>
+          <a:prstGeom prst="rect">
+            <a:avLst/>
+          </a:prstGeom>
+        </p:spPr>
+        <p:style>
+          <a:lnRef idx="2">
+            <a:schemeClr val="accent4">
+              <a:shade val="50000"/>
+            </a:schemeClr>
+          </a:lnRef>
+          <a:fillRef idx="1">
+            <a:schemeClr val="accent4"/>
+          </a:fillRef>
+          <a:effectRef idx="0">
+            <a:schemeClr val="accent4"/>
+          </a:effectRef>
+          <a:fontRef idx="minor">
+            <a:schemeClr val="lt1"/>
+          </a:fontRef>
+        </p:style>
+        <p:txBody>
+          <a:bodyPr rtlCol="1" anchor="ctr"/>
+          <a:lstStyle/>
+          <a:p>
+            <a:pPr algn="ctr"/>
+            <a:r>
+              <a:rPr lang="en-US" sz="1400" dirty="0"/>
+              <a:t>This is a new provider downloaded with the module</a:t>
+            </a:r>
+            <a:endParaRPr lang="he-IL" sz="1400" dirty="0"/>
+          </a:p>
+        </p:txBody>
+      </p:sp>
+      <p:cxnSp>
+        <p:nvCxnSpPr>
+          <p:cNvPr id="13" name="Straight Arrow Connector 12"/>
+          <p:cNvCxnSpPr>
+            <a:cxnSpLocks/>
+            <a:stCxn id="12" idx="1"/>
+          </p:cNvCxnSpPr>
+          <p:nvPr/>
+        </p:nvCxnSpPr>
+        <p:spPr>
+          <a:xfrm flipH="1" flipV="1">
+            <a:off x="4644008" y="3212978"/>
+            <a:ext cx="2015716" cy="506814"/>
+          </a:xfrm>
+          <a:prstGeom prst="straightConnector1">
+            <a:avLst/>
+          </a:prstGeom>
+          <a:ln w="15875">
+            <a:tailEnd type="triangle"/>
+          </a:ln>
+        </p:spPr>
+        <p:style>
+          <a:lnRef idx="1">
+            <a:schemeClr val="accent1"/>
+          </a:lnRef>
+          <a:fillRef idx="0">
+            <a:schemeClr val="accent1"/>
+          </a:fillRef>
+          <a:effectRef idx="0">
+            <a:schemeClr val="accent1"/>
+          </a:effectRef>
+          <a:fontRef idx="minor">
+            <a:schemeClr val="tx1"/>
+          </a:fontRef>
+        </p:style>
+      </p:cxnSp>
+    </p:spTree>
+    <p:extLst>
+      <p:ext uri="{BB962C8B-B14F-4D97-AF65-F5344CB8AC3E}">
+        <p14:creationId xmlns:p14="http://schemas.microsoft.com/office/powerpoint/2010/main" val="2261345771"/>
       </p:ext>
     </p:extLst>
   </p:cSld>
@@ -24027,12 +27993,18 @@
         </p:nvSpPr>
         <p:spPr>
           <a:xfrm>
-            <a:off x="612648" y="1700808"/>
+            <a:off x="1043608" y="1672444"/>
             <a:ext cx="2591200" cy="2031325"/>
           </a:xfrm>
           <a:prstGeom prst="rect">
             <a:avLst/>
           </a:prstGeom>
+          <a:solidFill>
+            <a:schemeClr val="accent1">
+              <a:lumMod val="40000"/>
+              <a:lumOff val="60000"/>
+            </a:schemeClr>
+          </a:solidFill>
         </p:spPr>
         <p:txBody>
           <a:bodyPr wrap="square">
@@ -24506,12 +28478,18 @@
         </p:nvSpPr>
         <p:spPr>
           <a:xfrm>
-            <a:off x="5508104" y="1844824"/>
+            <a:off x="5712211" y="1672443"/>
             <a:ext cx="2430016" cy="2031325"/>
           </a:xfrm>
           <a:prstGeom prst="rect">
             <a:avLst/>
           </a:prstGeom>
+          <a:solidFill>
+            <a:schemeClr val="accent1">
+              <a:lumMod val="40000"/>
+              <a:lumOff val="60000"/>
+            </a:schemeClr>
+          </a:solidFill>
         </p:spPr>
         <p:txBody>
           <a:bodyPr wrap="square">
@@ -24897,12 +28875,18 @@
         </p:nvSpPr>
         <p:spPr>
           <a:xfrm>
-            <a:off x="1908248" y="3873435"/>
+            <a:off x="2403348" y="3933056"/>
             <a:ext cx="4572000" cy="2462213"/>
           </a:xfrm>
           <a:prstGeom prst="rect">
             <a:avLst/>
           </a:prstGeom>
+          <a:solidFill>
+            <a:schemeClr val="accent1">
+              <a:lumMod val="40000"/>
+              <a:lumOff val="60000"/>
+            </a:schemeClr>
+          </a:solidFill>
         </p:spPr>
         <p:txBody>
           <a:bodyPr>
@@ -25438,10 +29422,17 @@
               <a:gd name="adj2" fmla="val -8333"/>
               <a:gd name="adj3" fmla="val 18750"/>
               <a:gd name="adj4" fmla="val -16667"/>
-              <a:gd name="adj5" fmla="val -195124"/>
-              <a:gd name="adj6" fmla="val -42833"/>
+              <a:gd name="adj5" fmla="val -220429"/>
+              <a:gd name="adj6" fmla="val -20753"/>
             </a:avLst>
           </a:prstGeom>
+          <a:solidFill>
+            <a:schemeClr val="accent4"/>
+          </a:solidFill>
+          <a:ln>
+            <a:headEnd type="none"/>
+            <a:tailEnd type="triangle"/>
+          </a:ln>
         </p:spPr>
         <p:style>
           <a:lnRef idx="2">
@@ -25488,10 +29479,17 @@
               <a:gd name="adj2" fmla="val 105009"/>
               <a:gd name="adj3" fmla="val 23570"/>
               <a:gd name="adj4" fmla="val 104771"/>
-              <a:gd name="adj5" fmla="val -36062"/>
-              <a:gd name="adj6" fmla="val 357545"/>
+              <a:gd name="adj5" fmla="val -32447"/>
+              <a:gd name="adj6" fmla="val 412008"/>
             </a:avLst>
           </a:prstGeom>
+          <a:solidFill>
+            <a:schemeClr val="accent4"/>
+          </a:solidFill>
+          <a:ln>
+            <a:headEnd type="none"/>
+            <a:tailEnd type="triangle"/>
+          </a:ln>
         </p:spPr>
         <p:style>
           <a:lnRef idx="2">
@@ -25515,9 +29513,10 @@
           <a:p>
             <a:pPr algn="ctr"/>
             <a:r>
-              <a:rPr lang="en-US" sz="1400" dirty="0"/>
+              <a:rPr lang="en-US" sz="1400"/>
               <a:t>Dependency Token (again)</a:t>
             </a:r>
+            <a:endParaRPr lang="en-US" sz="1400" dirty="0"/>
           </a:p>
         </p:txBody>
       </p:sp>
@@ -25525,6 +29524,1371 @@
     <p:extLst>
       <p:ext uri="{BB962C8B-B14F-4D97-AF65-F5344CB8AC3E}">
         <p14:creationId xmlns:p14="http://schemas.microsoft.com/office/powerpoint/2010/main" val="982039903"/>
+      </p:ext>
+    </p:extLst>
+  </p:cSld>
+  <p:clrMapOvr>
+    <a:masterClrMapping/>
+  </p:clrMapOvr>
+</p:sld>
+</file>
+
+<file path=ppt/slides/slide40.xml><?xml version="1.0" encoding="utf-8"?>
+<p:sld xmlns:a="http://schemas.openxmlformats.org/drawingml/2006/main" xmlns:r="http://schemas.openxmlformats.org/officeDocument/2006/relationships" xmlns:p="http://schemas.openxmlformats.org/presentationml/2006/main">
+  <p:cSld>
+    <p:spTree>
+      <p:nvGrpSpPr>
+        <p:cNvPr id="1" name=""/>
+        <p:cNvGrpSpPr/>
+        <p:nvPr/>
+      </p:nvGrpSpPr>
+      <p:grpSpPr>
+        <a:xfrm>
+          <a:off x="0" y="0"/>
+          <a:ext cx="0" cy="0"/>
+          <a:chOff x="0" y="0"/>
+          <a:chExt cx="0" cy="0"/>
+        </a:xfrm>
+      </p:grpSpPr>
+      <p:sp>
+        <p:nvSpPr>
+          <p:cNvPr id="2" name="Title 1"/>
+          <p:cNvSpPr>
+            <a:spLocks noGrp="1"/>
+          </p:cNvSpPr>
+          <p:nvPr>
+            <p:ph type="title"/>
+          </p:nvPr>
+        </p:nvSpPr>
+        <p:spPr/>
+        <p:txBody>
+          <a:bodyPr/>
+          <a:lstStyle/>
+          <a:p>
+            <a:r>
+              <a:rPr lang="en-US" dirty="0" err="1"/>
+              <a:t>forRoot</a:t>
+            </a:r>
+            <a:r>
+              <a:rPr lang="en-US" dirty="0"/>
+              <a:t> &amp; </a:t>
+            </a:r>
+            <a:r>
+              <a:rPr lang="en-US" dirty="0" err="1"/>
+              <a:t>forChild</a:t>
+            </a:r>
+            <a:endParaRPr lang="he-IL" dirty="0"/>
+          </a:p>
+        </p:txBody>
+      </p:sp>
+      <p:sp>
+        <p:nvSpPr>
+          <p:cNvPr id="3" name="Footer Placeholder 2"/>
+          <p:cNvSpPr>
+            <a:spLocks noGrp="1"/>
+          </p:cNvSpPr>
+          <p:nvPr>
+            <p:ph type="ftr" sz="quarter" idx="11"/>
+          </p:nvPr>
+        </p:nvSpPr>
+        <p:spPr/>
+        <p:txBody>
+          <a:bodyPr/>
+          <a:lstStyle/>
+          <a:p>
+            <a:r>
+              <a:rPr lang="en-US"/>
+              <a:t>© 2016 Ori Calvo</a:t>
+            </a:r>
+            <a:endParaRPr lang="en-US" dirty="0"/>
+          </a:p>
+        </p:txBody>
+      </p:sp>
+      <p:sp>
+        <p:nvSpPr>
+          <p:cNvPr id="4" name="Slide Number Placeholder 3"/>
+          <p:cNvSpPr>
+            <a:spLocks noGrp="1"/>
+          </p:cNvSpPr>
+          <p:nvPr>
+            <p:ph type="sldNum" sz="quarter" idx="12"/>
+          </p:nvPr>
+        </p:nvSpPr>
+        <p:spPr/>
+        <p:txBody>
+          <a:bodyPr>
+            <a:normAutofit fontScale="85000" lnSpcReduction="20000"/>
+          </a:bodyPr>
+          <a:lstStyle/>
+          <a:p>
+            <a:fld id="{6EDEC3BC-0694-4586-AE63-02B4D54ABF43}" type="slidenum">
+              <a:rPr lang="en-US" smtClean="0"/>
+              <a:pPr/>
+              <a:t>40</a:t>
+            </a:fld>
+            <a:endParaRPr lang="en-US"/>
+          </a:p>
+        </p:txBody>
+      </p:sp>
+      <p:sp>
+        <p:nvSpPr>
+          <p:cNvPr id="7" name="Rectangle 6"/>
+          <p:cNvSpPr/>
+          <p:nvPr/>
+        </p:nvSpPr>
+        <p:spPr>
+          <a:xfrm>
+            <a:off x="2403348" y="1844824"/>
+            <a:ext cx="4572000" cy="4401205"/>
+          </a:xfrm>
+          <a:prstGeom prst="rect">
+            <a:avLst/>
+          </a:prstGeom>
+          <a:solidFill>
+            <a:schemeClr val="accent1">
+              <a:lumMod val="40000"/>
+              <a:lumOff val="60000"/>
+            </a:schemeClr>
+          </a:solidFill>
+        </p:spPr>
+        <p:txBody>
+          <a:bodyPr>
+            <a:spAutoFit/>
+          </a:bodyPr>
+          <a:lstStyle/>
+          <a:p>
+            <a:r>
+              <a:rPr lang="en-US" sz="1400" dirty="0">
+                <a:solidFill>
+                  <a:srgbClr val="000000"/>
+                </a:solidFill>
+                <a:latin typeface="Calibri" panose="020F0502020204030204" pitchFamily="34" charset="0"/>
+                <a:ea typeface="Calibri" panose="020F0502020204030204" pitchFamily="34" charset="0"/>
+                <a:cs typeface="Arial" panose="020B0604020202020204" pitchFamily="34" charset="0"/>
+              </a:rPr>
+              <a:t>@</a:t>
+            </a:r>
+            <a:r>
+              <a:rPr lang="en-US" sz="1400" dirty="0" err="1">
+                <a:solidFill>
+                  <a:srgbClr val="000000"/>
+                </a:solidFill>
+                <a:latin typeface="Calibri" panose="020F0502020204030204" pitchFamily="34" charset="0"/>
+                <a:ea typeface="Calibri" panose="020F0502020204030204" pitchFamily="34" charset="0"/>
+                <a:cs typeface="Arial" panose="020B0604020202020204" pitchFamily="34" charset="0"/>
+              </a:rPr>
+              <a:t>NgModule</a:t>
+            </a:r>
+            <a:r>
+              <a:rPr lang="en-US" sz="1400" dirty="0">
+                <a:solidFill>
+                  <a:srgbClr val="000000"/>
+                </a:solidFill>
+                <a:latin typeface="Calibri" panose="020F0502020204030204" pitchFamily="34" charset="0"/>
+                <a:ea typeface="Calibri" panose="020F0502020204030204" pitchFamily="34" charset="0"/>
+                <a:cs typeface="Arial" panose="020B0604020202020204" pitchFamily="34" charset="0"/>
+              </a:rPr>
+              <a:t>({</a:t>
+            </a:r>
+            <a:br>
+              <a:rPr lang="en-US" sz="1400" dirty="0">
+                <a:solidFill>
+                  <a:srgbClr val="000000"/>
+                </a:solidFill>
+                <a:latin typeface="Calibri" panose="020F0502020204030204" pitchFamily="34" charset="0"/>
+                <a:ea typeface="Calibri" panose="020F0502020204030204" pitchFamily="34" charset="0"/>
+                <a:cs typeface="Arial" panose="020B0604020202020204" pitchFamily="34" charset="0"/>
+              </a:rPr>
+            </a:br>
+            <a:r>
+              <a:rPr lang="en-US" sz="1400" dirty="0">
+                <a:solidFill>
+                  <a:srgbClr val="000000"/>
+                </a:solidFill>
+                <a:latin typeface="Calibri" panose="020F0502020204030204" pitchFamily="34" charset="0"/>
+                <a:ea typeface="Calibri" panose="020F0502020204030204" pitchFamily="34" charset="0"/>
+                <a:cs typeface="Arial" panose="020B0604020202020204" pitchFamily="34" charset="0"/>
+              </a:rPr>
+              <a:t>    </a:t>
+            </a:r>
+            <a:r>
+              <a:rPr lang="en-US" sz="1400" b="1" dirty="0">
+                <a:solidFill>
+                  <a:srgbClr val="660E7A"/>
+                </a:solidFill>
+                <a:latin typeface="Calibri" panose="020F0502020204030204" pitchFamily="34" charset="0"/>
+                <a:ea typeface="Calibri" panose="020F0502020204030204" pitchFamily="34" charset="0"/>
+                <a:cs typeface="Arial" panose="020B0604020202020204" pitchFamily="34" charset="0"/>
+              </a:rPr>
+              <a:t>declarations</a:t>
+            </a:r>
+            <a:r>
+              <a:rPr lang="en-US" sz="1400" dirty="0">
+                <a:solidFill>
+                  <a:srgbClr val="000000"/>
+                </a:solidFill>
+                <a:latin typeface="Calibri" panose="020F0502020204030204" pitchFamily="34" charset="0"/>
+                <a:ea typeface="Calibri" panose="020F0502020204030204" pitchFamily="34" charset="0"/>
+                <a:cs typeface="Arial" panose="020B0604020202020204" pitchFamily="34" charset="0"/>
+              </a:rPr>
+              <a:t>: [</a:t>
+            </a:r>
+            <a:r>
+              <a:rPr lang="en-US" sz="1400" dirty="0" err="1">
+                <a:solidFill>
+                  <a:srgbClr val="000000"/>
+                </a:solidFill>
+                <a:latin typeface="Calibri" panose="020F0502020204030204" pitchFamily="34" charset="0"/>
+                <a:ea typeface="Calibri" panose="020F0502020204030204" pitchFamily="34" charset="0"/>
+                <a:cs typeface="Arial" panose="020B0604020202020204" pitchFamily="34" charset="0"/>
+              </a:rPr>
+              <a:t>CommonComponent</a:t>
+            </a:r>
+            <a:r>
+              <a:rPr lang="en-US" sz="1400" dirty="0">
+                <a:solidFill>
+                  <a:srgbClr val="000000"/>
+                </a:solidFill>
+                <a:latin typeface="Calibri" panose="020F0502020204030204" pitchFamily="34" charset="0"/>
+                <a:ea typeface="Calibri" panose="020F0502020204030204" pitchFamily="34" charset="0"/>
+                <a:cs typeface="Arial" panose="020B0604020202020204" pitchFamily="34" charset="0"/>
+              </a:rPr>
+              <a:t>],</a:t>
+            </a:r>
+            <a:br>
+              <a:rPr lang="en-US" sz="1400" dirty="0">
+                <a:solidFill>
+                  <a:srgbClr val="000000"/>
+                </a:solidFill>
+                <a:latin typeface="Calibri" panose="020F0502020204030204" pitchFamily="34" charset="0"/>
+                <a:ea typeface="Calibri" panose="020F0502020204030204" pitchFamily="34" charset="0"/>
+                <a:cs typeface="Arial" panose="020B0604020202020204" pitchFamily="34" charset="0"/>
+              </a:rPr>
+            </a:br>
+            <a:r>
+              <a:rPr lang="en-US" sz="1400" dirty="0">
+                <a:solidFill>
+                  <a:srgbClr val="000000"/>
+                </a:solidFill>
+                <a:latin typeface="Calibri" panose="020F0502020204030204" pitchFamily="34" charset="0"/>
+                <a:ea typeface="Calibri" panose="020F0502020204030204" pitchFamily="34" charset="0"/>
+                <a:cs typeface="Arial" panose="020B0604020202020204" pitchFamily="34" charset="0"/>
+              </a:rPr>
+              <a:t>    </a:t>
+            </a:r>
+            <a:r>
+              <a:rPr lang="en-US" sz="1400" b="1" dirty="0">
+                <a:solidFill>
+                  <a:srgbClr val="660E7A"/>
+                </a:solidFill>
+                <a:latin typeface="Calibri" panose="020F0502020204030204" pitchFamily="34" charset="0"/>
+                <a:ea typeface="Calibri" panose="020F0502020204030204" pitchFamily="34" charset="0"/>
+                <a:cs typeface="Arial" panose="020B0604020202020204" pitchFamily="34" charset="0"/>
+              </a:rPr>
+              <a:t>exports</a:t>
+            </a:r>
+            <a:r>
+              <a:rPr lang="en-US" sz="1400" dirty="0">
+                <a:solidFill>
+                  <a:srgbClr val="000000"/>
+                </a:solidFill>
+                <a:latin typeface="Calibri" panose="020F0502020204030204" pitchFamily="34" charset="0"/>
+                <a:ea typeface="Calibri" panose="020F0502020204030204" pitchFamily="34" charset="0"/>
+                <a:cs typeface="Arial" panose="020B0604020202020204" pitchFamily="34" charset="0"/>
+              </a:rPr>
+              <a:t>: [</a:t>
+            </a:r>
+            <a:r>
+              <a:rPr lang="en-US" sz="1400" dirty="0" err="1">
+                <a:solidFill>
+                  <a:srgbClr val="000000"/>
+                </a:solidFill>
+                <a:latin typeface="Calibri" panose="020F0502020204030204" pitchFamily="34" charset="0"/>
+                <a:ea typeface="Calibri" panose="020F0502020204030204" pitchFamily="34" charset="0"/>
+                <a:cs typeface="Arial" panose="020B0604020202020204" pitchFamily="34" charset="0"/>
+              </a:rPr>
+              <a:t>CommonComponent</a:t>
+            </a:r>
+            <a:r>
+              <a:rPr lang="en-US" sz="1400" dirty="0">
+                <a:solidFill>
+                  <a:srgbClr val="000000"/>
+                </a:solidFill>
+                <a:latin typeface="Calibri" panose="020F0502020204030204" pitchFamily="34" charset="0"/>
+                <a:ea typeface="Calibri" panose="020F0502020204030204" pitchFamily="34" charset="0"/>
+                <a:cs typeface="Arial" panose="020B0604020202020204" pitchFamily="34" charset="0"/>
+              </a:rPr>
+              <a:t>]</a:t>
+            </a:r>
+            <a:br>
+              <a:rPr lang="en-US" sz="1400" dirty="0">
+                <a:solidFill>
+                  <a:srgbClr val="000000"/>
+                </a:solidFill>
+                <a:latin typeface="Calibri" panose="020F0502020204030204" pitchFamily="34" charset="0"/>
+                <a:ea typeface="Calibri" panose="020F0502020204030204" pitchFamily="34" charset="0"/>
+                <a:cs typeface="Arial" panose="020B0604020202020204" pitchFamily="34" charset="0"/>
+              </a:rPr>
+            </a:br>
+            <a:r>
+              <a:rPr lang="en-US" sz="1400" dirty="0">
+                <a:solidFill>
+                  <a:srgbClr val="000000"/>
+                </a:solidFill>
+                <a:latin typeface="Calibri" panose="020F0502020204030204" pitchFamily="34" charset="0"/>
+                <a:ea typeface="Calibri" panose="020F0502020204030204" pitchFamily="34" charset="0"/>
+                <a:cs typeface="Arial" panose="020B0604020202020204" pitchFamily="34" charset="0"/>
+              </a:rPr>
+              <a:t>})</a:t>
+            </a:r>
+            <a:br>
+              <a:rPr lang="en-US" sz="1400" dirty="0">
+                <a:solidFill>
+                  <a:srgbClr val="000000"/>
+                </a:solidFill>
+                <a:latin typeface="Calibri" panose="020F0502020204030204" pitchFamily="34" charset="0"/>
+                <a:ea typeface="Calibri" panose="020F0502020204030204" pitchFamily="34" charset="0"/>
+                <a:cs typeface="Arial" panose="020B0604020202020204" pitchFamily="34" charset="0"/>
+              </a:rPr>
+            </a:br>
+            <a:r>
+              <a:rPr lang="en-US" sz="1400" b="1" dirty="0">
+                <a:solidFill>
+                  <a:srgbClr val="000080"/>
+                </a:solidFill>
+                <a:latin typeface="Calibri" panose="020F0502020204030204" pitchFamily="34" charset="0"/>
+                <a:ea typeface="Calibri" panose="020F0502020204030204" pitchFamily="34" charset="0"/>
+                <a:cs typeface="Arial" panose="020B0604020202020204" pitchFamily="34" charset="0"/>
+              </a:rPr>
+              <a:t>export class </a:t>
+            </a:r>
+            <a:r>
+              <a:rPr lang="en-US" sz="1400" dirty="0" err="1">
+                <a:solidFill>
+                  <a:srgbClr val="000000"/>
+                </a:solidFill>
+                <a:latin typeface="Calibri" panose="020F0502020204030204" pitchFamily="34" charset="0"/>
+                <a:ea typeface="Calibri" panose="020F0502020204030204" pitchFamily="34" charset="0"/>
+                <a:cs typeface="Arial" panose="020B0604020202020204" pitchFamily="34" charset="0"/>
+              </a:rPr>
+              <a:t>CommonModule</a:t>
+            </a:r>
+            <a:r>
+              <a:rPr lang="en-US" sz="1400" dirty="0">
+                <a:solidFill>
+                  <a:srgbClr val="000000"/>
+                </a:solidFill>
+                <a:latin typeface="Calibri" panose="020F0502020204030204" pitchFamily="34" charset="0"/>
+                <a:ea typeface="Calibri" panose="020F0502020204030204" pitchFamily="34" charset="0"/>
+                <a:cs typeface="Arial" panose="020B0604020202020204" pitchFamily="34" charset="0"/>
+              </a:rPr>
+              <a:t> {</a:t>
+            </a:r>
+            <a:br>
+              <a:rPr lang="en-US" sz="1400" dirty="0">
+                <a:solidFill>
+                  <a:srgbClr val="000000"/>
+                </a:solidFill>
+                <a:latin typeface="Calibri" panose="020F0502020204030204" pitchFamily="34" charset="0"/>
+                <a:ea typeface="Calibri" panose="020F0502020204030204" pitchFamily="34" charset="0"/>
+                <a:cs typeface="Arial" panose="020B0604020202020204" pitchFamily="34" charset="0"/>
+              </a:rPr>
+            </a:br>
+            <a:r>
+              <a:rPr lang="en-US" sz="1400" dirty="0">
+                <a:solidFill>
+                  <a:srgbClr val="000000"/>
+                </a:solidFill>
+                <a:latin typeface="Calibri" panose="020F0502020204030204" pitchFamily="34" charset="0"/>
+                <a:ea typeface="Calibri" panose="020F0502020204030204" pitchFamily="34" charset="0"/>
+                <a:cs typeface="Arial" panose="020B0604020202020204" pitchFamily="34" charset="0"/>
+              </a:rPr>
+              <a:t>    </a:t>
+            </a:r>
+            <a:r>
+              <a:rPr lang="en-US" sz="1400" b="1" dirty="0">
+                <a:solidFill>
+                  <a:srgbClr val="000080"/>
+                </a:solidFill>
+                <a:latin typeface="Calibri" panose="020F0502020204030204" pitchFamily="34" charset="0"/>
+                <a:ea typeface="Calibri" panose="020F0502020204030204" pitchFamily="34" charset="0"/>
+                <a:cs typeface="Arial" panose="020B0604020202020204" pitchFamily="34" charset="0"/>
+              </a:rPr>
+              <a:t>static </a:t>
+            </a:r>
+            <a:r>
+              <a:rPr lang="en-US" sz="1400" i="1" dirty="0" err="1">
+                <a:solidFill>
+                  <a:srgbClr val="000000"/>
+                </a:solidFill>
+                <a:latin typeface="Calibri" panose="020F0502020204030204" pitchFamily="34" charset="0"/>
+                <a:ea typeface="Calibri" panose="020F0502020204030204" pitchFamily="34" charset="0"/>
+                <a:cs typeface="Arial" panose="020B0604020202020204" pitchFamily="34" charset="0"/>
+              </a:rPr>
+              <a:t>forRoot</a:t>
+            </a:r>
+            <a:r>
+              <a:rPr lang="en-US" sz="1400" dirty="0">
+                <a:solidFill>
+                  <a:srgbClr val="000000"/>
+                </a:solidFill>
+                <a:latin typeface="Calibri" panose="020F0502020204030204" pitchFamily="34" charset="0"/>
+                <a:ea typeface="Calibri" panose="020F0502020204030204" pitchFamily="34" charset="0"/>
+                <a:cs typeface="Arial" panose="020B0604020202020204" pitchFamily="34" charset="0"/>
+              </a:rPr>
+              <a:t>(): </a:t>
+            </a:r>
+            <a:r>
+              <a:rPr lang="en-US" sz="1400" dirty="0" err="1">
+                <a:solidFill>
+                  <a:srgbClr val="000000"/>
+                </a:solidFill>
+                <a:latin typeface="Calibri" panose="020F0502020204030204" pitchFamily="34" charset="0"/>
+                <a:ea typeface="Calibri" panose="020F0502020204030204" pitchFamily="34" charset="0"/>
+                <a:cs typeface="Arial" panose="020B0604020202020204" pitchFamily="34" charset="0"/>
+              </a:rPr>
+              <a:t>ModuleWithProviders</a:t>
+            </a:r>
+            <a:r>
+              <a:rPr lang="en-US" sz="1400" dirty="0">
+                <a:solidFill>
+                  <a:srgbClr val="000000"/>
+                </a:solidFill>
+                <a:latin typeface="Calibri" panose="020F0502020204030204" pitchFamily="34" charset="0"/>
+                <a:ea typeface="Calibri" panose="020F0502020204030204" pitchFamily="34" charset="0"/>
+                <a:cs typeface="Arial" panose="020B0604020202020204" pitchFamily="34" charset="0"/>
+              </a:rPr>
+              <a:t> {</a:t>
+            </a:r>
+            <a:br>
+              <a:rPr lang="en-US" sz="1400" dirty="0">
+                <a:solidFill>
+                  <a:srgbClr val="000000"/>
+                </a:solidFill>
+                <a:latin typeface="Calibri" panose="020F0502020204030204" pitchFamily="34" charset="0"/>
+                <a:ea typeface="Calibri" panose="020F0502020204030204" pitchFamily="34" charset="0"/>
+                <a:cs typeface="Arial" panose="020B0604020202020204" pitchFamily="34" charset="0"/>
+              </a:rPr>
+            </a:br>
+            <a:r>
+              <a:rPr lang="en-US" sz="1400" dirty="0">
+                <a:solidFill>
+                  <a:srgbClr val="000000"/>
+                </a:solidFill>
+                <a:latin typeface="Calibri" panose="020F0502020204030204" pitchFamily="34" charset="0"/>
+                <a:ea typeface="Calibri" panose="020F0502020204030204" pitchFamily="34" charset="0"/>
+                <a:cs typeface="Arial" panose="020B0604020202020204" pitchFamily="34" charset="0"/>
+              </a:rPr>
+              <a:t>        </a:t>
+            </a:r>
+            <a:r>
+              <a:rPr lang="en-US" sz="1400" b="1" dirty="0">
+                <a:solidFill>
+                  <a:srgbClr val="000080"/>
+                </a:solidFill>
+                <a:latin typeface="Calibri" panose="020F0502020204030204" pitchFamily="34" charset="0"/>
+                <a:ea typeface="Calibri" panose="020F0502020204030204" pitchFamily="34" charset="0"/>
+                <a:cs typeface="Arial" panose="020B0604020202020204" pitchFamily="34" charset="0"/>
+              </a:rPr>
+              <a:t>return </a:t>
+            </a:r>
+            <a:r>
+              <a:rPr lang="en-US" sz="1400" dirty="0">
+                <a:solidFill>
+                  <a:srgbClr val="000000"/>
+                </a:solidFill>
+                <a:latin typeface="Calibri" panose="020F0502020204030204" pitchFamily="34" charset="0"/>
+                <a:ea typeface="Calibri" panose="020F0502020204030204" pitchFamily="34" charset="0"/>
+                <a:cs typeface="Arial" panose="020B0604020202020204" pitchFamily="34" charset="0"/>
+              </a:rPr>
+              <a:t>{</a:t>
+            </a:r>
+            <a:br>
+              <a:rPr lang="en-US" sz="1400" dirty="0">
+                <a:solidFill>
+                  <a:srgbClr val="000000"/>
+                </a:solidFill>
+                <a:latin typeface="Calibri" panose="020F0502020204030204" pitchFamily="34" charset="0"/>
+                <a:ea typeface="Calibri" panose="020F0502020204030204" pitchFamily="34" charset="0"/>
+                <a:cs typeface="Arial" panose="020B0604020202020204" pitchFamily="34" charset="0"/>
+              </a:rPr>
+            </a:br>
+            <a:r>
+              <a:rPr lang="en-US" sz="1400" dirty="0">
+                <a:solidFill>
+                  <a:srgbClr val="000000"/>
+                </a:solidFill>
+                <a:latin typeface="Calibri" panose="020F0502020204030204" pitchFamily="34" charset="0"/>
+                <a:ea typeface="Calibri" panose="020F0502020204030204" pitchFamily="34" charset="0"/>
+                <a:cs typeface="Arial" panose="020B0604020202020204" pitchFamily="34" charset="0"/>
+              </a:rPr>
+              <a:t>            </a:t>
+            </a:r>
+            <a:r>
+              <a:rPr lang="en-US" sz="1400" b="1" dirty="0" err="1">
+                <a:solidFill>
+                  <a:srgbClr val="660E7A"/>
+                </a:solidFill>
+                <a:latin typeface="Calibri" panose="020F0502020204030204" pitchFamily="34" charset="0"/>
+                <a:ea typeface="Calibri" panose="020F0502020204030204" pitchFamily="34" charset="0"/>
+                <a:cs typeface="Arial" panose="020B0604020202020204" pitchFamily="34" charset="0"/>
+              </a:rPr>
+              <a:t>ngModule</a:t>
+            </a:r>
+            <a:r>
+              <a:rPr lang="en-US" sz="1400" dirty="0">
+                <a:solidFill>
+                  <a:srgbClr val="000000"/>
+                </a:solidFill>
+                <a:latin typeface="Calibri" panose="020F0502020204030204" pitchFamily="34" charset="0"/>
+                <a:ea typeface="Calibri" panose="020F0502020204030204" pitchFamily="34" charset="0"/>
+                <a:cs typeface="Arial" panose="020B0604020202020204" pitchFamily="34" charset="0"/>
+              </a:rPr>
+              <a:t>: </a:t>
+            </a:r>
+            <a:r>
+              <a:rPr lang="en-US" sz="1400" dirty="0" err="1">
+                <a:solidFill>
+                  <a:srgbClr val="000000"/>
+                </a:solidFill>
+                <a:latin typeface="Calibri" panose="020F0502020204030204" pitchFamily="34" charset="0"/>
+                <a:ea typeface="Calibri" panose="020F0502020204030204" pitchFamily="34" charset="0"/>
+                <a:cs typeface="Arial" panose="020B0604020202020204" pitchFamily="34" charset="0"/>
+              </a:rPr>
+              <a:t>CommonModule</a:t>
+            </a:r>
+            <a:r>
+              <a:rPr lang="en-US" sz="1400" dirty="0">
+                <a:solidFill>
+                  <a:srgbClr val="000000"/>
+                </a:solidFill>
+                <a:latin typeface="Calibri" panose="020F0502020204030204" pitchFamily="34" charset="0"/>
+                <a:ea typeface="Calibri" panose="020F0502020204030204" pitchFamily="34" charset="0"/>
+                <a:cs typeface="Arial" panose="020B0604020202020204" pitchFamily="34" charset="0"/>
+              </a:rPr>
+              <a:t>,</a:t>
+            </a:r>
+            <a:br>
+              <a:rPr lang="en-US" sz="1400" dirty="0">
+                <a:solidFill>
+                  <a:srgbClr val="000000"/>
+                </a:solidFill>
+                <a:latin typeface="Calibri" panose="020F0502020204030204" pitchFamily="34" charset="0"/>
+                <a:ea typeface="Calibri" panose="020F0502020204030204" pitchFamily="34" charset="0"/>
+                <a:cs typeface="Arial" panose="020B0604020202020204" pitchFamily="34" charset="0"/>
+              </a:rPr>
+            </a:br>
+            <a:r>
+              <a:rPr lang="en-US" sz="1400" dirty="0">
+                <a:solidFill>
+                  <a:srgbClr val="000000"/>
+                </a:solidFill>
+                <a:latin typeface="Calibri" panose="020F0502020204030204" pitchFamily="34" charset="0"/>
+                <a:ea typeface="Calibri" panose="020F0502020204030204" pitchFamily="34" charset="0"/>
+                <a:cs typeface="Arial" panose="020B0604020202020204" pitchFamily="34" charset="0"/>
+              </a:rPr>
+              <a:t>            </a:t>
+            </a:r>
+            <a:r>
+              <a:rPr lang="en-US" sz="1400" b="1" dirty="0">
+                <a:solidFill>
+                  <a:srgbClr val="660E7A"/>
+                </a:solidFill>
+                <a:latin typeface="Calibri" panose="020F0502020204030204" pitchFamily="34" charset="0"/>
+                <a:ea typeface="Calibri" panose="020F0502020204030204" pitchFamily="34" charset="0"/>
+                <a:cs typeface="Arial" panose="020B0604020202020204" pitchFamily="34" charset="0"/>
+              </a:rPr>
+              <a:t>providers</a:t>
+            </a:r>
+            <a:r>
+              <a:rPr lang="en-US" sz="1400" dirty="0">
+                <a:solidFill>
+                  <a:srgbClr val="000000"/>
+                </a:solidFill>
+                <a:latin typeface="Calibri" panose="020F0502020204030204" pitchFamily="34" charset="0"/>
+                <a:ea typeface="Calibri" panose="020F0502020204030204" pitchFamily="34" charset="0"/>
+                <a:cs typeface="Arial" panose="020B0604020202020204" pitchFamily="34" charset="0"/>
+              </a:rPr>
+              <a:t>: [</a:t>
+            </a:r>
+            <a:br>
+              <a:rPr lang="en-US" sz="1400" dirty="0">
+                <a:solidFill>
+                  <a:srgbClr val="000000"/>
+                </a:solidFill>
+                <a:latin typeface="Calibri" panose="020F0502020204030204" pitchFamily="34" charset="0"/>
+                <a:ea typeface="Calibri" panose="020F0502020204030204" pitchFamily="34" charset="0"/>
+                <a:cs typeface="Arial" panose="020B0604020202020204" pitchFamily="34" charset="0"/>
+              </a:rPr>
+            </a:br>
+            <a:r>
+              <a:rPr lang="en-US" sz="1400" dirty="0">
+                <a:solidFill>
+                  <a:srgbClr val="000000"/>
+                </a:solidFill>
+                <a:latin typeface="Calibri" panose="020F0502020204030204" pitchFamily="34" charset="0"/>
+                <a:ea typeface="Calibri" panose="020F0502020204030204" pitchFamily="34" charset="0"/>
+                <a:cs typeface="Arial" panose="020B0604020202020204" pitchFamily="34" charset="0"/>
+              </a:rPr>
+              <a:t>                </a:t>
+            </a:r>
+            <a:r>
+              <a:rPr lang="en-US" sz="1400" dirty="0" err="1">
+                <a:solidFill>
+                  <a:srgbClr val="000000"/>
+                </a:solidFill>
+                <a:latin typeface="Calibri" panose="020F0502020204030204" pitchFamily="34" charset="0"/>
+                <a:ea typeface="Calibri" panose="020F0502020204030204" pitchFamily="34" charset="0"/>
+                <a:cs typeface="Arial" panose="020B0604020202020204" pitchFamily="34" charset="0"/>
+              </a:rPr>
+              <a:t>CommonService</a:t>
+            </a:r>
+            <a:r>
+              <a:rPr lang="en-US" sz="1400" dirty="0">
+                <a:solidFill>
+                  <a:srgbClr val="000000"/>
+                </a:solidFill>
+                <a:latin typeface="Calibri" panose="020F0502020204030204" pitchFamily="34" charset="0"/>
+                <a:ea typeface="Calibri" panose="020F0502020204030204" pitchFamily="34" charset="0"/>
+                <a:cs typeface="Arial" panose="020B0604020202020204" pitchFamily="34" charset="0"/>
+              </a:rPr>
+              <a:t>,</a:t>
+            </a:r>
+            <a:br>
+              <a:rPr lang="en-US" sz="1400" dirty="0">
+                <a:solidFill>
+                  <a:srgbClr val="000000"/>
+                </a:solidFill>
+                <a:latin typeface="Calibri" panose="020F0502020204030204" pitchFamily="34" charset="0"/>
+                <a:ea typeface="Calibri" panose="020F0502020204030204" pitchFamily="34" charset="0"/>
+                <a:cs typeface="Arial" panose="020B0604020202020204" pitchFamily="34" charset="0"/>
+              </a:rPr>
+            </a:br>
+            <a:r>
+              <a:rPr lang="en-US" sz="1400" dirty="0">
+                <a:solidFill>
+                  <a:srgbClr val="000000"/>
+                </a:solidFill>
+                <a:latin typeface="Calibri" panose="020F0502020204030204" pitchFamily="34" charset="0"/>
+                <a:ea typeface="Calibri" panose="020F0502020204030204" pitchFamily="34" charset="0"/>
+                <a:cs typeface="Arial" panose="020B0604020202020204" pitchFamily="34" charset="0"/>
+              </a:rPr>
+              <a:t>            ]</a:t>
+            </a:r>
+            <a:br>
+              <a:rPr lang="en-US" sz="1400" dirty="0">
+                <a:solidFill>
+                  <a:srgbClr val="000000"/>
+                </a:solidFill>
+                <a:latin typeface="Calibri" panose="020F0502020204030204" pitchFamily="34" charset="0"/>
+                <a:ea typeface="Calibri" panose="020F0502020204030204" pitchFamily="34" charset="0"/>
+                <a:cs typeface="Arial" panose="020B0604020202020204" pitchFamily="34" charset="0"/>
+              </a:rPr>
+            </a:br>
+            <a:r>
+              <a:rPr lang="en-US" sz="1400" dirty="0">
+                <a:solidFill>
+                  <a:srgbClr val="000000"/>
+                </a:solidFill>
+                <a:latin typeface="Calibri" panose="020F0502020204030204" pitchFamily="34" charset="0"/>
+                <a:ea typeface="Calibri" panose="020F0502020204030204" pitchFamily="34" charset="0"/>
+                <a:cs typeface="Arial" panose="020B0604020202020204" pitchFamily="34" charset="0"/>
+              </a:rPr>
+              <a:t>        };</a:t>
+            </a:r>
+            <a:br>
+              <a:rPr lang="en-US" sz="1400" dirty="0">
+                <a:solidFill>
+                  <a:srgbClr val="000000"/>
+                </a:solidFill>
+                <a:latin typeface="Calibri" panose="020F0502020204030204" pitchFamily="34" charset="0"/>
+                <a:ea typeface="Calibri" panose="020F0502020204030204" pitchFamily="34" charset="0"/>
+                <a:cs typeface="Arial" panose="020B0604020202020204" pitchFamily="34" charset="0"/>
+              </a:rPr>
+            </a:br>
+            <a:r>
+              <a:rPr lang="en-US" sz="1400" dirty="0">
+                <a:solidFill>
+                  <a:srgbClr val="000000"/>
+                </a:solidFill>
+                <a:latin typeface="Calibri" panose="020F0502020204030204" pitchFamily="34" charset="0"/>
+                <a:ea typeface="Calibri" panose="020F0502020204030204" pitchFamily="34" charset="0"/>
+                <a:cs typeface="Arial" panose="020B0604020202020204" pitchFamily="34" charset="0"/>
+              </a:rPr>
+              <a:t>    }</a:t>
+            </a:r>
+            <a:br>
+              <a:rPr lang="en-US" sz="1400" dirty="0">
+                <a:solidFill>
+                  <a:srgbClr val="000000"/>
+                </a:solidFill>
+                <a:latin typeface="Calibri" panose="020F0502020204030204" pitchFamily="34" charset="0"/>
+                <a:ea typeface="Calibri" panose="020F0502020204030204" pitchFamily="34" charset="0"/>
+                <a:cs typeface="Arial" panose="020B0604020202020204" pitchFamily="34" charset="0"/>
+              </a:rPr>
+            </a:br>
+            <a:br>
+              <a:rPr lang="en-US" sz="1400" dirty="0">
+                <a:solidFill>
+                  <a:srgbClr val="000000"/>
+                </a:solidFill>
+                <a:latin typeface="Calibri" panose="020F0502020204030204" pitchFamily="34" charset="0"/>
+                <a:ea typeface="Calibri" panose="020F0502020204030204" pitchFamily="34" charset="0"/>
+                <a:cs typeface="Arial" panose="020B0604020202020204" pitchFamily="34" charset="0"/>
+              </a:rPr>
+            </a:br>
+            <a:r>
+              <a:rPr lang="en-US" sz="1400" dirty="0">
+                <a:solidFill>
+                  <a:srgbClr val="000000"/>
+                </a:solidFill>
+                <a:latin typeface="Calibri" panose="020F0502020204030204" pitchFamily="34" charset="0"/>
+                <a:ea typeface="Calibri" panose="020F0502020204030204" pitchFamily="34" charset="0"/>
+                <a:cs typeface="Arial" panose="020B0604020202020204" pitchFamily="34" charset="0"/>
+              </a:rPr>
+              <a:t>    </a:t>
+            </a:r>
+            <a:r>
+              <a:rPr lang="en-US" sz="1400" b="1" dirty="0">
+                <a:solidFill>
+                  <a:srgbClr val="000080"/>
+                </a:solidFill>
+                <a:latin typeface="Calibri" panose="020F0502020204030204" pitchFamily="34" charset="0"/>
+                <a:ea typeface="Calibri" panose="020F0502020204030204" pitchFamily="34" charset="0"/>
+                <a:cs typeface="Arial" panose="020B0604020202020204" pitchFamily="34" charset="0"/>
+              </a:rPr>
+              <a:t>static </a:t>
+            </a:r>
+            <a:r>
+              <a:rPr lang="en-US" sz="1400" i="1" dirty="0" err="1">
+                <a:solidFill>
+                  <a:srgbClr val="000000"/>
+                </a:solidFill>
+                <a:latin typeface="Calibri" panose="020F0502020204030204" pitchFamily="34" charset="0"/>
+                <a:ea typeface="Calibri" panose="020F0502020204030204" pitchFamily="34" charset="0"/>
+                <a:cs typeface="Arial" panose="020B0604020202020204" pitchFamily="34" charset="0"/>
+              </a:rPr>
+              <a:t>forChild</a:t>
+            </a:r>
+            <a:r>
+              <a:rPr lang="en-US" sz="1400" dirty="0">
+                <a:solidFill>
+                  <a:srgbClr val="000000"/>
+                </a:solidFill>
+                <a:latin typeface="Calibri" panose="020F0502020204030204" pitchFamily="34" charset="0"/>
+                <a:ea typeface="Calibri" panose="020F0502020204030204" pitchFamily="34" charset="0"/>
+                <a:cs typeface="Arial" panose="020B0604020202020204" pitchFamily="34" charset="0"/>
+              </a:rPr>
+              <a:t>(): </a:t>
+            </a:r>
+            <a:r>
+              <a:rPr lang="en-US" sz="1400" dirty="0" err="1">
+                <a:solidFill>
+                  <a:srgbClr val="000000"/>
+                </a:solidFill>
+                <a:latin typeface="Calibri" panose="020F0502020204030204" pitchFamily="34" charset="0"/>
+                <a:ea typeface="Calibri" panose="020F0502020204030204" pitchFamily="34" charset="0"/>
+                <a:cs typeface="Arial" panose="020B0604020202020204" pitchFamily="34" charset="0"/>
+              </a:rPr>
+              <a:t>ModuleWithProviders</a:t>
+            </a:r>
+            <a:r>
+              <a:rPr lang="en-US" sz="1400" dirty="0">
+                <a:solidFill>
+                  <a:srgbClr val="000000"/>
+                </a:solidFill>
+                <a:latin typeface="Calibri" panose="020F0502020204030204" pitchFamily="34" charset="0"/>
+                <a:ea typeface="Calibri" panose="020F0502020204030204" pitchFamily="34" charset="0"/>
+                <a:cs typeface="Arial" panose="020B0604020202020204" pitchFamily="34" charset="0"/>
+              </a:rPr>
+              <a:t> {</a:t>
+            </a:r>
+            <a:br>
+              <a:rPr lang="en-US" sz="1400" dirty="0">
+                <a:solidFill>
+                  <a:srgbClr val="000000"/>
+                </a:solidFill>
+                <a:latin typeface="Calibri" panose="020F0502020204030204" pitchFamily="34" charset="0"/>
+                <a:ea typeface="Calibri" panose="020F0502020204030204" pitchFamily="34" charset="0"/>
+                <a:cs typeface="Arial" panose="020B0604020202020204" pitchFamily="34" charset="0"/>
+              </a:rPr>
+            </a:br>
+            <a:r>
+              <a:rPr lang="en-US" sz="1400" dirty="0">
+                <a:solidFill>
+                  <a:srgbClr val="000000"/>
+                </a:solidFill>
+                <a:latin typeface="Calibri" panose="020F0502020204030204" pitchFamily="34" charset="0"/>
+                <a:ea typeface="Calibri" panose="020F0502020204030204" pitchFamily="34" charset="0"/>
+                <a:cs typeface="Arial" panose="020B0604020202020204" pitchFamily="34" charset="0"/>
+              </a:rPr>
+              <a:t>        </a:t>
+            </a:r>
+            <a:r>
+              <a:rPr lang="en-US" sz="1400" b="1" dirty="0">
+                <a:solidFill>
+                  <a:srgbClr val="000080"/>
+                </a:solidFill>
+                <a:latin typeface="Calibri" panose="020F0502020204030204" pitchFamily="34" charset="0"/>
+                <a:ea typeface="Calibri" panose="020F0502020204030204" pitchFamily="34" charset="0"/>
+                <a:cs typeface="Arial" panose="020B0604020202020204" pitchFamily="34" charset="0"/>
+              </a:rPr>
+              <a:t>return </a:t>
+            </a:r>
+            <a:r>
+              <a:rPr lang="en-US" sz="1400" dirty="0">
+                <a:solidFill>
+                  <a:srgbClr val="000000"/>
+                </a:solidFill>
+                <a:latin typeface="Calibri" panose="020F0502020204030204" pitchFamily="34" charset="0"/>
+                <a:ea typeface="Calibri" panose="020F0502020204030204" pitchFamily="34" charset="0"/>
+                <a:cs typeface="Arial" panose="020B0604020202020204" pitchFamily="34" charset="0"/>
+              </a:rPr>
+              <a:t>{</a:t>
+            </a:r>
+            <a:br>
+              <a:rPr lang="en-US" sz="1400" dirty="0">
+                <a:solidFill>
+                  <a:srgbClr val="000000"/>
+                </a:solidFill>
+                <a:latin typeface="Calibri" panose="020F0502020204030204" pitchFamily="34" charset="0"/>
+                <a:ea typeface="Calibri" panose="020F0502020204030204" pitchFamily="34" charset="0"/>
+                <a:cs typeface="Arial" panose="020B0604020202020204" pitchFamily="34" charset="0"/>
+              </a:rPr>
+            </a:br>
+            <a:r>
+              <a:rPr lang="en-US" sz="1400" dirty="0">
+                <a:solidFill>
+                  <a:srgbClr val="000000"/>
+                </a:solidFill>
+                <a:latin typeface="Calibri" panose="020F0502020204030204" pitchFamily="34" charset="0"/>
+                <a:ea typeface="Calibri" panose="020F0502020204030204" pitchFamily="34" charset="0"/>
+                <a:cs typeface="Arial" panose="020B0604020202020204" pitchFamily="34" charset="0"/>
+              </a:rPr>
+              <a:t>            </a:t>
+            </a:r>
+            <a:r>
+              <a:rPr lang="en-US" sz="1400" b="1" dirty="0" err="1">
+                <a:solidFill>
+                  <a:srgbClr val="660E7A"/>
+                </a:solidFill>
+                <a:latin typeface="Calibri" panose="020F0502020204030204" pitchFamily="34" charset="0"/>
+                <a:ea typeface="Calibri" panose="020F0502020204030204" pitchFamily="34" charset="0"/>
+                <a:cs typeface="Arial" panose="020B0604020202020204" pitchFamily="34" charset="0"/>
+              </a:rPr>
+              <a:t>ngModule</a:t>
+            </a:r>
+            <a:r>
+              <a:rPr lang="en-US" sz="1400" dirty="0">
+                <a:solidFill>
+                  <a:srgbClr val="000000"/>
+                </a:solidFill>
+                <a:latin typeface="Calibri" panose="020F0502020204030204" pitchFamily="34" charset="0"/>
+                <a:ea typeface="Calibri" panose="020F0502020204030204" pitchFamily="34" charset="0"/>
+                <a:cs typeface="Arial" panose="020B0604020202020204" pitchFamily="34" charset="0"/>
+              </a:rPr>
+              <a:t>: </a:t>
+            </a:r>
+            <a:r>
+              <a:rPr lang="en-US" sz="1400" dirty="0" err="1">
+                <a:solidFill>
+                  <a:srgbClr val="000000"/>
+                </a:solidFill>
+                <a:latin typeface="Calibri" panose="020F0502020204030204" pitchFamily="34" charset="0"/>
+                <a:ea typeface="Calibri" panose="020F0502020204030204" pitchFamily="34" charset="0"/>
+                <a:cs typeface="Arial" panose="020B0604020202020204" pitchFamily="34" charset="0"/>
+              </a:rPr>
+              <a:t>CommonModule</a:t>
+            </a:r>
+            <a:r>
+              <a:rPr lang="en-US" sz="1400" dirty="0">
+                <a:solidFill>
+                  <a:srgbClr val="000000"/>
+                </a:solidFill>
+                <a:latin typeface="Calibri" panose="020F0502020204030204" pitchFamily="34" charset="0"/>
+                <a:ea typeface="Calibri" panose="020F0502020204030204" pitchFamily="34" charset="0"/>
+                <a:cs typeface="Arial" panose="020B0604020202020204" pitchFamily="34" charset="0"/>
+              </a:rPr>
+              <a:t>,</a:t>
+            </a:r>
+            <a:br>
+              <a:rPr lang="en-US" sz="1400" dirty="0">
+                <a:solidFill>
+                  <a:srgbClr val="000000"/>
+                </a:solidFill>
+                <a:latin typeface="Calibri" panose="020F0502020204030204" pitchFamily="34" charset="0"/>
+                <a:ea typeface="Calibri" panose="020F0502020204030204" pitchFamily="34" charset="0"/>
+                <a:cs typeface="Arial" panose="020B0604020202020204" pitchFamily="34" charset="0"/>
+              </a:rPr>
+            </a:br>
+            <a:r>
+              <a:rPr lang="en-US" sz="1400" dirty="0">
+                <a:solidFill>
+                  <a:srgbClr val="000000"/>
+                </a:solidFill>
+                <a:latin typeface="Calibri" panose="020F0502020204030204" pitchFamily="34" charset="0"/>
+                <a:ea typeface="Calibri" panose="020F0502020204030204" pitchFamily="34" charset="0"/>
+                <a:cs typeface="Arial" panose="020B0604020202020204" pitchFamily="34" charset="0"/>
+              </a:rPr>
+              <a:t>        };</a:t>
+            </a:r>
+            <a:br>
+              <a:rPr lang="en-US" sz="1400" dirty="0">
+                <a:solidFill>
+                  <a:srgbClr val="000000"/>
+                </a:solidFill>
+                <a:latin typeface="Calibri" panose="020F0502020204030204" pitchFamily="34" charset="0"/>
+                <a:ea typeface="Calibri" panose="020F0502020204030204" pitchFamily="34" charset="0"/>
+                <a:cs typeface="Arial" panose="020B0604020202020204" pitchFamily="34" charset="0"/>
+              </a:rPr>
+            </a:br>
+            <a:r>
+              <a:rPr lang="en-US" sz="1400" dirty="0">
+                <a:solidFill>
+                  <a:srgbClr val="000000"/>
+                </a:solidFill>
+                <a:latin typeface="Calibri" panose="020F0502020204030204" pitchFamily="34" charset="0"/>
+                <a:ea typeface="Calibri" panose="020F0502020204030204" pitchFamily="34" charset="0"/>
+                <a:cs typeface="Arial" panose="020B0604020202020204" pitchFamily="34" charset="0"/>
+              </a:rPr>
+              <a:t>    }</a:t>
+            </a:r>
+            <a:br>
+              <a:rPr lang="en-US" sz="1400" dirty="0">
+                <a:solidFill>
+                  <a:srgbClr val="000000"/>
+                </a:solidFill>
+                <a:latin typeface="Calibri" panose="020F0502020204030204" pitchFamily="34" charset="0"/>
+                <a:ea typeface="Calibri" panose="020F0502020204030204" pitchFamily="34" charset="0"/>
+                <a:cs typeface="Arial" panose="020B0604020202020204" pitchFamily="34" charset="0"/>
+              </a:rPr>
+            </a:br>
+            <a:r>
+              <a:rPr lang="en-US" sz="1400" dirty="0">
+                <a:solidFill>
+                  <a:srgbClr val="000000"/>
+                </a:solidFill>
+                <a:latin typeface="Calibri" panose="020F0502020204030204" pitchFamily="34" charset="0"/>
+                <a:ea typeface="Calibri" panose="020F0502020204030204" pitchFamily="34" charset="0"/>
+                <a:cs typeface="Arial" panose="020B0604020202020204" pitchFamily="34" charset="0"/>
+              </a:rPr>
+              <a:t>}</a:t>
+            </a:r>
+            <a:endParaRPr lang="he-IL" sz="1400" dirty="0"/>
+          </a:p>
+        </p:txBody>
+      </p:sp>
+      <p:sp>
+        <p:nvSpPr>
+          <p:cNvPr id="8" name="Rectangle 7"/>
+          <p:cNvSpPr/>
+          <p:nvPr/>
+        </p:nvSpPr>
+        <p:spPr>
+          <a:xfrm>
+            <a:off x="280498" y="2204864"/>
+            <a:ext cx="1483190" cy="1142400"/>
+          </a:xfrm>
+          <a:prstGeom prst="rect">
+            <a:avLst/>
+          </a:prstGeom>
+        </p:spPr>
+        <p:style>
+          <a:lnRef idx="2">
+            <a:schemeClr val="accent4">
+              <a:shade val="50000"/>
+            </a:schemeClr>
+          </a:lnRef>
+          <a:fillRef idx="1">
+            <a:schemeClr val="accent4"/>
+          </a:fillRef>
+          <a:effectRef idx="0">
+            <a:schemeClr val="accent4"/>
+          </a:effectRef>
+          <a:fontRef idx="minor">
+            <a:schemeClr val="lt1"/>
+          </a:fontRef>
+        </p:style>
+        <p:txBody>
+          <a:bodyPr rtlCol="1" anchor="ctr"/>
+          <a:lstStyle/>
+          <a:p>
+            <a:pPr algn="ctr"/>
+            <a:r>
+              <a:rPr lang="en-US" sz="1400" dirty="0"/>
+              <a:t>Specify components for both </a:t>
+            </a:r>
+            <a:r>
+              <a:rPr lang="en-US" sz="1400" dirty="0" err="1"/>
+              <a:t>forRoot</a:t>
+            </a:r>
+            <a:r>
+              <a:rPr lang="en-US" sz="1400" dirty="0"/>
+              <a:t> &amp; </a:t>
+            </a:r>
+            <a:r>
+              <a:rPr lang="en-US" sz="1400" dirty="0" err="1"/>
+              <a:t>forChild</a:t>
+            </a:r>
+            <a:endParaRPr lang="he-IL" sz="1400" dirty="0"/>
+          </a:p>
+        </p:txBody>
+      </p:sp>
+      <p:cxnSp>
+        <p:nvCxnSpPr>
+          <p:cNvPr id="9" name="Straight Arrow Connector 8"/>
+          <p:cNvCxnSpPr>
+            <a:cxnSpLocks/>
+            <a:stCxn id="8" idx="3"/>
+          </p:cNvCxnSpPr>
+          <p:nvPr/>
+        </p:nvCxnSpPr>
+        <p:spPr>
+          <a:xfrm flipV="1">
+            <a:off x="1763688" y="2348882"/>
+            <a:ext cx="792088" cy="427182"/>
+          </a:xfrm>
+          <a:prstGeom prst="straightConnector1">
+            <a:avLst/>
+          </a:prstGeom>
+          <a:ln w="15875">
+            <a:tailEnd type="triangle"/>
+          </a:ln>
+        </p:spPr>
+        <p:style>
+          <a:lnRef idx="1">
+            <a:schemeClr val="accent1"/>
+          </a:lnRef>
+          <a:fillRef idx="0">
+            <a:schemeClr val="accent1"/>
+          </a:fillRef>
+          <a:effectRef idx="0">
+            <a:schemeClr val="accent1"/>
+          </a:effectRef>
+          <a:fontRef idx="minor">
+            <a:schemeClr val="tx1"/>
+          </a:fontRef>
+        </p:style>
+      </p:cxnSp>
+      <p:sp>
+        <p:nvSpPr>
+          <p:cNvPr id="12" name="Rectangle 11"/>
+          <p:cNvSpPr/>
+          <p:nvPr/>
+        </p:nvSpPr>
+        <p:spPr>
+          <a:xfrm>
+            <a:off x="395536" y="3972888"/>
+            <a:ext cx="1224136" cy="1010234"/>
+          </a:xfrm>
+          <a:prstGeom prst="rect">
+            <a:avLst/>
+          </a:prstGeom>
+        </p:spPr>
+        <p:style>
+          <a:lnRef idx="2">
+            <a:schemeClr val="accent4">
+              <a:shade val="50000"/>
+            </a:schemeClr>
+          </a:lnRef>
+          <a:fillRef idx="1">
+            <a:schemeClr val="accent4"/>
+          </a:fillRef>
+          <a:effectRef idx="0">
+            <a:schemeClr val="accent4"/>
+          </a:effectRef>
+          <a:fontRef idx="minor">
+            <a:schemeClr val="lt1"/>
+          </a:fontRef>
+        </p:style>
+        <p:txBody>
+          <a:bodyPr rtlCol="1" anchor="ctr"/>
+          <a:lstStyle/>
+          <a:p>
+            <a:pPr algn="ctr"/>
+            <a:r>
+              <a:rPr lang="en-US" sz="1400" dirty="0" err="1"/>
+              <a:t>forRoot</a:t>
+            </a:r>
+            <a:r>
+              <a:rPr lang="en-US" sz="1400" dirty="0"/>
+              <a:t> specify providers</a:t>
+            </a:r>
+            <a:endParaRPr lang="he-IL" sz="1400" dirty="0"/>
+          </a:p>
+        </p:txBody>
+      </p:sp>
+      <p:cxnSp>
+        <p:nvCxnSpPr>
+          <p:cNvPr id="13" name="Straight Arrow Connector 12"/>
+          <p:cNvCxnSpPr>
+            <a:cxnSpLocks/>
+            <a:stCxn id="12" idx="3"/>
+          </p:cNvCxnSpPr>
+          <p:nvPr/>
+        </p:nvCxnSpPr>
+        <p:spPr>
+          <a:xfrm flipV="1">
+            <a:off x="1619672" y="3972888"/>
+            <a:ext cx="1296144" cy="505117"/>
+          </a:xfrm>
+          <a:prstGeom prst="straightConnector1">
+            <a:avLst/>
+          </a:prstGeom>
+          <a:ln w="15875">
+            <a:tailEnd type="triangle"/>
+          </a:ln>
+        </p:spPr>
+        <p:style>
+          <a:lnRef idx="1">
+            <a:schemeClr val="accent1"/>
+          </a:lnRef>
+          <a:fillRef idx="0">
+            <a:schemeClr val="accent1"/>
+          </a:fillRef>
+          <a:effectRef idx="0">
+            <a:schemeClr val="accent1"/>
+          </a:effectRef>
+          <a:fontRef idx="minor">
+            <a:schemeClr val="tx1"/>
+          </a:fontRef>
+        </p:style>
+      </p:cxnSp>
+      <p:sp>
+        <p:nvSpPr>
+          <p:cNvPr id="16" name="Rectangle 15"/>
+          <p:cNvSpPr/>
+          <p:nvPr/>
+        </p:nvSpPr>
+        <p:spPr>
+          <a:xfrm>
+            <a:off x="7452320" y="4066389"/>
+            <a:ext cx="1224136" cy="1010234"/>
+          </a:xfrm>
+          <a:prstGeom prst="rect">
+            <a:avLst/>
+          </a:prstGeom>
+        </p:spPr>
+        <p:style>
+          <a:lnRef idx="2">
+            <a:schemeClr val="accent4">
+              <a:shade val="50000"/>
+            </a:schemeClr>
+          </a:lnRef>
+          <a:fillRef idx="1">
+            <a:schemeClr val="accent4"/>
+          </a:fillRef>
+          <a:effectRef idx="0">
+            <a:schemeClr val="accent4"/>
+          </a:effectRef>
+          <a:fontRef idx="minor">
+            <a:schemeClr val="lt1"/>
+          </a:fontRef>
+        </p:style>
+        <p:txBody>
+          <a:bodyPr rtlCol="1" anchor="ctr"/>
+          <a:lstStyle/>
+          <a:p>
+            <a:pPr algn="ctr"/>
+            <a:r>
+              <a:rPr lang="en-US" sz="1400" dirty="0" err="1"/>
+              <a:t>forChild</a:t>
+            </a:r>
+            <a:r>
+              <a:rPr lang="en-US" sz="1400" dirty="0"/>
+              <a:t> does not specify providers</a:t>
+            </a:r>
+            <a:endParaRPr lang="he-IL" sz="1400" dirty="0"/>
+          </a:p>
+        </p:txBody>
+      </p:sp>
+      <p:cxnSp>
+        <p:nvCxnSpPr>
+          <p:cNvPr id="17" name="Straight Arrow Connector 16"/>
+          <p:cNvCxnSpPr>
+            <a:cxnSpLocks/>
+            <a:stCxn id="16" idx="1"/>
+          </p:cNvCxnSpPr>
+          <p:nvPr/>
+        </p:nvCxnSpPr>
+        <p:spPr>
+          <a:xfrm flipH="1">
+            <a:off x="5508104" y="4571506"/>
+            <a:ext cx="1944216" cy="729702"/>
+          </a:xfrm>
+          <a:prstGeom prst="straightConnector1">
+            <a:avLst/>
+          </a:prstGeom>
+          <a:ln w="15875">
+            <a:tailEnd type="triangle"/>
+          </a:ln>
+        </p:spPr>
+        <p:style>
+          <a:lnRef idx="1">
+            <a:schemeClr val="accent1"/>
+          </a:lnRef>
+          <a:fillRef idx="0">
+            <a:schemeClr val="accent1"/>
+          </a:fillRef>
+          <a:effectRef idx="0">
+            <a:schemeClr val="accent1"/>
+          </a:effectRef>
+          <a:fontRef idx="minor">
+            <a:schemeClr val="tx1"/>
+          </a:fontRef>
+        </p:style>
+      </p:cxnSp>
+    </p:spTree>
+    <p:extLst>
+      <p:ext uri="{BB962C8B-B14F-4D97-AF65-F5344CB8AC3E}">
+        <p14:creationId xmlns:p14="http://schemas.microsoft.com/office/powerpoint/2010/main" val="1380699493"/>
+      </p:ext>
+    </p:extLst>
+  </p:cSld>
+  <p:clrMapOvr>
+    <a:masterClrMapping/>
+  </p:clrMapOvr>
+</p:sld>
+</file>
+
+<file path=ppt/slides/slide41.xml><?xml version="1.0" encoding="utf-8"?>
+<p:sld xmlns:a="http://schemas.openxmlformats.org/drawingml/2006/main" xmlns:r="http://schemas.openxmlformats.org/officeDocument/2006/relationships" xmlns:p="http://schemas.openxmlformats.org/presentationml/2006/main">
+  <p:cSld>
+    <p:spTree>
+      <p:nvGrpSpPr>
+        <p:cNvPr id="1" name=""/>
+        <p:cNvGrpSpPr/>
+        <p:nvPr/>
+      </p:nvGrpSpPr>
+      <p:grpSpPr>
+        <a:xfrm>
+          <a:off x="0" y="0"/>
+          <a:ext cx="0" cy="0"/>
+          <a:chOff x="0" y="0"/>
+          <a:chExt cx="0" cy="0"/>
+        </a:xfrm>
+      </p:grpSpPr>
+      <p:sp>
+        <p:nvSpPr>
+          <p:cNvPr id="2" name="Title 1"/>
+          <p:cNvSpPr>
+            <a:spLocks noGrp="1"/>
+          </p:cNvSpPr>
+          <p:nvPr>
+            <p:ph type="title"/>
+          </p:nvPr>
+        </p:nvSpPr>
+        <p:spPr/>
+        <p:txBody>
+          <a:bodyPr/>
+          <a:lstStyle/>
+          <a:p>
+            <a:r>
+              <a:rPr lang="en-US" dirty="0"/>
+              <a:t>Summary</a:t>
+            </a:r>
+            <a:endParaRPr lang="he-IL" dirty="0"/>
+          </a:p>
+        </p:txBody>
+      </p:sp>
+      <p:sp>
+        <p:nvSpPr>
+          <p:cNvPr id="3" name="Footer Placeholder 2"/>
+          <p:cNvSpPr>
+            <a:spLocks noGrp="1"/>
+          </p:cNvSpPr>
+          <p:nvPr>
+            <p:ph type="ftr" sz="quarter" idx="11"/>
+          </p:nvPr>
+        </p:nvSpPr>
+        <p:spPr/>
+        <p:txBody>
+          <a:bodyPr/>
+          <a:lstStyle/>
+          <a:p>
+            <a:r>
+              <a:rPr lang="en-US"/>
+              <a:t>© 2016 Ori Calvo</a:t>
+            </a:r>
+            <a:endParaRPr lang="en-US" dirty="0"/>
+          </a:p>
+        </p:txBody>
+      </p:sp>
+      <p:sp>
+        <p:nvSpPr>
+          <p:cNvPr id="4" name="Slide Number Placeholder 3"/>
+          <p:cNvSpPr>
+            <a:spLocks noGrp="1"/>
+          </p:cNvSpPr>
+          <p:nvPr>
+            <p:ph type="sldNum" sz="quarter" idx="12"/>
+          </p:nvPr>
+        </p:nvSpPr>
+        <p:spPr/>
+        <p:txBody>
+          <a:bodyPr>
+            <a:normAutofit fontScale="85000" lnSpcReduction="20000"/>
+          </a:bodyPr>
+          <a:lstStyle/>
+          <a:p>
+            <a:fld id="{6EDEC3BC-0694-4586-AE63-02B4D54ABF43}" type="slidenum">
+              <a:rPr lang="en-US" smtClean="0"/>
+              <a:pPr/>
+              <a:t>41</a:t>
+            </a:fld>
+            <a:endParaRPr lang="en-US"/>
+          </a:p>
+        </p:txBody>
+      </p:sp>
+      <p:sp>
+        <p:nvSpPr>
+          <p:cNvPr id="5" name="Content Placeholder 4"/>
+          <p:cNvSpPr>
+            <a:spLocks noGrp="1"/>
+          </p:cNvSpPr>
+          <p:nvPr>
+            <p:ph sz="quarter" idx="1"/>
+          </p:nvPr>
+        </p:nvSpPr>
+        <p:spPr/>
+        <p:txBody>
+          <a:bodyPr/>
+          <a:lstStyle/>
+          <a:p>
+            <a:r>
+              <a:rPr lang="en-US" dirty="0"/>
+              <a:t>Angular offers its own DI mechanism</a:t>
+            </a:r>
+          </a:p>
+          <a:p>
+            <a:r>
+              <a:rPr lang="en-US" dirty="0"/>
+              <a:t>Quite “standard”</a:t>
+            </a:r>
+          </a:p>
+          <a:p>
+            <a:r>
+              <a:rPr lang="en-US" dirty="0"/>
+              <a:t>However, support the notion of child injector</a:t>
+            </a:r>
+          </a:p>
+          <a:p>
+            <a:r>
+              <a:rPr lang="en-US" dirty="0"/>
+              <a:t>Be prepared to handle cyclic </a:t>
+            </a:r>
+            <a:r>
+              <a:rPr lang="en-US"/>
+              <a:t>dependency errors</a:t>
+            </a:r>
+            <a:endParaRPr lang="he-IL" dirty="0"/>
+          </a:p>
+        </p:txBody>
+      </p:sp>
+    </p:spTree>
+    <p:extLst>
+      <p:ext uri="{BB962C8B-B14F-4D97-AF65-F5344CB8AC3E}">
+        <p14:creationId xmlns:p14="http://schemas.microsoft.com/office/powerpoint/2010/main" val="1154696767"/>
       </p:ext>
     </p:extLst>
   </p:cSld>
@@ -25992,14 +31356,20 @@
         <p:spPr>
           <a:xfrm>
             <a:off x="533400" y="1844824"/>
-            <a:ext cx="4572000" cy="1169551"/>
+            <a:ext cx="3246512" cy="1169551"/>
           </a:xfrm>
           <a:prstGeom prst="rect">
             <a:avLst/>
           </a:prstGeom>
+          <a:solidFill>
+            <a:schemeClr val="accent1">
+              <a:lumMod val="40000"/>
+              <a:lumOff val="60000"/>
+            </a:schemeClr>
+          </a:solidFill>
         </p:spPr>
         <p:txBody>
-          <a:bodyPr>
+          <a:bodyPr wrap="square">
             <a:spAutoFit/>
           </a:bodyPr>
           <a:lstStyle/>
@@ -26198,6 +31568,12 @@
           <a:prstGeom prst="rect">
             <a:avLst/>
           </a:prstGeom>
+          <a:solidFill>
+            <a:schemeClr val="accent1">
+              <a:lumMod val="40000"/>
+              <a:lumOff val="60000"/>
+            </a:schemeClr>
+          </a:solidFill>
         </p:spPr>
         <p:txBody>
           <a:bodyPr wrap="square">
@@ -26501,6 +31877,13 @@
               <a:gd name="adj6" fmla="val -139648"/>
             </a:avLst>
           </a:prstGeom>
+          <a:solidFill>
+            <a:schemeClr val="accent4"/>
+          </a:solidFill>
+          <a:ln>
+            <a:headEnd type="none"/>
+            <a:tailEnd type="triangle"/>
+          </a:ln>
         </p:spPr>
         <p:style>
           <a:lnRef idx="2">
@@ -26524,9 +31907,10 @@
           <a:p>
             <a:pPr algn="ctr"/>
             <a:r>
-              <a:rPr lang="en-US" sz="1400" dirty="0"/>
+              <a:rPr lang="en-US" sz="1400"/>
               <a:t>Token</a:t>
             </a:r>
+            <a:endParaRPr lang="en-US" sz="1400" dirty="0"/>
           </a:p>
         </p:txBody>
       </p:sp>
@@ -26551,6 +31935,13 @@
               <a:gd name="adj6" fmla="val -181332"/>
             </a:avLst>
           </a:prstGeom>
+          <a:solidFill>
+            <a:schemeClr val="accent4"/>
+          </a:solidFill>
+          <a:ln>
+            <a:headEnd type="none"/>
+            <a:tailEnd type="triangle"/>
+          </a:ln>
         </p:spPr>
         <p:style>
           <a:lnRef idx="2">
@@ -26601,6 +31992,13 @@
               <a:gd name="adj6" fmla="val 176763"/>
             </a:avLst>
           </a:prstGeom>
+          <a:solidFill>
+            <a:schemeClr val="accent4"/>
+          </a:solidFill>
+          <a:ln>
+            <a:headEnd type="none"/>
+            <a:tailEnd type="triangle"/>
+          </a:ln>
         </p:spPr>
         <p:style>
           <a:lnRef idx="2">
@@ -26624,9 +32022,10 @@
           <a:p>
             <a:pPr algn="ctr"/>
             <a:r>
-              <a:rPr lang="en-US" sz="1400" dirty="0"/>
+              <a:rPr lang="en-US" sz="1400"/>
               <a:t>Resolving a token</a:t>
             </a:r>
+            <a:endParaRPr lang="en-US" sz="1400" dirty="0"/>
           </a:p>
         </p:txBody>
       </p:sp>
@@ -26651,6 +32050,13 @@
               <a:gd name="adj6" fmla="val 100743"/>
             </a:avLst>
           </a:prstGeom>
+          <a:solidFill>
+            <a:schemeClr val="accent4"/>
+          </a:solidFill>
+          <a:ln>
+            <a:headEnd type="none"/>
+            <a:tailEnd type="triangle"/>
+          </a:ln>
         </p:spPr>
         <p:style>
           <a:lnRef idx="2">
@@ -26674,9 +32080,10 @@
           <a:p>
             <a:pPr algn="ctr"/>
             <a:r>
-              <a:rPr lang="en-US" sz="1400" dirty="0"/>
+              <a:rPr lang="en-US" sz="1400"/>
               <a:t>Provider</a:t>
             </a:r>
+            <a:endParaRPr lang="en-US" sz="1400" dirty="0"/>
           </a:p>
         </p:txBody>
       </p:sp>
@@ -27003,6 +32410,12 @@
           <a:prstGeom prst="rect">
             <a:avLst/>
           </a:prstGeom>
+          <a:solidFill>
+            <a:schemeClr val="accent1">
+              <a:lumMod val="40000"/>
+              <a:lumOff val="60000"/>
+            </a:schemeClr>
+          </a:solidFill>
         </p:spPr>
         <p:txBody>
           <a:bodyPr wrap="square">
@@ -27172,6 +32585,12 @@
           <a:prstGeom prst="rect">
             <a:avLst/>
           </a:prstGeom>
+          <a:solidFill>
+            <a:schemeClr val="accent1">
+              <a:lumMod val="40000"/>
+              <a:lumOff val="60000"/>
+            </a:schemeClr>
+          </a:solidFill>
         </p:spPr>
         <p:txBody>
           <a:bodyPr wrap="square">
